--- a/Write Up/Power Point/Dia.pptx
+++ b/Write Up/Power Point/Dia.pptx
@@ -2,21 +2,22 @@
 <file path=ppt/presentation.xml><?xml version="1.0" encoding="utf-8"?>
 <p:presentation xmlns:a="http://schemas.openxmlformats.org/drawingml/2006/main" xmlns:r="http://schemas.openxmlformats.org/officeDocument/2006/relationships" xmlns:p="http://schemas.openxmlformats.org/presentationml/2006/main" saveSubsetFonts="1">
   <p:sldMasterIdLst>
-    <p:sldMasterId id="2147483648" r:id="rId1"/>
+    <p:sldMasterId id="2147483660" r:id="rId1"/>
   </p:sldMasterIdLst>
   <p:sldIdLst>
     <p:sldId id="256" r:id="rId2"/>
     <p:sldId id="257" r:id="rId3"/>
     <p:sldId id="258" r:id="rId4"/>
     <p:sldId id="259" r:id="rId5"/>
+    <p:sldId id="260" r:id="rId6"/>
   </p:sldIdLst>
-  <p:sldSz cx="12192000" cy="6858000"/>
+  <p:sldSz cx="18000663" cy="18000663"/>
   <p:notesSz cx="6858000" cy="9144000"/>
   <p:defaultTextStyle>
     <a:defPPr>
       <a:defRPr lang="en-US"/>
     </a:defPPr>
-    <a:lvl1pPr marL="0" algn="l" defTabSz="914400" rtl="0" eaLnBrk="1" latinLnBrk="0" hangingPunct="1">
+    <a:lvl1pPr marL="0" algn="l" defTabSz="457200" rtl="0" eaLnBrk="1" latinLnBrk="0" hangingPunct="1">
       <a:defRPr sz="1800" kern="1200">
         <a:solidFill>
           <a:schemeClr val="tx1"/>
@@ -26,7 +27,7 @@
         <a:cs typeface="+mn-cs"/>
       </a:defRPr>
     </a:lvl1pPr>
-    <a:lvl2pPr marL="457200" algn="l" defTabSz="914400" rtl="0" eaLnBrk="1" latinLnBrk="0" hangingPunct="1">
+    <a:lvl2pPr marL="457200" algn="l" defTabSz="457200" rtl="0" eaLnBrk="1" latinLnBrk="0" hangingPunct="1">
       <a:defRPr sz="1800" kern="1200">
         <a:solidFill>
           <a:schemeClr val="tx1"/>
@@ -36,7 +37,7 @@
         <a:cs typeface="+mn-cs"/>
       </a:defRPr>
     </a:lvl2pPr>
-    <a:lvl3pPr marL="914400" algn="l" defTabSz="914400" rtl="0" eaLnBrk="1" latinLnBrk="0" hangingPunct="1">
+    <a:lvl3pPr marL="914400" algn="l" defTabSz="457200" rtl="0" eaLnBrk="1" latinLnBrk="0" hangingPunct="1">
       <a:defRPr sz="1800" kern="1200">
         <a:solidFill>
           <a:schemeClr val="tx1"/>
@@ -46,7 +47,7 @@
         <a:cs typeface="+mn-cs"/>
       </a:defRPr>
     </a:lvl3pPr>
-    <a:lvl4pPr marL="1371600" algn="l" defTabSz="914400" rtl="0" eaLnBrk="1" latinLnBrk="0" hangingPunct="1">
+    <a:lvl4pPr marL="1371600" algn="l" defTabSz="457200" rtl="0" eaLnBrk="1" latinLnBrk="0" hangingPunct="1">
       <a:defRPr sz="1800" kern="1200">
         <a:solidFill>
           <a:schemeClr val="tx1"/>
@@ -56,7 +57,7 @@
         <a:cs typeface="+mn-cs"/>
       </a:defRPr>
     </a:lvl4pPr>
-    <a:lvl5pPr marL="1828800" algn="l" defTabSz="914400" rtl="0" eaLnBrk="1" latinLnBrk="0" hangingPunct="1">
+    <a:lvl5pPr marL="1828800" algn="l" defTabSz="457200" rtl="0" eaLnBrk="1" latinLnBrk="0" hangingPunct="1">
       <a:defRPr sz="1800" kern="1200">
         <a:solidFill>
           <a:schemeClr val="tx1"/>
@@ -66,7 +67,7 @@
         <a:cs typeface="+mn-cs"/>
       </a:defRPr>
     </a:lvl5pPr>
-    <a:lvl6pPr marL="2286000" algn="l" defTabSz="914400" rtl="0" eaLnBrk="1" latinLnBrk="0" hangingPunct="1">
+    <a:lvl6pPr marL="2286000" algn="l" defTabSz="457200" rtl="0" eaLnBrk="1" latinLnBrk="0" hangingPunct="1">
       <a:defRPr sz="1800" kern="1200">
         <a:solidFill>
           <a:schemeClr val="tx1"/>
@@ -76,7 +77,7 @@
         <a:cs typeface="+mn-cs"/>
       </a:defRPr>
     </a:lvl6pPr>
-    <a:lvl7pPr marL="2743200" algn="l" defTabSz="914400" rtl="0" eaLnBrk="1" latinLnBrk="0" hangingPunct="1">
+    <a:lvl7pPr marL="2743200" algn="l" defTabSz="457200" rtl="0" eaLnBrk="1" latinLnBrk="0" hangingPunct="1">
       <a:defRPr sz="1800" kern="1200">
         <a:solidFill>
           <a:schemeClr val="tx1"/>
@@ -86,7 +87,7 @@
         <a:cs typeface="+mn-cs"/>
       </a:defRPr>
     </a:lvl7pPr>
-    <a:lvl8pPr marL="3200400" algn="l" defTabSz="914400" rtl="0" eaLnBrk="1" latinLnBrk="0" hangingPunct="1">
+    <a:lvl8pPr marL="3200400" algn="l" defTabSz="457200" rtl="0" eaLnBrk="1" latinLnBrk="0" hangingPunct="1">
       <a:defRPr sz="1800" kern="1200">
         <a:solidFill>
           <a:schemeClr val="tx1"/>
@@ -96,7 +97,7 @@
         <a:cs typeface="+mn-cs"/>
       </a:defRPr>
     </a:lvl8pPr>
-    <a:lvl9pPr marL="3657600" algn="l" defTabSz="914400" rtl="0" eaLnBrk="1" latinLnBrk="0" hangingPunct="1">
+    <a:lvl9pPr marL="3657600" algn="l" defTabSz="457200" rtl="0" eaLnBrk="1" latinLnBrk="0" hangingPunct="1">
       <a:defRPr sz="1800" kern="1200">
         <a:solidFill>
           <a:schemeClr val="tx1"/>
@@ -107,6 +108,11 @@
       </a:defRPr>
     </a:lvl9pPr>
   </p:defaultTextStyle>
+  <p:extLst>
+    <p:ext uri="{EFAFB233-063F-42B5-8137-9DF3F51BA10A}">
+      <p15:sldGuideLst xmlns:p15="http://schemas.microsoft.com/office/powerpoint/2012/main"/>
+    </p:ext>
+  </p:extLst>
 </p:presentation>
 </file>
 
@@ -139,15 +145,15 @@
         </p:nvSpPr>
         <p:spPr>
           <a:xfrm>
-            <a:off x="1524000" y="1122363"/>
-            <a:ext cx="9144000" cy="2387600"/>
+            <a:off x="1350050" y="2945943"/>
+            <a:ext cx="15300564" cy="6266897"/>
           </a:xfrm>
         </p:spPr>
         <p:txBody>
           <a:bodyPr anchor="b"/>
           <a:lstStyle>
             <a:lvl1pPr algn="ctr">
-              <a:defRPr sz="6000"/>
+              <a:defRPr sz="11812"/>
             </a:lvl1pPr>
           </a:lstStyle>
           <a:p>
@@ -155,7 +161,7 @@
               <a:rPr lang="en-US" smtClean="0"/>
               <a:t>Click to edit Master title style</a:t>
             </a:r>
-            <a:endParaRPr lang="en-GB"/>
+            <a:endParaRPr lang="en-US" dirty="0"/>
           </a:p>
         </p:txBody>
       </p:sp>
@@ -171,8 +177,8 @@
         </p:nvSpPr>
         <p:spPr>
           <a:xfrm>
-            <a:off x="1524000" y="3602038"/>
-            <a:ext cx="9144000" cy="1655762"/>
+            <a:off x="2250083" y="9454516"/>
+            <a:ext cx="13500497" cy="4345992"/>
           </a:xfrm>
         </p:spPr>
         <p:txBody>
@@ -180,39 +186,39 @@
           <a:lstStyle>
             <a:lvl1pPr marL="0" indent="0" algn="ctr">
               <a:buNone/>
-              <a:defRPr sz="2400"/>
+              <a:defRPr sz="4725"/>
             </a:lvl1pPr>
-            <a:lvl2pPr marL="457200" indent="0" algn="ctr">
+            <a:lvl2pPr marL="900044" indent="0" algn="ctr">
               <a:buNone/>
-              <a:defRPr sz="2000"/>
+              <a:defRPr sz="3937"/>
             </a:lvl2pPr>
-            <a:lvl3pPr marL="914400" indent="0" algn="ctr">
+            <a:lvl3pPr marL="1800088" indent="0" algn="ctr">
               <a:buNone/>
-              <a:defRPr sz="1800"/>
+              <a:defRPr sz="3543"/>
             </a:lvl3pPr>
-            <a:lvl4pPr marL="1371600" indent="0" algn="ctr">
+            <a:lvl4pPr marL="2700132" indent="0" algn="ctr">
               <a:buNone/>
-              <a:defRPr sz="1600"/>
+              <a:defRPr sz="3150"/>
             </a:lvl4pPr>
-            <a:lvl5pPr marL="1828800" indent="0" algn="ctr">
+            <a:lvl5pPr marL="3600176" indent="0" algn="ctr">
               <a:buNone/>
-              <a:defRPr sz="1600"/>
+              <a:defRPr sz="3150"/>
             </a:lvl5pPr>
-            <a:lvl6pPr marL="2286000" indent="0" algn="ctr">
+            <a:lvl6pPr marL="4500220" indent="0" algn="ctr">
               <a:buNone/>
-              <a:defRPr sz="1600"/>
+              <a:defRPr sz="3150"/>
             </a:lvl6pPr>
-            <a:lvl7pPr marL="2743200" indent="0" algn="ctr">
+            <a:lvl7pPr marL="5400264" indent="0" algn="ctr">
               <a:buNone/>
-              <a:defRPr sz="1600"/>
+              <a:defRPr sz="3150"/>
             </a:lvl7pPr>
-            <a:lvl8pPr marL="3200400" indent="0" algn="ctr">
+            <a:lvl8pPr marL="6300307" indent="0" algn="ctr">
               <a:buNone/>
-              <a:defRPr sz="1600"/>
+              <a:defRPr sz="3150"/>
             </a:lvl8pPr>
-            <a:lvl9pPr marL="3657600" indent="0" algn="ctr">
+            <a:lvl9pPr marL="7200351" indent="0" algn="ctr">
               <a:buNone/>
-              <a:defRPr sz="1600"/>
+              <a:defRPr sz="3150"/>
             </a:lvl9pPr>
           </a:lstStyle>
           <a:p>
@@ -220,7 +226,7 @@
               <a:rPr lang="en-US" smtClean="0"/>
               <a:t>Click to edit Master subtitle style</a:t>
             </a:r>
-            <a:endParaRPr lang="en-GB"/>
+            <a:endParaRPr lang="en-US" dirty="0"/>
           </a:p>
         </p:txBody>
       </p:sp>
@@ -241,7 +247,7 @@
           <a:p>
             <a:fld id="{BD70A680-B69F-474D-ADF6-DA601AAC90FA}" type="datetimeFigureOut">
               <a:rPr lang="en-GB" smtClean="0"/>
-              <a:t>21/05/2016</a:t>
+              <a:t>26/05/2016</a:t>
             </a:fld>
             <a:endParaRPr lang="en-GB"/>
           </a:p>
@@ -292,7 +298,7 @@
     </p:spTree>
     <p:extLst>
       <p:ext uri="{BB962C8B-B14F-4D97-AF65-F5344CB8AC3E}">
-        <p14:creationId xmlns:p14="http://schemas.microsoft.com/office/powerpoint/2010/main" val="771991743"/>
+        <p14:creationId xmlns:p14="http://schemas.microsoft.com/office/powerpoint/2010/main" val="1756386639"/>
       </p:ext>
     </p:extLst>
   </p:cSld>
@@ -338,7 +344,7 @@
               <a:rPr lang="en-US" smtClean="0"/>
               <a:t>Click to edit Master title style</a:t>
             </a:r>
-            <a:endParaRPr lang="en-GB"/>
+            <a:endParaRPr lang="en-US" dirty="0"/>
           </a:p>
         </p:txBody>
       </p:sp>
@@ -390,7 +396,7 @@
               <a:rPr lang="en-US" smtClean="0"/>
               <a:t>Fifth level</a:t>
             </a:r>
-            <a:endParaRPr lang="en-GB"/>
+            <a:endParaRPr lang="en-US" dirty="0"/>
           </a:p>
         </p:txBody>
       </p:sp>
@@ -411,7 +417,7 @@
           <a:p>
             <a:fld id="{BD70A680-B69F-474D-ADF6-DA601AAC90FA}" type="datetimeFigureOut">
               <a:rPr lang="en-GB" smtClean="0"/>
-              <a:t>21/05/2016</a:t>
+              <a:t>26/05/2016</a:t>
             </a:fld>
             <a:endParaRPr lang="en-GB"/>
           </a:p>
@@ -462,7 +468,7 @@
     </p:spTree>
     <p:extLst>
       <p:ext uri="{BB962C8B-B14F-4D97-AF65-F5344CB8AC3E}">
-        <p14:creationId xmlns:p14="http://schemas.microsoft.com/office/powerpoint/2010/main" val="2867866469"/>
+        <p14:creationId xmlns:p14="http://schemas.microsoft.com/office/powerpoint/2010/main" val="1304464833"/>
       </p:ext>
     </p:extLst>
   </p:cSld>
@@ -501,8 +507,8 @@
         </p:nvSpPr>
         <p:spPr>
           <a:xfrm>
-            <a:off x="8724900" y="365125"/>
-            <a:ext cx="2628900" cy="5811838"/>
+            <a:off x="12881725" y="958369"/>
+            <a:ext cx="3881393" cy="15254730"/>
           </a:xfrm>
         </p:spPr>
         <p:txBody>
@@ -513,7 +519,7 @@
               <a:rPr lang="en-US" smtClean="0"/>
               <a:t>Click to edit Master title style</a:t>
             </a:r>
-            <a:endParaRPr lang="en-GB"/>
+            <a:endParaRPr lang="en-US" dirty="0"/>
           </a:p>
         </p:txBody>
       </p:sp>
@@ -529,8 +535,8 @@
         </p:nvSpPr>
         <p:spPr>
           <a:xfrm>
-            <a:off x="838200" y="365125"/>
-            <a:ext cx="7734300" cy="5811838"/>
+            <a:off x="1237546" y="958369"/>
+            <a:ext cx="11419171" cy="15254730"/>
           </a:xfrm>
         </p:spPr>
         <p:txBody>
@@ -570,7 +576,7 @@
               <a:rPr lang="en-US" smtClean="0"/>
               <a:t>Fifth level</a:t>
             </a:r>
-            <a:endParaRPr lang="en-GB"/>
+            <a:endParaRPr lang="en-US" dirty="0"/>
           </a:p>
         </p:txBody>
       </p:sp>
@@ -591,7 +597,7 @@
           <a:p>
             <a:fld id="{BD70A680-B69F-474D-ADF6-DA601AAC90FA}" type="datetimeFigureOut">
               <a:rPr lang="en-GB" smtClean="0"/>
-              <a:t>21/05/2016</a:t>
+              <a:t>26/05/2016</a:t>
             </a:fld>
             <a:endParaRPr lang="en-GB"/>
           </a:p>
@@ -642,7 +648,7 @@
     </p:spTree>
     <p:extLst>
       <p:ext uri="{BB962C8B-B14F-4D97-AF65-F5344CB8AC3E}">
-        <p14:creationId xmlns:p14="http://schemas.microsoft.com/office/powerpoint/2010/main" val="2109527647"/>
+        <p14:creationId xmlns:p14="http://schemas.microsoft.com/office/powerpoint/2010/main" val="2194354455"/>
       </p:ext>
     </p:extLst>
   </p:cSld>
@@ -688,7 +694,7 @@
               <a:rPr lang="en-US" smtClean="0"/>
               <a:t>Click to edit Master title style</a:t>
             </a:r>
-            <a:endParaRPr lang="en-GB"/>
+            <a:endParaRPr lang="en-US" dirty="0"/>
           </a:p>
         </p:txBody>
       </p:sp>
@@ -740,7 +746,7 @@
               <a:rPr lang="en-US" smtClean="0"/>
               <a:t>Fifth level</a:t>
             </a:r>
-            <a:endParaRPr lang="en-GB"/>
+            <a:endParaRPr lang="en-US" dirty="0"/>
           </a:p>
         </p:txBody>
       </p:sp>
@@ -761,7 +767,7 @@
           <a:p>
             <a:fld id="{BD70A680-B69F-474D-ADF6-DA601AAC90FA}" type="datetimeFigureOut">
               <a:rPr lang="en-GB" smtClean="0"/>
-              <a:t>21/05/2016</a:t>
+              <a:t>26/05/2016</a:t>
             </a:fld>
             <a:endParaRPr lang="en-GB"/>
           </a:p>
@@ -812,7 +818,7 @@
     </p:spTree>
     <p:extLst>
       <p:ext uri="{BB962C8B-B14F-4D97-AF65-F5344CB8AC3E}">
-        <p14:creationId xmlns:p14="http://schemas.microsoft.com/office/powerpoint/2010/main" val="393973084"/>
+        <p14:creationId xmlns:p14="http://schemas.microsoft.com/office/powerpoint/2010/main" val="2909613228"/>
       </p:ext>
     </p:extLst>
   </p:cSld>
@@ -851,15 +857,15 @@
         </p:nvSpPr>
         <p:spPr>
           <a:xfrm>
-            <a:off x="831850" y="1709738"/>
-            <a:ext cx="10515600" cy="2852737"/>
+            <a:off x="1228171" y="4487671"/>
+            <a:ext cx="15525572" cy="7487774"/>
           </a:xfrm>
         </p:spPr>
         <p:txBody>
           <a:bodyPr anchor="b"/>
           <a:lstStyle>
             <a:lvl1pPr>
-              <a:defRPr sz="6000"/>
+              <a:defRPr sz="11812"/>
             </a:lvl1pPr>
           </a:lstStyle>
           <a:p>
@@ -867,7 +873,7 @@
               <a:rPr lang="en-US" smtClean="0"/>
               <a:t>Click to edit Master title style</a:t>
             </a:r>
-            <a:endParaRPr lang="en-GB"/>
+            <a:endParaRPr lang="en-US" dirty="0"/>
           </a:p>
         </p:txBody>
       </p:sp>
@@ -883,8 +889,8 @@
         </p:nvSpPr>
         <p:spPr>
           <a:xfrm>
-            <a:off x="831850" y="4589463"/>
-            <a:ext cx="10515600" cy="1500187"/>
+            <a:off x="1228171" y="12046282"/>
+            <a:ext cx="15525572" cy="3937644"/>
           </a:xfrm>
         </p:spPr>
         <p:txBody>
@@ -892,17 +898,15 @@
           <a:lstStyle>
             <a:lvl1pPr marL="0" indent="0">
               <a:buNone/>
-              <a:defRPr sz="2400">
+              <a:defRPr sz="4725">
                 <a:solidFill>
-                  <a:schemeClr val="tx1">
-                    <a:tint val="75000"/>
-                  </a:schemeClr>
+                  <a:schemeClr val="tx1"/>
                 </a:solidFill>
               </a:defRPr>
             </a:lvl1pPr>
-            <a:lvl2pPr marL="457200" indent="0">
+            <a:lvl2pPr marL="900044" indent="0">
               <a:buNone/>
-              <a:defRPr sz="2000">
+              <a:defRPr sz="3937">
                 <a:solidFill>
                   <a:schemeClr val="tx1">
                     <a:tint val="75000"/>
@@ -910,9 +914,9 @@
                 </a:solidFill>
               </a:defRPr>
             </a:lvl2pPr>
-            <a:lvl3pPr marL="914400" indent="0">
+            <a:lvl3pPr marL="1800088" indent="0">
               <a:buNone/>
-              <a:defRPr sz="1800">
+              <a:defRPr sz="3543">
                 <a:solidFill>
                   <a:schemeClr val="tx1">
                     <a:tint val="75000"/>
@@ -920,9 +924,9 @@
                 </a:solidFill>
               </a:defRPr>
             </a:lvl3pPr>
-            <a:lvl4pPr marL="1371600" indent="0">
+            <a:lvl4pPr marL="2700132" indent="0">
               <a:buNone/>
-              <a:defRPr sz="1600">
+              <a:defRPr sz="3150">
                 <a:solidFill>
                   <a:schemeClr val="tx1">
                     <a:tint val="75000"/>
@@ -930,9 +934,9 @@
                 </a:solidFill>
               </a:defRPr>
             </a:lvl4pPr>
-            <a:lvl5pPr marL="1828800" indent="0">
+            <a:lvl5pPr marL="3600176" indent="0">
               <a:buNone/>
-              <a:defRPr sz="1600">
+              <a:defRPr sz="3150">
                 <a:solidFill>
                   <a:schemeClr val="tx1">
                     <a:tint val="75000"/>
@@ -940,9 +944,9 @@
                 </a:solidFill>
               </a:defRPr>
             </a:lvl5pPr>
-            <a:lvl6pPr marL="2286000" indent="0">
+            <a:lvl6pPr marL="4500220" indent="0">
               <a:buNone/>
-              <a:defRPr sz="1600">
+              <a:defRPr sz="3150">
                 <a:solidFill>
                   <a:schemeClr val="tx1">
                     <a:tint val="75000"/>
@@ -950,9 +954,9 @@
                 </a:solidFill>
               </a:defRPr>
             </a:lvl6pPr>
-            <a:lvl7pPr marL="2743200" indent="0">
+            <a:lvl7pPr marL="5400264" indent="0">
               <a:buNone/>
-              <a:defRPr sz="1600">
+              <a:defRPr sz="3150">
                 <a:solidFill>
                   <a:schemeClr val="tx1">
                     <a:tint val="75000"/>
@@ -960,9 +964,9 @@
                 </a:solidFill>
               </a:defRPr>
             </a:lvl7pPr>
-            <a:lvl8pPr marL="3200400" indent="0">
+            <a:lvl8pPr marL="6300307" indent="0">
               <a:buNone/>
-              <a:defRPr sz="1600">
+              <a:defRPr sz="3150">
                 <a:solidFill>
                   <a:schemeClr val="tx1">
                     <a:tint val="75000"/>
@@ -970,9 +974,9 @@
                 </a:solidFill>
               </a:defRPr>
             </a:lvl8pPr>
-            <a:lvl9pPr marL="3657600" indent="0">
+            <a:lvl9pPr marL="7200351" indent="0">
               <a:buNone/>
-              <a:defRPr sz="1600">
+              <a:defRPr sz="3150">
                 <a:solidFill>
                   <a:schemeClr val="tx1">
                     <a:tint val="75000"/>
@@ -1007,7 +1011,7 @@
           <a:p>
             <a:fld id="{BD70A680-B69F-474D-ADF6-DA601AAC90FA}" type="datetimeFigureOut">
               <a:rPr lang="en-GB" smtClean="0"/>
-              <a:t>21/05/2016</a:t>
+              <a:t>26/05/2016</a:t>
             </a:fld>
             <a:endParaRPr lang="en-GB"/>
           </a:p>
@@ -1058,7 +1062,7 @@
     </p:spTree>
     <p:extLst>
       <p:ext uri="{BB962C8B-B14F-4D97-AF65-F5344CB8AC3E}">
-        <p14:creationId xmlns:p14="http://schemas.microsoft.com/office/powerpoint/2010/main" val="2055934928"/>
+        <p14:creationId xmlns:p14="http://schemas.microsoft.com/office/powerpoint/2010/main" val="4061886027"/>
       </p:ext>
     </p:extLst>
   </p:cSld>
@@ -1104,7 +1108,7 @@
               <a:rPr lang="en-US" smtClean="0"/>
               <a:t>Click to edit Master title style</a:t>
             </a:r>
-            <a:endParaRPr lang="en-GB"/>
+            <a:endParaRPr lang="en-US" dirty="0"/>
           </a:p>
         </p:txBody>
       </p:sp>
@@ -1120,8 +1124,8 @@
         </p:nvSpPr>
         <p:spPr>
           <a:xfrm>
-            <a:off x="838200" y="1825625"/>
-            <a:ext cx="5181600" cy="4351338"/>
+            <a:off x="1237545" y="4791843"/>
+            <a:ext cx="7650282" cy="11421255"/>
           </a:xfrm>
         </p:spPr>
         <p:txBody>
@@ -1161,7 +1165,7 @@
               <a:rPr lang="en-US" smtClean="0"/>
               <a:t>Fifth level</a:t>
             </a:r>
-            <a:endParaRPr lang="en-GB"/>
+            <a:endParaRPr lang="en-US" dirty="0"/>
           </a:p>
         </p:txBody>
       </p:sp>
@@ -1177,8 +1181,8 @@
         </p:nvSpPr>
         <p:spPr>
           <a:xfrm>
-            <a:off x="6172200" y="1825625"/>
-            <a:ext cx="5181600" cy="4351338"/>
+            <a:off x="9112836" y="4791843"/>
+            <a:ext cx="7650282" cy="11421255"/>
           </a:xfrm>
         </p:spPr>
         <p:txBody>
@@ -1218,7 +1222,7 @@
               <a:rPr lang="en-US" smtClean="0"/>
               <a:t>Fifth level</a:t>
             </a:r>
-            <a:endParaRPr lang="en-GB"/>
+            <a:endParaRPr lang="en-US" dirty="0"/>
           </a:p>
         </p:txBody>
       </p:sp>
@@ -1239,7 +1243,7 @@
           <a:p>
             <a:fld id="{BD70A680-B69F-474D-ADF6-DA601AAC90FA}" type="datetimeFigureOut">
               <a:rPr lang="en-GB" smtClean="0"/>
-              <a:t>21/05/2016</a:t>
+              <a:t>26/05/2016</a:t>
             </a:fld>
             <a:endParaRPr lang="en-GB"/>
           </a:p>
@@ -1290,7 +1294,7 @@
     </p:spTree>
     <p:extLst>
       <p:ext uri="{BB962C8B-B14F-4D97-AF65-F5344CB8AC3E}">
-        <p14:creationId xmlns:p14="http://schemas.microsoft.com/office/powerpoint/2010/main" val="2640603635"/>
+        <p14:creationId xmlns:p14="http://schemas.microsoft.com/office/powerpoint/2010/main" val="889734849"/>
       </p:ext>
     </p:extLst>
   </p:cSld>
@@ -1329,8 +1333,8 @@
         </p:nvSpPr>
         <p:spPr>
           <a:xfrm>
-            <a:off x="839788" y="365125"/>
-            <a:ext cx="10515600" cy="1325563"/>
+            <a:off x="1239890" y="958373"/>
+            <a:ext cx="15525572" cy="3479296"/>
           </a:xfrm>
         </p:spPr>
         <p:txBody>
@@ -1341,7 +1345,7 @@
               <a:rPr lang="en-US" smtClean="0"/>
               <a:t>Click to edit Master title style</a:t>
             </a:r>
-            <a:endParaRPr lang="en-GB"/>
+            <a:endParaRPr lang="en-US" dirty="0"/>
           </a:p>
         </p:txBody>
       </p:sp>
@@ -1357,8 +1361,8 @@
         </p:nvSpPr>
         <p:spPr>
           <a:xfrm>
-            <a:off x="839788" y="1681163"/>
-            <a:ext cx="5157787" cy="823912"/>
+            <a:off x="1239892" y="4412664"/>
+            <a:ext cx="7615123" cy="2162578"/>
           </a:xfrm>
         </p:spPr>
         <p:txBody>
@@ -1366,39 +1370,39 @@
           <a:lstStyle>
             <a:lvl1pPr marL="0" indent="0">
               <a:buNone/>
-              <a:defRPr sz="2400" b="1"/>
+              <a:defRPr sz="4725" b="1"/>
             </a:lvl1pPr>
-            <a:lvl2pPr marL="457200" indent="0">
+            <a:lvl2pPr marL="900044" indent="0">
               <a:buNone/>
-              <a:defRPr sz="2000" b="1"/>
+              <a:defRPr sz="3937" b="1"/>
             </a:lvl2pPr>
-            <a:lvl3pPr marL="914400" indent="0">
+            <a:lvl3pPr marL="1800088" indent="0">
               <a:buNone/>
-              <a:defRPr sz="1800" b="1"/>
+              <a:defRPr sz="3543" b="1"/>
             </a:lvl3pPr>
-            <a:lvl4pPr marL="1371600" indent="0">
+            <a:lvl4pPr marL="2700132" indent="0">
               <a:buNone/>
-              <a:defRPr sz="1600" b="1"/>
+              <a:defRPr sz="3150" b="1"/>
             </a:lvl4pPr>
-            <a:lvl5pPr marL="1828800" indent="0">
+            <a:lvl5pPr marL="3600176" indent="0">
               <a:buNone/>
-              <a:defRPr sz="1600" b="1"/>
+              <a:defRPr sz="3150" b="1"/>
             </a:lvl5pPr>
-            <a:lvl6pPr marL="2286000" indent="0">
+            <a:lvl6pPr marL="4500220" indent="0">
               <a:buNone/>
-              <a:defRPr sz="1600" b="1"/>
+              <a:defRPr sz="3150" b="1"/>
             </a:lvl6pPr>
-            <a:lvl7pPr marL="2743200" indent="0">
+            <a:lvl7pPr marL="5400264" indent="0">
               <a:buNone/>
-              <a:defRPr sz="1600" b="1"/>
+              <a:defRPr sz="3150" b="1"/>
             </a:lvl7pPr>
-            <a:lvl8pPr marL="3200400" indent="0">
+            <a:lvl8pPr marL="6300307" indent="0">
               <a:buNone/>
-              <a:defRPr sz="1600" b="1"/>
+              <a:defRPr sz="3150" b="1"/>
             </a:lvl8pPr>
-            <a:lvl9pPr marL="3657600" indent="0">
+            <a:lvl9pPr marL="7200351" indent="0">
               <a:buNone/>
-              <a:defRPr sz="1600" b="1"/>
+              <a:defRPr sz="3150" b="1"/>
             </a:lvl9pPr>
           </a:lstStyle>
           <a:p>
@@ -1422,8 +1426,8 @@
         </p:nvSpPr>
         <p:spPr>
           <a:xfrm>
-            <a:off x="839788" y="2505075"/>
-            <a:ext cx="5157787" cy="3684588"/>
+            <a:off x="1239892" y="6575242"/>
+            <a:ext cx="7615123" cy="9671191"/>
           </a:xfrm>
         </p:spPr>
         <p:txBody>
@@ -1463,7 +1467,7 @@
               <a:rPr lang="en-US" smtClean="0"/>
               <a:t>Fifth level</a:t>
             </a:r>
-            <a:endParaRPr lang="en-GB"/>
+            <a:endParaRPr lang="en-US" dirty="0"/>
           </a:p>
         </p:txBody>
       </p:sp>
@@ -1479,8 +1483,8 @@
         </p:nvSpPr>
         <p:spPr>
           <a:xfrm>
-            <a:off x="6172200" y="1681163"/>
-            <a:ext cx="5183188" cy="823912"/>
+            <a:off x="9112837" y="4412664"/>
+            <a:ext cx="7652626" cy="2162578"/>
           </a:xfrm>
         </p:spPr>
         <p:txBody>
@@ -1488,39 +1492,39 @@
           <a:lstStyle>
             <a:lvl1pPr marL="0" indent="0">
               <a:buNone/>
-              <a:defRPr sz="2400" b="1"/>
+              <a:defRPr sz="4725" b="1"/>
             </a:lvl1pPr>
-            <a:lvl2pPr marL="457200" indent="0">
+            <a:lvl2pPr marL="900044" indent="0">
               <a:buNone/>
-              <a:defRPr sz="2000" b="1"/>
+              <a:defRPr sz="3937" b="1"/>
             </a:lvl2pPr>
-            <a:lvl3pPr marL="914400" indent="0">
+            <a:lvl3pPr marL="1800088" indent="0">
               <a:buNone/>
-              <a:defRPr sz="1800" b="1"/>
+              <a:defRPr sz="3543" b="1"/>
             </a:lvl3pPr>
-            <a:lvl4pPr marL="1371600" indent="0">
+            <a:lvl4pPr marL="2700132" indent="0">
               <a:buNone/>
-              <a:defRPr sz="1600" b="1"/>
+              <a:defRPr sz="3150" b="1"/>
             </a:lvl4pPr>
-            <a:lvl5pPr marL="1828800" indent="0">
+            <a:lvl5pPr marL="3600176" indent="0">
               <a:buNone/>
-              <a:defRPr sz="1600" b="1"/>
+              <a:defRPr sz="3150" b="1"/>
             </a:lvl5pPr>
-            <a:lvl6pPr marL="2286000" indent="0">
+            <a:lvl6pPr marL="4500220" indent="0">
               <a:buNone/>
-              <a:defRPr sz="1600" b="1"/>
+              <a:defRPr sz="3150" b="1"/>
             </a:lvl6pPr>
-            <a:lvl7pPr marL="2743200" indent="0">
+            <a:lvl7pPr marL="5400264" indent="0">
               <a:buNone/>
-              <a:defRPr sz="1600" b="1"/>
+              <a:defRPr sz="3150" b="1"/>
             </a:lvl7pPr>
-            <a:lvl8pPr marL="3200400" indent="0">
+            <a:lvl8pPr marL="6300307" indent="0">
               <a:buNone/>
-              <a:defRPr sz="1600" b="1"/>
+              <a:defRPr sz="3150" b="1"/>
             </a:lvl8pPr>
-            <a:lvl9pPr marL="3657600" indent="0">
+            <a:lvl9pPr marL="7200351" indent="0">
               <a:buNone/>
-              <a:defRPr sz="1600" b="1"/>
+              <a:defRPr sz="3150" b="1"/>
             </a:lvl9pPr>
           </a:lstStyle>
           <a:p>
@@ -1544,8 +1548,8 @@
         </p:nvSpPr>
         <p:spPr>
           <a:xfrm>
-            <a:off x="6172200" y="2505075"/>
-            <a:ext cx="5183188" cy="3684588"/>
+            <a:off x="9112837" y="6575242"/>
+            <a:ext cx="7652626" cy="9671191"/>
           </a:xfrm>
         </p:spPr>
         <p:txBody>
@@ -1585,7 +1589,7 @@
               <a:rPr lang="en-US" smtClean="0"/>
               <a:t>Fifth level</a:t>
             </a:r>
-            <a:endParaRPr lang="en-GB"/>
+            <a:endParaRPr lang="en-US" dirty="0"/>
           </a:p>
         </p:txBody>
       </p:sp>
@@ -1606,7 +1610,7 @@
           <a:p>
             <a:fld id="{BD70A680-B69F-474D-ADF6-DA601AAC90FA}" type="datetimeFigureOut">
               <a:rPr lang="en-GB" smtClean="0"/>
-              <a:t>21/05/2016</a:t>
+              <a:t>26/05/2016</a:t>
             </a:fld>
             <a:endParaRPr lang="en-GB"/>
           </a:p>
@@ -1657,7 +1661,7 @@
     </p:spTree>
     <p:extLst>
       <p:ext uri="{BB962C8B-B14F-4D97-AF65-F5344CB8AC3E}">
-        <p14:creationId xmlns:p14="http://schemas.microsoft.com/office/powerpoint/2010/main" val="4274859360"/>
+        <p14:creationId xmlns:p14="http://schemas.microsoft.com/office/powerpoint/2010/main" val="3305389311"/>
       </p:ext>
     </p:extLst>
   </p:cSld>
@@ -1703,7 +1707,7 @@
               <a:rPr lang="en-US" smtClean="0"/>
               <a:t>Click to edit Master title style</a:t>
             </a:r>
-            <a:endParaRPr lang="en-GB"/>
+            <a:endParaRPr lang="en-US" dirty="0"/>
           </a:p>
         </p:txBody>
       </p:sp>
@@ -1724,7 +1728,7 @@
           <a:p>
             <a:fld id="{BD70A680-B69F-474D-ADF6-DA601AAC90FA}" type="datetimeFigureOut">
               <a:rPr lang="en-GB" smtClean="0"/>
-              <a:t>21/05/2016</a:t>
+              <a:t>26/05/2016</a:t>
             </a:fld>
             <a:endParaRPr lang="en-GB"/>
           </a:p>
@@ -1775,7 +1779,7 @@
     </p:spTree>
     <p:extLst>
       <p:ext uri="{BB962C8B-B14F-4D97-AF65-F5344CB8AC3E}">
-        <p14:creationId xmlns:p14="http://schemas.microsoft.com/office/powerpoint/2010/main" val="749118922"/>
+        <p14:creationId xmlns:p14="http://schemas.microsoft.com/office/powerpoint/2010/main" val="1195987385"/>
       </p:ext>
     </p:extLst>
   </p:cSld>
@@ -1819,7 +1823,7 @@
           <a:p>
             <a:fld id="{BD70A680-B69F-474D-ADF6-DA601AAC90FA}" type="datetimeFigureOut">
               <a:rPr lang="en-GB" smtClean="0"/>
-              <a:t>21/05/2016</a:t>
+              <a:t>26/05/2016</a:t>
             </a:fld>
             <a:endParaRPr lang="en-GB"/>
           </a:p>
@@ -1870,7 +1874,7 @@
     </p:spTree>
     <p:extLst>
       <p:ext uri="{BB962C8B-B14F-4D97-AF65-F5344CB8AC3E}">
-        <p14:creationId xmlns:p14="http://schemas.microsoft.com/office/powerpoint/2010/main" val="3957960617"/>
+        <p14:creationId xmlns:p14="http://schemas.microsoft.com/office/powerpoint/2010/main" val="1357711905"/>
       </p:ext>
     </p:extLst>
   </p:cSld>
@@ -1909,15 +1913,15 @@
         </p:nvSpPr>
         <p:spPr>
           <a:xfrm>
-            <a:off x="839788" y="457200"/>
-            <a:ext cx="3932237" cy="1600200"/>
+            <a:off x="1239890" y="1200044"/>
+            <a:ext cx="5805682" cy="4200155"/>
           </a:xfrm>
         </p:spPr>
         <p:txBody>
           <a:bodyPr anchor="b"/>
           <a:lstStyle>
             <a:lvl1pPr>
-              <a:defRPr sz="3200"/>
+              <a:defRPr sz="6300"/>
             </a:lvl1pPr>
           </a:lstStyle>
           <a:p>
@@ -1925,7 +1929,7 @@
               <a:rPr lang="en-US" smtClean="0"/>
               <a:t>Click to edit Master title style</a:t>
             </a:r>
-            <a:endParaRPr lang="en-GB"/>
+            <a:endParaRPr lang="en-US" dirty="0"/>
           </a:p>
         </p:txBody>
       </p:sp>
@@ -1941,39 +1945,39 @@
         </p:nvSpPr>
         <p:spPr>
           <a:xfrm>
-            <a:off x="5183188" y="987425"/>
-            <a:ext cx="6172200" cy="4873625"/>
+            <a:off x="7652626" y="2591766"/>
+            <a:ext cx="9112836" cy="12792138"/>
           </a:xfrm>
         </p:spPr>
         <p:txBody>
           <a:bodyPr/>
           <a:lstStyle>
             <a:lvl1pPr>
-              <a:defRPr sz="3200"/>
+              <a:defRPr sz="6300"/>
             </a:lvl1pPr>
             <a:lvl2pPr>
-              <a:defRPr sz="2800"/>
+              <a:defRPr sz="5512"/>
             </a:lvl2pPr>
             <a:lvl3pPr>
-              <a:defRPr sz="2400"/>
+              <a:defRPr sz="4725"/>
             </a:lvl3pPr>
             <a:lvl4pPr>
-              <a:defRPr sz="2000"/>
+              <a:defRPr sz="3937"/>
             </a:lvl4pPr>
             <a:lvl5pPr>
-              <a:defRPr sz="2000"/>
+              <a:defRPr sz="3937"/>
             </a:lvl5pPr>
             <a:lvl6pPr>
-              <a:defRPr sz="2000"/>
+              <a:defRPr sz="3937"/>
             </a:lvl6pPr>
             <a:lvl7pPr>
-              <a:defRPr sz="2000"/>
+              <a:defRPr sz="3937"/>
             </a:lvl7pPr>
             <a:lvl8pPr>
-              <a:defRPr sz="2000"/>
+              <a:defRPr sz="3937"/>
             </a:lvl8pPr>
             <a:lvl9pPr>
-              <a:defRPr sz="2000"/>
+              <a:defRPr sz="3937"/>
             </a:lvl9pPr>
           </a:lstStyle>
           <a:p>
@@ -2010,7 +2014,7 @@
               <a:rPr lang="en-US" smtClean="0"/>
               <a:t>Fifth level</a:t>
             </a:r>
-            <a:endParaRPr lang="en-GB"/>
+            <a:endParaRPr lang="en-US" dirty="0"/>
           </a:p>
         </p:txBody>
       </p:sp>
@@ -2026,8 +2030,8 @@
         </p:nvSpPr>
         <p:spPr>
           <a:xfrm>
-            <a:off x="839788" y="2057400"/>
-            <a:ext cx="3932237" cy="3811588"/>
+            <a:off x="1239890" y="5400199"/>
+            <a:ext cx="5805682" cy="10004536"/>
           </a:xfrm>
         </p:spPr>
         <p:txBody>
@@ -2035,39 +2039,39 @@
           <a:lstStyle>
             <a:lvl1pPr marL="0" indent="0">
               <a:buNone/>
-              <a:defRPr sz="1600"/>
+              <a:defRPr sz="3150"/>
             </a:lvl1pPr>
-            <a:lvl2pPr marL="457200" indent="0">
+            <a:lvl2pPr marL="900044" indent="0">
               <a:buNone/>
-              <a:defRPr sz="1400"/>
+              <a:defRPr sz="2756"/>
             </a:lvl2pPr>
-            <a:lvl3pPr marL="914400" indent="0">
+            <a:lvl3pPr marL="1800088" indent="0">
               <a:buNone/>
-              <a:defRPr sz="1200"/>
+              <a:defRPr sz="2362"/>
             </a:lvl3pPr>
-            <a:lvl4pPr marL="1371600" indent="0">
+            <a:lvl4pPr marL="2700132" indent="0">
               <a:buNone/>
-              <a:defRPr sz="1000"/>
+              <a:defRPr sz="1969"/>
             </a:lvl4pPr>
-            <a:lvl5pPr marL="1828800" indent="0">
+            <a:lvl5pPr marL="3600176" indent="0">
               <a:buNone/>
-              <a:defRPr sz="1000"/>
+              <a:defRPr sz="1969"/>
             </a:lvl5pPr>
-            <a:lvl6pPr marL="2286000" indent="0">
+            <a:lvl6pPr marL="4500220" indent="0">
               <a:buNone/>
-              <a:defRPr sz="1000"/>
+              <a:defRPr sz="1969"/>
             </a:lvl6pPr>
-            <a:lvl7pPr marL="2743200" indent="0">
+            <a:lvl7pPr marL="5400264" indent="0">
               <a:buNone/>
-              <a:defRPr sz="1000"/>
+              <a:defRPr sz="1969"/>
             </a:lvl7pPr>
-            <a:lvl8pPr marL="3200400" indent="0">
+            <a:lvl8pPr marL="6300307" indent="0">
               <a:buNone/>
-              <a:defRPr sz="1000"/>
+              <a:defRPr sz="1969"/>
             </a:lvl8pPr>
-            <a:lvl9pPr marL="3657600" indent="0">
+            <a:lvl9pPr marL="7200351" indent="0">
               <a:buNone/>
-              <a:defRPr sz="1000"/>
+              <a:defRPr sz="1969"/>
             </a:lvl9pPr>
           </a:lstStyle>
           <a:p>
@@ -2096,7 +2100,7 @@
           <a:p>
             <a:fld id="{BD70A680-B69F-474D-ADF6-DA601AAC90FA}" type="datetimeFigureOut">
               <a:rPr lang="en-GB" smtClean="0"/>
-              <a:t>21/05/2016</a:t>
+              <a:t>26/05/2016</a:t>
             </a:fld>
             <a:endParaRPr lang="en-GB"/>
           </a:p>
@@ -2147,7 +2151,7 @@
     </p:spTree>
     <p:extLst>
       <p:ext uri="{BB962C8B-B14F-4D97-AF65-F5344CB8AC3E}">
-        <p14:creationId xmlns:p14="http://schemas.microsoft.com/office/powerpoint/2010/main" val="953382690"/>
+        <p14:creationId xmlns:p14="http://schemas.microsoft.com/office/powerpoint/2010/main" val="2874640411"/>
       </p:ext>
     </p:extLst>
   </p:cSld>
@@ -2186,15 +2190,15 @@
         </p:nvSpPr>
         <p:spPr>
           <a:xfrm>
-            <a:off x="839788" y="457200"/>
-            <a:ext cx="3932237" cy="1600200"/>
+            <a:off x="1239890" y="1200044"/>
+            <a:ext cx="5805682" cy="4200155"/>
           </a:xfrm>
         </p:spPr>
         <p:txBody>
           <a:bodyPr anchor="b"/>
           <a:lstStyle>
             <a:lvl1pPr>
-              <a:defRPr sz="3200"/>
+              <a:defRPr sz="6300"/>
             </a:lvl1pPr>
           </a:lstStyle>
           <a:p>
@@ -2202,7 +2206,7 @@
               <a:rPr lang="en-US" smtClean="0"/>
               <a:t>Click to edit Master title style</a:t>
             </a:r>
-            <a:endParaRPr lang="en-GB"/>
+            <a:endParaRPr lang="en-US" dirty="0"/>
           </a:p>
         </p:txBody>
       </p:sp>
@@ -2210,7 +2214,7 @@
         <p:nvSpPr>
           <p:cNvPr id="3" name="Picture Placeholder 2"/>
           <p:cNvSpPr>
-            <a:spLocks noGrp="1"/>
+            <a:spLocks noGrp="1" noChangeAspect="1"/>
           </p:cNvSpPr>
           <p:nvPr>
             <p:ph type="pic" idx="1"/>
@@ -2218,52 +2222,56 @@
         </p:nvSpPr>
         <p:spPr>
           <a:xfrm>
-            <a:off x="5183188" y="987425"/>
-            <a:ext cx="6172200" cy="4873625"/>
-          </a:xfrm>
-        </p:spPr>
-        <p:txBody>
-          <a:bodyPr/>
+            <a:off x="7652626" y="2591766"/>
+            <a:ext cx="9112836" cy="12792138"/>
+          </a:xfrm>
+        </p:spPr>
+        <p:txBody>
+          <a:bodyPr anchor="t"/>
           <a:lstStyle>
             <a:lvl1pPr marL="0" indent="0">
               <a:buNone/>
-              <a:defRPr sz="3200"/>
+              <a:defRPr sz="6300"/>
             </a:lvl1pPr>
-            <a:lvl2pPr marL="457200" indent="0">
+            <a:lvl2pPr marL="900044" indent="0">
               <a:buNone/>
-              <a:defRPr sz="2800"/>
+              <a:defRPr sz="5512"/>
             </a:lvl2pPr>
-            <a:lvl3pPr marL="914400" indent="0">
+            <a:lvl3pPr marL="1800088" indent="0">
               <a:buNone/>
-              <a:defRPr sz="2400"/>
+              <a:defRPr sz="4725"/>
             </a:lvl3pPr>
-            <a:lvl4pPr marL="1371600" indent="0">
+            <a:lvl4pPr marL="2700132" indent="0">
               <a:buNone/>
-              <a:defRPr sz="2000"/>
+              <a:defRPr sz="3937"/>
             </a:lvl4pPr>
-            <a:lvl5pPr marL="1828800" indent="0">
+            <a:lvl5pPr marL="3600176" indent="0">
               <a:buNone/>
-              <a:defRPr sz="2000"/>
+              <a:defRPr sz="3937"/>
             </a:lvl5pPr>
-            <a:lvl6pPr marL="2286000" indent="0">
+            <a:lvl6pPr marL="4500220" indent="0">
               <a:buNone/>
-              <a:defRPr sz="2000"/>
+              <a:defRPr sz="3937"/>
             </a:lvl6pPr>
-            <a:lvl7pPr marL="2743200" indent="0">
+            <a:lvl7pPr marL="5400264" indent="0">
               <a:buNone/>
-              <a:defRPr sz="2000"/>
+              <a:defRPr sz="3937"/>
             </a:lvl7pPr>
-            <a:lvl8pPr marL="3200400" indent="0">
+            <a:lvl8pPr marL="6300307" indent="0">
               <a:buNone/>
-              <a:defRPr sz="2000"/>
+              <a:defRPr sz="3937"/>
             </a:lvl8pPr>
-            <a:lvl9pPr marL="3657600" indent="0">
+            <a:lvl9pPr marL="7200351" indent="0">
               <a:buNone/>
-              <a:defRPr sz="2000"/>
+              <a:defRPr sz="3937"/>
             </a:lvl9pPr>
           </a:lstStyle>
           <a:p>
-            <a:endParaRPr lang="en-GB"/>
+            <a:r>
+              <a:rPr lang="en-US" smtClean="0"/>
+              <a:t>Click icon to add picture</a:t>
+            </a:r>
+            <a:endParaRPr lang="en-US" dirty="0"/>
           </a:p>
         </p:txBody>
       </p:sp>
@@ -2279,8 +2287,8 @@
         </p:nvSpPr>
         <p:spPr>
           <a:xfrm>
-            <a:off x="839788" y="2057400"/>
-            <a:ext cx="3932237" cy="3811588"/>
+            <a:off x="1239890" y="5400199"/>
+            <a:ext cx="5805682" cy="10004536"/>
           </a:xfrm>
         </p:spPr>
         <p:txBody>
@@ -2288,39 +2296,39 @@
           <a:lstStyle>
             <a:lvl1pPr marL="0" indent="0">
               <a:buNone/>
-              <a:defRPr sz="1600"/>
+              <a:defRPr sz="3150"/>
             </a:lvl1pPr>
-            <a:lvl2pPr marL="457200" indent="0">
+            <a:lvl2pPr marL="900044" indent="0">
               <a:buNone/>
-              <a:defRPr sz="1400"/>
+              <a:defRPr sz="2756"/>
             </a:lvl2pPr>
-            <a:lvl3pPr marL="914400" indent="0">
+            <a:lvl3pPr marL="1800088" indent="0">
               <a:buNone/>
-              <a:defRPr sz="1200"/>
+              <a:defRPr sz="2362"/>
             </a:lvl3pPr>
-            <a:lvl4pPr marL="1371600" indent="0">
+            <a:lvl4pPr marL="2700132" indent="0">
               <a:buNone/>
-              <a:defRPr sz="1000"/>
+              <a:defRPr sz="1969"/>
             </a:lvl4pPr>
-            <a:lvl5pPr marL="1828800" indent="0">
+            <a:lvl5pPr marL="3600176" indent="0">
               <a:buNone/>
-              <a:defRPr sz="1000"/>
+              <a:defRPr sz="1969"/>
             </a:lvl5pPr>
-            <a:lvl6pPr marL="2286000" indent="0">
+            <a:lvl6pPr marL="4500220" indent="0">
               <a:buNone/>
-              <a:defRPr sz="1000"/>
+              <a:defRPr sz="1969"/>
             </a:lvl6pPr>
-            <a:lvl7pPr marL="2743200" indent="0">
+            <a:lvl7pPr marL="5400264" indent="0">
               <a:buNone/>
-              <a:defRPr sz="1000"/>
+              <a:defRPr sz="1969"/>
             </a:lvl7pPr>
-            <a:lvl8pPr marL="3200400" indent="0">
+            <a:lvl8pPr marL="6300307" indent="0">
               <a:buNone/>
-              <a:defRPr sz="1000"/>
+              <a:defRPr sz="1969"/>
             </a:lvl8pPr>
-            <a:lvl9pPr marL="3657600" indent="0">
+            <a:lvl9pPr marL="7200351" indent="0">
               <a:buNone/>
-              <a:defRPr sz="1000"/>
+              <a:defRPr sz="1969"/>
             </a:lvl9pPr>
           </a:lstStyle>
           <a:p>
@@ -2349,7 +2357,7 @@
           <a:p>
             <a:fld id="{BD70A680-B69F-474D-ADF6-DA601AAC90FA}" type="datetimeFigureOut">
               <a:rPr lang="en-GB" smtClean="0"/>
-              <a:t>21/05/2016</a:t>
+              <a:t>26/05/2016</a:t>
             </a:fld>
             <a:endParaRPr lang="en-GB"/>
           </a:p>
@@ -2400,7 +2408,7 @@
     </p:spTree>
     <p:extLst>
       <p:ext uri="{BB962C8B-B14F-4D97-AF65-F5344CB8AC3E}">
-        <p14:creationId xmlns:p14="http://schemas.microsoft.com/office/powerpoint/2010/main" val="1908777708"/>
+        <p14:creationId xmlns:p14="http://schemas.microsoft.com/office/powerpoint/2010/main" val="2711839219"/>
       </p:ext>
     </p:extLst>
   </p:cSld>
@@ -2444,8 +2452,8 @@
         </p:nvSpPr>
         <p:spPr>
           <a:xfrm>
-            <a:off x="838200" y="365125"/>
-            <a:ext cx="10515600" cy="1325563"/>
+            <a:off x="1237546" y="958373"/>
+            <a:ext cx="15525572" cy="3479296"/>
           </a:xfrm>
           <a:prstGeom prst="rect">
             <a:avLst/>
@@ -2461,7 +2469,7 @@
               <a:rPr lang="en-US" smtClean="0"/>
               <a:t>Click to edit Master title style</a:t>
             </a:r>
-            <a:endParaRPr lang="en-GB"/>
+            <a:endParaRPr lang="en-US" dirty="0"/>
           </a:p>
         </p:txBody>
       </p:sp>
@@ -2477,8 +2485,8 @@
         </p:nvSpPr>
         <p:spPr>
           <a:xfrm>
-            <a:off x="838200" y="1825625"/>
-            <a:ext cx="10515600" cy="4351338"/>
+            <a:off x="1237546" y="4791843"/>
+            <a:ext cx="15525572" cy="11421255"/>
           </a:xfrm>
           <a:prstGeom prst="rect">
             <a:avLst/>
@@ -2523,7 +2531,7 @@
               <a:rPr lang="en-US" smtClean="0"/>
               <a:t>Fifth level</a:t>
             </a:r>
-            <a:endParaRPr lang="en-GB"/>
+            <a:endParaRPr lang="en-US" dirty="0"/>
           </a:p>
         </p:txBody>
       </p:sp>
@@ -2539,8 +2547,8 @@
         </p:nvSpPr>
         <p:spPr>
           <a:xfrm>
-            <a:off x="838200" y="6356350"/>
-            <a:ext cx="2743200" cy="365125"/>
+            <a:off x="1237546" y="16683952"/>
+            <a:ext cx="4050149" cy="958369"/>
           </a:xfrm>
           <a:prstGeom prst="rect">
             <a:avLst/>
@@ -2550,7 +2558,7 @@
           <a:bodyPr vert="horz" lIns="91440" tIns="45720" rIns="91440" bIns="45720" rtlCol="0" anchor="ctr"/>
           <a:lstStyle>
             <a:lvl1pPr algn="l">
-              <a:defRPr sz="1200">
+              <a:defRPr sz="2362">
                 <a:solidFill>
                   <a:schemeClr val="tx1">
                     <a:tint val="75000"/>
@@ -2562,7 +2570,7 @@
           <a:p>
             <a:fld id="{BD70A680-B69F-474D-ADF6-DA601AAC90FA}" type="datetimeFigureOut">
               <a:rPr lang="en-GB" smtClean="0"/>
-              <a:t>21/05/2016</a:t>
+              <a:t>26/05/2016</a:t>
             </a:fld>
             <a:endParaRPr lang="en-GB"/>
           </a:p>
@@ -2580,8 +2588,8 @@
         </p:nvSpPr>
         <p:spPr>
           <a:xfrm>
-            <a:off x="4038600" y="6356350"/>
-            <a:ext cx="4114800" cy="365125"/>
+            <a:off x="5962720" y="16683952"/>
+            <a:ext cx="6075224" cy="958369"/>
           </a:xfrm>
           <a:prstGeom prst="rect">
             <a:avLst/>
@@ -2591,7 +2599,7 @@
           <a:bodyPr vert="horz" lIns="91440" tIns="45720" rIns="91440" bIns="45720" rtlCol="0" anchor="ctr"/>
           <a:lstStyle>
             <a:lvl1pPr algn="ctr">
-              <a:defRPr sz="1200">
+              <a:defRPr sz="2362">
                 <a:solidFill>
                   <a:schemeClr val="tx1">
                     <a:tint val="75000"/>
@@ -2617,8 +2625,8 @@
         </p:nvSpPr>
         <p:spPr>
           <a:xfrm>
-            <a:off x="8610600" y="6356350"/>
-            <a:ext cx="2743200" cy="365125"/>
+            <a:off x="12712968" y="16683952"/>
+            <a:ext cx="4050149" cy="958369"/>
           </a:xfrm>
           <a:prstGeom prst="rect">
             <a:avLst/>
@@ -2628,7 +2636,7 @@
           <a:bodyPr vert="horz" lIns="91440" tIns="45720" rIns="91440" bIns="45720" rtlCol="0" anchor="ctr"/>
           <a:lstStyle>
             <a:lvl1pPr algn="r">
-              <a:defRPr sz="1200">
+              <a:defRPr sz="2362">
                 <a:solidFill>
                   <a:schemeClr val="tx1">
                     <a:tint val="75000"/>
@@ -2649,27 +2657,27 @@
     </p:spTree>
     <p:extLst>
       <p:ext uri="{BB962C8B-B14F-4D97-AF65-F5344CB8AC3E}">
-        <p14:creationId xmlns:p14="http://schemas.microsoft.com/office/powerpoint/2010/main" val="4076531190"/>
+        <p14:creationId xmlns:p14="http://schemas.microsoft.com/office/powerpoint/2010/main" val="4068055786"/>
       </p:ext>
     </p:extLst>
   </p:cSld>
   <p:clrMap bg1="lt1" tx1="dk1" bg2="lt2" tx2="dk2" accent1="accent1" accent2="accent2" accent3="accent3" accent4="accent4" accent5="accent5" accent6="accent6" hlink="hlink" folHlink="folHlink"/>
   <p:sldLayoutIdLst>
-    <p:sldLayoutId id="2147483649" r:id="rId1"/>
-    <p:sldLayoutId id="2147483650" r:id="rId2"/>
-    <p:sldLayoutId id="2147483651" r:id="rId3"/>
-    <p:sldLayoutId id="2147483652" r:id="rId4"/>
-    <p:sldLayoutId id="2147483653" r:id="rId5"/>
-    <p:sldLayoutId id="2147483654" r:id="rId6"/>
-    <p:sldLayoutId id="2147483655" r:id="rId7"/>
-    <p:sldLayoutId id="2147483656" r:id="rId8"/>
-    <p:sldLayoutId id="2147483657" r:id="rId9"/>
-    <p:sldLayoutId id="2147483658" r:id="rId10"/>
-    <p:sldLayoutId id="2147483659" r:id="rId11"/>
+    <p:sldLayoutId id="2147483661" r:id="rId1"/>
+    <p:sldLayoutId id="2147483662" r:id="rId2"/>
+    <p:sldLayoutId id="2147483663" r:id="rId3"/>
+    <p:sldLayoutId id="2147483664" r:id="rId4"/>
+    <p:sldLayoutId id="2147483665" r:id="rId5"/>
+    <p:sldLayoutId id="2147483666" r:id="rId6"/>
+    <p:sldLayoutId id="2147483667" r:id="rId7"/>
+    <p:sldLayoutId id="2147483668" r:id="rId8"/>
+    <p:sldLayoutId id="2147483669" r:id="rId9"/>
+    <p:sldLayoutId id="2147483670" r:id="rId10"/>
+    <p:sldLayoutId id="2147483671" r:id="rId11"/>
   </p:sldLayoutIdLst>
   <p:txStyles>
     <p:titleStyle>
-      <a:lvl1pPr algn="l" defTabSz="914400" rtl="0" eaLnBrk="1" latinLnBrk="0" hangingPunct="1">
+      <a:lvl1pPr algn="l" defTabSz="1800088" rtl="0" eaLnBrk="1" latinLnBrk="0" hangingPunct="1">
         <a:lnSpc>
           <a:spcPct val="90000"/>
         </a:lnSpc>
@@ -2677,7 +2685,7 @@
           <a:spcPct val="0"/>
         </a:spcBef>
         <a:buNone/>
-        <a:defRPr sz="4400" kern="1200">
+        <a:defRPr sz="8662" kern="1200">
           <a:solidFill>
             <a:schemeClr val="tx1"/>
           </a:solidFill>
@@ -2688,16 +2696,16 @@
       </a:lvl1pPr>
     </p:titleStyle>
     <p:bodyStyle>
-      <a:lvl1pPr marL="228600" indent="-228600" algn="l" defTabSz="914400" rtl="0" eaLnBrk="1" latinLnBrk="0" hangingPunct="1">
+      <a:lvl1pPr marL="450022" indent="-450022" algn="l" defTabSz="1800088" rtl="0" eaLnBrk="1" latinLnBrk="0" hangingPunct="1">
         <a:lnSpc>
           <a:spcPct val="90000"/>
         </a:lnSpc>
         <a:spcBef>
-          <a:spcPts val="1000"/>
+          <a:spcPts val="1969"/>
         </a:spcBef>
         <a:buFont typeface="Arial" panose="020B0604020202020204" pitchFamily="34" charset="0"/>
         <a:buChar char="•"/>
-        <a:defRPr sz="2800" kern="1200">
+        <a:defRPr sz="5512" kern="1200">
           <a:solidFill>
             <a:schemeClr val="tx1"/>
           </a:solidFill>
@@ -2706,16 +2714,16 @@
           <a:cs typeface="+mn-cs"/>
         </a:defRPr>
       </a:lvl1pPr>
-      <a:lvl2pPr marL="685800" indent="-228600" algn="l" defTabSz="914400" rtl="0" eaLnBrk="1" latinLnBrk="0" hangingPunct="1">
+      <a:lvl2pPr marL="1350066" indent="-450022" algn="l" defTabSz="1800088" rtl="0" eaLnBrk="1" latinLnBrk="0" hangingPunct="1">
         <a:lnSpc>
           <a:spcPct val="90000"/>
         </a:lnSpc>
         <a:spcBef>
-          <a:spcPts val="500"/>
+          <a:spcPts val="984"/>
         </a:spcBef>
         <a:buFont typeface="Arial" panose="020B0604020202020204" pitchFamily="34" charset="0"/>
         <a:buChar char="•"/>
-        <a:defRPr sz="2400" kern="1200">
+        <a:defRPr sz="4725" kern="1200">
           <a:solidFill>
             <a:schemeClr val="tx1"/>
           </a:solidFill>
@@ -2724,16 +2732,16 @@
           <a:cs typeface="+mn-cs"/>
         </a:defRPr>
       </a:lvl2pPr>
-      <a:lvl3pPr marL="1143000" indent="-228600" algn="l" defTabSz="914400" rtl="0" eaLnBrk="1" latinLnBrk="0" hangingPunct="1">
+      <a:lvl3pPr marL="2250110" indent="-450022" algn="l" defTabSz="1800088" rtl="0" eaLnBrk="1" latinLnBrk="0" hangingPunct="1">
         <a:lnSpc>
           <a:spcPct val="90000"/>
         </a:lnSpc>
         <a:spcBef>
-          <a:spcPts val="500"/>
+          <a:spcPts val="984"/>
         </a:spcBef>
         <a:buFont typeface="Arial" panose="020B0604020202020204" pitchFamily="34" charset="0"/>
         <a:buChar char="•"/>
-        <a:defRPr sz="2000" kern="1200">
+        <a:defRPr sz="3937" kern="1200">
           <a:solidFill>
             <a:schemeClr val="tx1"/>
           </a:solidFill>
@@ -2742,16 +2750,16 @@
           <a:cs typeface="+mn-cs"/>
         </a:defRPr>
       </a:lvl3pPr>
-      <a:lvl4pPr marL="1600200" indent="-228600" algn="l" defTabSz="914400" rtl="0" eaLnBrk="1" latinLnBrk="0" hangingPunct="1">
+      <a:lvl4pPr marL="3150154" indent="-450022" algn="l" defTabSz="1800088" rtl="0" eaLnBrk="1" latinLnBrk="0" hangingPunct="1">
         <a:lnSpc>
           <a:spcPct val="90000"/>
         </a:lnSpc>
         <a:spcBef>
-          <a:spcPts val="500"/>
+          <a:spcPts val="984"/>
         </a:spcBef>
         <a:buFont typeface="Arial" panose="020B0604020202020204" pitchFamily="34" charset="0"/>
         <a:buChar char="•"/>
-        <a:defRPr sz="1800" kern="1200">
+        <a:defRPr sz="3543" kern="1200">
           <a:solidFill>
             <a:schemeClr val="tx1"/>
           </a:solidFill>
@@ -2760,16 +2768,16 @@
           <a:cs typeface="+mn-cs"/>
         </a:defRPr>
       </a:lvl4pPr>
-      <a:lvl5pPr marL="2057400" indent="-228600" algn="l" defTabSz="914400" rtl="0" eaLnBrk="1" latinLnBrk="0" hangingPunct="1">
+      <a:lvl5pPr marL="4050198" indent="-450022" algn="l" defTabSz="1800088" rtl="0" eaLnBrk="1" latinLnBrk="0" hangingPunct="1">
         <a:lnSpc>
           <a:spcPct val="90000"/>
         </a:lnSpc>
         <a:spcBef>
-          <a:spcPts val="500"/>
+          <a:spcPts val="984"/>
         </a:spcBef>
         <a:buFont typeface="Arial" panose="020B0604020202020204" pitchFamily="34" charset="0"/>
         <a:buChar char="•"/>
-        <a:defRPr sz="1800" kern="1200">
+        <a:defRPr sz="3543" kern="1200">
           <a:solidFill>
             <a:schemeClr val="tx1"/>
           </a:solidFill>
@@ -2778,16 +2786,16 @@
           <a:cs typeface="+mn-cs"/>
         </a:defRPr>
       </a:lvl5pPr>
-      <a:lvl6pPr marL="2514600" indent="-228600" algn="l" defTabSz="914400" rtl="0" eaLnBrk="1" latinLnBrk="0" hangingPunct="1">
+      <a:lvl6pPr marL="4950242" indent="-450022" algn="l" defTabSz="1800088" rtl="0" eaLnBrk="1" latinLnBrk="0" hangingPunct="1">
         <a:lnSpc>
           <a:spcPct val="90000"/>
         </a:lnSpc>
         <a:spcBef>
-          <a:spcPts val="500"/>
+          <a:spcPts val="984"/>
         </a:spcBef>
         <a:buFont typeface="Arial" panose="020B0604020202020204" pitchFamily="34" charset="0"/>
         <a:buChar char="•"/>
-        <a:defRPr sz="1800" kern="1200">
+        <a:defRPr sz="3543" kern="1200">
           <a:solidFill>
             <a:schemeClr val="tx1"/>
           </a:solidFill>
@@ -2796,16 +2804,16 @@
           <a:cs typeface="+mn-cs"/>
         </a:defRPr>
       </a:lvl6pPr>
-      <a:lvl7pPr marL="2971800" indent="-228600" algn="l" defTabSz="914400" rtl="0" eaLnBrk="1" latinLnBrk="0" hangingPunct="1">
+      <a:lvl7pPr marL="5850285" indent="-450022" algn="l" defTabSz="1800088" rtl="0" eaLnBrk="1" latinLnBrk="0" hangingPunct="1">
         <a:lnSpc>
           <a:spcPct val="90000"/>
         </a:lnSpc>
         <a:spcBef>
-          <a:spcPts val="500"/>
+          <a:spcPts val="984"/>
         </a:spcBef>
         <a:buFont typeface="Arial" panose="020B0604020202020204" pitchFamily="34" charset="0"/>
         <a:buChar char="•"/>
-        <a:defRPr sz="1800" kern="1200">
+        <a:defRPr sz="3543" kern="1200">
           <a:solidFill>
             <a:schemeClr val="tx1"/>
           </a:solidFill>
@@ -2814,16 +2822,16 @@
           <a:cs typeface="+mn-cs"/>
         </a:defRPr>
       </a:lvl7pPr>
-      <a:lvl8pPr marL="3429000" indent="-228600" algn="l" defTabSz="914400" rtl="0" eaLnBrk="1" latinLnBrk="0" hangingPunct="1">
+      <a:lvl8pPr marL="6750329" indent="-450022" algn="l" defTabSz="1800088" rtl="0" eaLnBrk="1" latinLnBrk="0" hangingPunct="1">
         <a:lnSpc>
           <a:spcPct val="90000"/>
         </a:lnSpc>
         <a:spcBef>
-          <a:spcPts val="500"/>
+          <a:spcPts val="984"/>
         </a:spcBef>
         <a:buFont typeface="Arial" panose="020B0604020202020204" pitchFamily="34" charset="0"/>
         <a:buChar char="•"/>
-        <a:defRPr sz="1800" kern="1200">
+        <a:defRPr sz="3543" kern="1200">
           <a:solidFill>
             <a:schemeClr val="tx1"/>
           </a:solidFill>
@@ -2832,16 +2840,16 @@
           <a:cs typeface="+mn-cs"/>
         </a:defRPr>
       </a:lvl8pPr>
-      <a:lvl9pPr marL="3886200" indent="-228600" algn="l" defTabSz="914400" rtl="0" eaLnBrk="1" latinLnBrk="0" hangingPunct="1">
+      <a:lvl9pPr marL="7650373" indent="-450022" algn="l" defTabSz="1800088" rtl="0" eaLnBrk="1" latinLnBrk="0" hangingPunct="1">
         <a:lnSpc>
           <a:spcPct val="90000"/>
         </a:lnSpc>
         <a:spcBef>
-          <a:spcPts val="500"/>
+          <a:spcPts val="984"/>
         </a:spcBef>
         <a:buFont typeface="Arial" panose="020B0604020202020204" pitchFamily="34" charset="0"/>
         <a:buChar char="•"/>
-        <a:defRPr sz="1800" kern="1200">
+        <a:defRPr sz="3543" kern="1200">
           <a:solidFill>
             <a:schemeClr val="tx1"/>
           </a:solidFill>
@@ -2855,8 +2863,8 @@
       <a:defPPr>
         <a:defRPr lang="en-US"/>
       </a:defPPr>
-      <a:lvl1pPr marL="0" algn="l" defTabSz="914400" rtl="0" eaLnBrk="1" latinLnBrk="0" hangingPunct="1">
-        <a:defRPr sz="1800" kern="1200">
+      <a:lvl1pPr marL="0" algn="l" defTabSz="1800088" rtl="0" eaLnBrk="1" latinLnBrk="0" hangingPunct="1">
+        <a:defRPr sz="3543" kern="1200">
           <a:solidFill>
             <a:schemeClr val="tx1"/>
           </a:solidFill>
@@ -2865,8 +2873,8 @@
           <a:cs typeface="+mn-cs"/>
         </a:defRPr>
       </a:lvl1pPr>
-      <a:lvl2pPr marL="457200" algn="l" defTabSz="914400" rtl="0" eaLnBrk="1" latinLnBrk="0" hangingPunct="1">
-        <a:defRPr sz="1800" kern="1200">
+      <a:lvl2pPr marL="900044" algn="l" defTabSz="1800088" rtl="0" eaLnBrk="1" latinLnBrk="0" hangingPunct="1">
+        <a:defRPr sz="3543" kern="1200">
           <a:solidFill>
             <a:schemeClr val="tx1"/>
           </a:solidFill>
@@ -2875,8 +2883,8 @@
           <a:cs typeface="+mn-cs"/>
         </a:defRPr>
       </a:lvl2pPr>
-      <a:lvl3pPr marL="914400" algn="l" defTabSz="914400" rtl="0" eaLnBrk="1" latinLnBrk="0" hangingPunct="1">
-        <a:defRPr sz="1800" kern="1200">
+      <a:lvl3pPr marL="1800088" algn="l" defTabSz="1800088" rtl="0" eaLnBrk="1" latinLnBrk="0" hangingPunct="1">
+        <a:defRPr sz="3543" kern="1200">
           <a:solidFill>
             <a:schemeClr val="tx1"/>
           </a:solidFill>
@@ -2885,8 +2893,8 @@
           <a:cs typeface="+mn-cs"/>
         </a:defRPr>
       </a:lvl3pPr>
-      <a:lvl4pPr marL="1371600" algn="l" defTabSz="914400" rtl="0" eaLnBrk="1" latinLnBrk="0" hangingPunct="1">
-        <a:defRPr sz="1800" kern="1200">
+      <a:lvl4pPr marL="2700132" algn="l" defTabSz="1800088" rtl="0" eaLnBrk="1" latinLnBrk="0" hangingPunct="1">
+        <a:defRPr sz="3543" kern="1200">
           <a:solidFill>
             <a:schemeClr val="tx1"/>
           </a:solidFill>
@@ -2895,8 +2903,8 @@
           <a:cs typeface="+mn-cs"/>
         </a:defRPr>
       </a:lvl4pPr>
-      <a:lvl5pPr marL="1828800" algn="l" defTabSz="914400" rtl="0" eaLnBrk="1" latinLnBrk="0" hangingPunct="1">
-        <a:defRPr sz="1800" kern="1200">
+      <a:lvl5pPr marL="3600176" algn="l" defTabSz="1800088" rtl="0" eaLnBrk="1" latinLnBrk="0" hangingPunct="1">
+        <a:defRPr sz="3543" kern="1200">
           <a:solidFill>
             <a:schemeClr val="tx1"/>
           </a:solidFill>
@@ -2905,8 +2913,8 @@
           <a:cs typeface="+mn-cs"/>
         </a:defRPr>
       </a:lvl5pPr>
-      <a:lvl6pPr marL="2286000" algn="l" defTabSz="914400" rtl="0" eaLnBrk="1" latinLnBrk="0" hangingPunct="1">
-        <a:defRPr sz="1800" kern="1200">
+      <a:lvl6pPr marL="4500220" algn="l" defTabSz="1800088" rtl="0" eaLnBrk="1" latinLnBrk="0" hangingPunct="1">
+        <a:defRPr sz="3543" kern="1200">
           <a:solidFill>
             <a:schemeClr val="tx1"/>
           </a:solidFill>
@@ -2915,8 +2923,8 @@
           <a:cs typeface="+mn-cs"/>
         </a:defRPr>
       </a:lvl6pPr>
-      <a:lvl7pPr marL="2743200" algn="l" defTabSz="914400" rtl="0" eaLnBrk="1" latinLnBrk="0" hangingPunct="1">
-        <a:defRPr sz="1800" kern="1200">
+      <a:lvl7pPr marL="5400264" algn="l" defTabSz="1800088" rtl="0" eaLnBrk="1" latinLnBrk="0" hangingPunct="1">
+        <a:defRPr sz="3543" kern="1200">
           <a:solidFill>
             <a:schemeClr val="tx1"/>
           </a:solidFill>
@@ -2925,8 +2933,8 @@
           <a:cs typeface="+mn-cs"/>
         </a:defRPr>
       </a:lvl7pPr>
-      <a:lvl8pPr marL="3200400" algn="l" defTabSz="914400" rtl="0" eaLnBrk="1" latinLnBrk="0" hangingPunct="1">
-        <a:defRPr sz="1800" kern="1200">
+      <a:lvl8pPr marL="6300307" algn="l" defTabSz="1800088" rtl="0" eaLnBrk="1" latinLnBrk="0" hangingPunct="1">
+        <a:defRPr sz="3543" kern="1200">
           <a:solidFill>
             <a:schemeClr val="tx1"/>
           </a:solidFill>
@@ -2935,8 +2943,8 @@
           <a:cs typeface="+mn-cs"/>
         </a:defRPr>
       </a:lvl8pPr>
-      <a:lvl9pPr marL="3657600" algn="l" defTabSz="914400" rtl="0" eaLnBrk="1" latinLnBrk="0" hangingPunct="1">
-        <a:defRPr sz="1800" kern="1200">
+      <a:lvl9pPr marL="7200351" algn="l" defTabSz="1800088" rtl="0" eaLnBrk="1" latinLnBrk="0" hangingPunct="1">
+        <a:defRPr sz="3543" kern="1200">
           <a:solidFill>
             <a:schemeClr val="tx1"/>
           </a:solidFill>
@@ -2975,10 +2983,10 @@
         </p:nvGrpSpPr>
         <p:grpSpPr>
           <a:xfrm>
-            <a:off x="701301" y="1581369"/>
-            <a:ext cx="2029559" cy="1704248"/>
+            <a:off x="1035424" y="6272430"/>
+            <a:ext cx="3221130" cy="2836214"/>
             <a:chOff x="7149726" y="1857594"/>
-            <a:chExt cx="2029559" cy="1704248"/>
+            <a:chExt cx="2181698" cy="1920992"/>
           </a:xfrm>
         </p:grpSpPr>
         <p:sp>
@@ -3020,7 +3028,7 @@
             <a:lstStyle/>
             <a:p>
               <a:pPr algn="ctr"/>
-              <a:endParaRPr lang="en-GB"/>
+              <a:endParaRPr lang="en-GB" sz="5023"/>
             </a:p>
           </p:txBody>
         </p:sp>
@@ -3063,7 +3071,7 @@
             <a:lstStyle/>
             <a:p>
               <a:pPr algn="ctr"/>
-              <a:endParaRPr lang="en-GB"/>
+              <a:endParaRPr lang="en-GB" sz="5023"/>
             </a:p>
           </p:txBody>
         </p:sp>
@@ -3106,7 +3114,7 @@
             <a:lstStyle/>
             <a:p>
               <a:pPr algn="ctr"/>
-              <a:endParaRPr lang="en-GB"/>
+              <a:endParaRPr lang="en-GB" sz="5023"/>
             </a:p>
           </p:txBody>
         </p:sp>
@@ -3198,7 +3206,7 @@
           <p:spPr>
             <a:xfrm>
               <a:off x="7230994" y="3192510"/>
-              <a:ext cx="423514" cy="369332"/>
+              <a:ext cx="575653" cy="586076"/>
             </a:xfrm>
             <a:prstGeom prst="rect">
               <a:avLst/>
@@ -3212,14 +3220,14 @@
             <a:lstStyle/>
             <a:p>
               <a:r>
-                <a:rPr lang="en-GB" dirty="0" smtClean="0">
+                <a:rPr lang="en-GB" sz="5023" dirty="0">
                   <a:solidFill>
                     <a:schemeClr val="accent1"/>
                   </a:solidFill>
                 </a:rPr>
                 <a:t>p1</a:t>
               </a:r>
-              <a:endParaRPr lang="en-GB" dirty="0">
+              <a:endParaRPr lang="en-GB" sz="5023" dirty="0">
                 <a:solidFill>
                   <a:schemeClr val="accent1"/>
                 </a:solidFill>
@@ -3236,7 +3244,7 @@
           <p:spPr>
             <a:xfrm>
               <a:off x="7885952" y="2475616"/>
-              <a:ext cx="423514" cy="369332"/>
+              <a:ext cx="575653" cy="586076"/>
             </a:xfrm>
             <a:prstGeom prst="rect">
               <a:avLst/>
@@ -3250,14 +3258,14 @@
             <a:lstStyle/>
             <a:p>
               <a:r>
-                <a:rPr lang="en-GB" dirty="0" smtClean="0">
+                <a:rPr lang="en-GB" sz="5023" dirty="0">
                   <a:solidFill>
                     <a:schemeClr val="accent1"/>
                   </a:solidFill>
                 </a:rPr>
                 <a:t>p2</a:t>
               </a:r>
-              <a:endParaRPr lang="en-GB" dirty="0">
+              <a:endParaRPr lang="en-GB" sz="5023" dirty="0">
                 <a:solidFill>
                   <a:schemeClr val="accent1"/>
                 </a:solidFill>
@@ -3274,7 +3282,7 @@
           <p:spPr>
             <a:xfrm>
               <a:off x="8755771" y="2111433"/>
-              <a:ext cx="423514" cy="369332"/>
+              <a:ext cx="575653" cy="586076"/>
             </a:xfrm>
             <a:prstGeom prst="rect">
               <a:avLst/>
@@ -3288,14 +3296,14 @@
             <a:lstStyle/>
             <a:p>
               <a:r>
-                <a:rPr lang="en-GB" dirty="0" smtClean="0">
+                <a:rPr lang="en-GB" sz="5023" dirty="0">
                   <a:solidFill>
                     <a:schemeClr val="accent1"/>
                   </a:solidFill>
                 </a:rPr>
                 <a:t>p3</a:t>
               </a:r>
-              <a:endParaRPr lang="en-GB" dirty="0">
+              <a:endParaRPr lang="en-GB" sz="5023" dirty="0">
                 <a:solidFill>
                   <a:schemeClr val="accent1"/>
                 </a:solidFill>
@@ -3312,7 +3320,7 @@
           <p:spPr>
             <a:xfrm>
               <a:off x="7153674" y="2479404"/>
-              <a:ext cx="405880" cy="369332"/>
+              <a:ext cx="543081" cy="586076"/>
             </a:xfrm>
             <a:prstGeom prst="rect">
               <a:avLst/>
@@ -3326,14 +3334,14 @@
             <a:lstStyle/>
             <a:p>
               <a:r>
-                <a:rPr lang="en-GB" dirty="0" smtClean="0">
+                <a:rPr lang="en-GB" sz="5023" dirty="0">
                   <a:solidFill>
                     <a:schemeClr val="accent2"/>
                   </a:solidFill>
                 </a:rPr>
                 <a:t>v1</a:t>
               </a:r>
-              <a:endParaRPr lang="en-GB" dirty="0">
+              <a:endParaRPr lang="en-GB" sz="5023" dirty="0">
                 <a:solidFill>
                   <a:schemeClr val="accent2"/>
                 </a:solidFill>
@@ -3350,7 +3358,7 @@
           <p:spPr>
             <a:xfrm>
               <a:off x="7981525" y="1857594"/>
-              <a:ext cx="410690" cy="369332"/>
+              <a:ext cx="543081" cy="586076"/>
             </a:xfrm>
             <a:prstGeom prst="rect">
               <a:avLst/>
@@ -3364,14 +3372,14 @@
             <a:lstStyle/>
             <a:p>
               <a:r>
-                <a:rPr lang="en-GB" dirty="0" smtClean="0">
+                <a:rPr lang="en-GB" sz="5023" dirty="0">
                   <a:solidFill>
                     <a:schemeClr val="accent4"/>
                   </a:solidFill>
                 </a:rPr>
                 <a:t>v2</a:t>
               </a:r>
-              <a:endParaRPr lang="en-GB" dirty="0">
+              <a:endParaRPr lang="en-GB" sz="5023" dirty="0">
                 <a:solidFill>
                   <a:schemeClr val="accent4"/>
                 </a:solidFill>
@@ -3388,8 +3396,8 @@
         </p:nvGrpSpPr>
         <p:grpSpPr>
           <a:xfrm>
-            <a:off x="3195662" y="413770"/>
-            <a:ext cx="3318282" cy="3318282"/>
+            <a:off x="4718178" y="4548548"/>
+            <a:ext cx="4899219" cy="4899219"/>
             <a:chOff x="3426572" y="413770"/>
             <a:chExt cx="3318282" cy="3318282"/>
           </a:xfrm>
@@ -3444,7 +3452,7 @@
           <p:spPr>
             <a:xfrm>
               <a:off x="5295900" y="1676400"/>
-              <a:ext cx="309700" cy="369332"/>
+              <a:ext cx="362850" cy="586076"/>
             </a:xfrm>
             <a:prstGeom prst="rect">
               <a:avLst/>
@@ -3458,10 +3466,10 @@
             <a:lstStyle/>
             <a:p>
               <a:r>
-                <a:rPr lang="el-GR" b="1" dirty="0"/>
+                <a:rPr lang="el-GR" sz="5023" b="1" dirty="0"/>
                 <a:t>θ</a:t>
               </a:r>
-              <a:endParaRPr lang="en-GB" dirty="0"/>
+              <a:endParaRPr lang="en-GB" sz="5023" dirty="0"/>
             </a:p>
           </p:txBody>
         </p:sp>
@@ -3547,8 +3555,8 @@
         </p:nvSpPr>
         <p:spPr>
           <a:xfrm>
-            <a:off x="3371272" y="3777673"/>
-            <a:ext cx="2835520" cy="369332"/>
+            <a:off x="4977455" y="9515124"/>
+            <a:ext cx="7565725" cy="865301"/>
           </a:xfrm>
           <a:prstGeom prst="rect">
             <a:avLst/>
@@ -3562,10 +3570,10 @@
           <a:lstStyle/>
           <a:p>
             <a:r>
-              <a:rPr lang="en-GB" dirty="0" smtClean="0"/>
+              <a:rPr lang="en-GB" sz="5023" dirty="0"/>
               <a:t>Normalised and dot product</a:t>
             </a:r>
-            <a:endParaRPr lang="en-GB" dirty="0"/>
+            <a:endParaRPr lang="en-GB" sz="5023" dirty="0"/>
           </a:p>
         </p:txBody>
       </p:sp>
@@ -3577,8 +3585,8 @@
         </p:nvSpPr>
         <p:spPr>
           <a:xfrm>
-            <a:off x="374073" y="3791527"/>
-            <a:ext cx="1944187" cy="369332"/>
+            <a:off x="552293" y="9535578"/>
+            <a:ext cx="5090240" cy="865301"/>
           </a:xfrm>
           <a:prstGeom prst="rect">
             <a:avLst/>
@@ -3592,10 +3600,10 @@
           <a:lstStyle/>
           <a:p>
             <a:r>
-              <a:rPr lang="en-GB" dirty="0" smtClean="0"/>
+              <a:rPr lang="en-GB" sz="5023" dirty="0"/>
               <a:t>Create two vectors</a:t>
             </a:r>
-            <a:endParaRPr lang="en-GB" dirty="0"/>
+            <a:endParaRPr lang="en-GB" sz="5023" dirty="0"/>
           </a:p>
         </p:txBody>
       </p:sp>
@@ -3607,8 +3615,8 @@
         </p:nvSpPr>
         <p:spPr>
           <a:xfrm>
-            <a:off x="336465" y="3196630"/>
-            <a:ext cx="180000" cy="180000"/>
+            <a:off x="496767" y="8657252"/>
+            <a:ext cx="265758" cy="265758"/>
           </a:xfrm>
           <a:prstGeom prst="ellipse">
             <a:avLst/>
@@ -3643,7 +3651,7 @@
           <a:lstStyle/>
           <a:p>
             <a:pPr algn="ctr"/>
-            <a:endParaRPr lang="en-GB"/>
+            <a:endParaRPr lang="en-GB" sz="5023"/>
           </a:p>
         </p:txBody>
       </p:sp>
@@ -3655,8 +3663,8 @@
         </p:nvSpPr>
         <p:spPr>
           <a:xfrm>
-            <a:off x="2689139" y="1488639"/>
-            <a:ext cx="180000" cy="180000"/>
+            <a:off x="3970331" y="6135519"/>
+            <a:ext cx="265758" cy="265758"/>
           </a:xfrm>
           <a:prstGeom prst="ellipse">
             <a:avLst/>
@@ -3691,7 +3699,7 @@
           <a:lstStyle/>
           <a:p>
             <a:pPr algn="ctr"/>
-            <a:endParaRPr lang="en-GB"/>
+            <a:endParaRPr lang="en-GB" sz="5023"/>
           </a:p>
         </p:txBody>
       </p:sp>
@@ -3733,8 +3741,8 @@
         </p:nvSpPr>
         <p:spPr>
           <a:xfrm>
-            <a:off x="5126182" y="1773381"/>
-            <a:ext cx="1921163" cy="1699491"/>
+            <a:off x="7568461" y="6555923"/>
+            <a:ext cx="2836467" cy="2509183"/>
           </a:xfrm>
           <a:prstGeom prst="rect">
             <a:avLst/>
@@ -3762,10 +3770,10 @@
           <a:p>
             <a:pPr algn="ctr"/>
             <a:r>
-              <a:rPr lang="en-GB" dirty="0" smtClean="0"/>
+              <a:rPr lang="en-GB" sz="5023" dirty="0"/>
               <a:t>Track Splicer</a:t>
             </a:r>
-            <a:endParaRPr lang="en-GB" dirty="0"/>
+            <a:endParaRPr lang="en-GB" sz="5023" dirty="0"/>
           </a:p>
         </p:txBody>
       </p:sp>
@@ -3777,8 +3785,8 @@
         </p:nvSpPr>
         <p:spPr>
           <a:xfrm>
-            <a:off x="1833418" y="1796471"/>
-            <a:ext cx="1921163" cy="1699491"/>
+            <a:off x="2706918" y="6590013"/>
+            <a:ext cx="2836467" cy="2509183"/>
           </a:xfrm>
           <a:prstGeom prst="flowChartDocument">
             <a:avLst/>
@@ -3804,46 +3812,46 @@
           <a:p>
             <a:pPr algn="ctr"/>
             <a:r>
-              <a:rPr lang="en-GB" dirty="0" smtClean="0"/>
+              <a:rPr lang="en-GB" sz="5023" dirty="0"/>
               <a:t>1,{0,0}</a:t>
             </a:r>
             <a:br>
-              <a:rPr lang="en-GB" dirty="0" smtClean="0"/>
+              <a:rPr lang="en-GB" sz="5023" dirty="0"/>
             </a:br>
             <a:r>
-              <a:rPr lang="en-GB" dirty="0" smtClean="0"/>
+              <a:rPr lang="en-GB" sz="5023" dirty="0"/>
               <a:t>2,{0.23,0}</a:t>
             </a:r>
             <a:br>
-              <a:rPr lang="en-GB" dirty="0" smtClean="0"/>
+              <a:rPr lang="en-GB" sz="5023" dirty="0"/>
             </a:br>
             <a:r>
-              <a:rPr lang="en-GB" dirty="0" smtClean="0"/>
+              <a:rPr lang="en-GB" sz="5023" dirty="0"/>
               <a:t>…..</a:t>
             </a:r>
             <a:br>
-              <a:rPr lang="en-GB" dirty="0" smtClean="0"/>
+              <a:rPr lang="en-GB" sz="5023" dirty="0"/>
             </a:br>
             <a:r>
-              <a:rPr lang="en-GB" dirty="0" smtClean="0"/>
+              <a:rPr lang="en-GB" sz="5023" dirty="0"/>
               <a:t>…..</a:t>
             </a:r>
             <a:br>
-              <a:rPr lang="en-GB" dirty="0" smtClean="0"/>
+              <a:rPr lang="en-GB" sz="5023" dirty="0"/>
             </a:br>
             <a:r>
-              <a:rPr lang="en-GB" dirty="0" smtClean="0"/>
+              <a:rPr lang="en-GB" sz="5023" dirty="0"/>
               <a:t>X,{</a:t>
             </a:r>
             <a:r>
-              <a:rPr lang="en-GB" dirty="0" err="1" smtClean="0"/>
+              <a:rPr lang="en-GB" sz="5023" dirty="0" err="1"/>
               <a:t>x,y</a:t>
             </a:r>
             <a:r>
-              <a:rPr lang="en-GB" dirty="0" smtClean="0"/>
+              <a:rPr lang="en-GB" sz="5023" dirty="0"/>
               <a:t>}</a:t>
             </a:r>
-            <a:endParaRPr lang="en-GB" dirty="0"/>
+            <a:endParaRPr lang="en-GB" sz="5023" dirty="0"/>
           </a:p>
         </p:txBody>
       </p:sp>
@@ -3855,8 +3863,8 @@
         </p:nvSpPr>
         <p:spPr>
           <a:xfrm>
-            <a:off x="8432801" y="1754908"/>
-            <a:ext cx="2105890" cy="1699491"/>
+            <a:off x="12450459" y="6528648"/>
+            <a:ext cx="3109204" cy="2509183"/>
           </a:xfrm>
           <a:prstGeom prst="flowChartDocument">
             <a:avLst/>
@@ -3882,35 +3890,35 @@
           <a:p>
             <a:pPr algn="ctr"/>
             <a:r>
-              <a:rPr lang="en-GB" dirty="0"/>
+              <a:rPr lang="en-GB" sz="5023" dirty="0"/>
               <a:t>Straight,1528,90</a:t>
             </a:r>
           </a:p>
           <a:p>
             <a:pPr algn="ctr"/>
             <a:r>
-              <a:rPr lang="en-GB" dirty="0" smtClean="0"/>
+              <a:rPr lang="en-GB" sz="5023" dirty="0"/>
               <a:t>Corner,91,242,165</a:t>
             </a:r>
             <a:br>
-              <a:rPr lang="en-GB" dirty="0" smtClean="0"/>
+              <a:rPr lang="en-GB" sz="5023" dirty="0"/>
             </a:br>
             <a:r>
-              <a:rPr lang="en-GB" dirty="0" smtClean="0"/>
+              <a:rPr lang="en-GB" sz="5023" dirty="0"/>
               <a:t>….</a:t>
             </a:r>
           </a:p>
           <a:p>
             <a:pPr algn="ctr"/>
             <a:r>
-              <a:rPr lang="en-GB" dirty="0" smtClean="0"/>
+              <a:rPr lang="en-GB" sz="5023" dirty="0"/>
               <a:t>….</a:t>
             </a:r>
           </a:p>
           <a:p>
             <a:pPr algn="ctr"/>
             <a:r>
-              <a:rPr lang="en-GB" dirty="0" smtClean="0"/>
+              <a:rPr lang="en-GB" sz="5023" dirty="0"/>
               <a:t>Corner,560,600,580</a:t>
             </a:r>
           </a:p>
@@ -3924,8 +3932,8 @@
         </p:nvSpPr>
         <p:spPr>
           <a:xfrm>
-            <a:off x="3971635" y="2410693"/>
-            <a:ext cx="978408" cy="484632"/>
+            <a:off x="5863850" y="7496870"/>
+            <a:ext cx="1444553" cy="715526"/>
           </a:xfrm>
           <a:prstGeom prst="rightArrow">
             <a:avLst/>
@@ -3952,7 +3960,7 @@
           <a:lstStyle/>
           <a:p>
             <a:pPr algn="ctr"/>
-            <a:endParaRPr lang="en-GB"/>
+            <a:endParaRPr lang="en-GB" sz="5023"/>
           </a:p>
         </p:txBody>
       </p:sp>
@@ -3964,8 +3972,8 @@
         </p:nvSpPr>
         <p:spPr>
           <a:xfrm>
-            <a:off x="7162800" y="2396837"/>
-            <a:ext cx="978408" cy="484632"/>
+            <a:off x="10575389" y="7476412"/>
+            <a:ext cx="1444553" cy="715526"/>
           </a:xfrm>
           <a:prstGeom prst="rightArrow">
             <a:avLst/>
@@ -3992,7 +4000,7 @@
           <a:lstStyle/>
           <a:p>
             <a:pPr algn="ctr"/>
-            <a:endParaRPr lang="en-GB"/>
+            <a:endParaRPr lang="en-GB" sz="5023"/>
           </a:p>
         </p:txBody>
       </p:sp>
@@ -4004,8 +4012,8 @@
         </p:nvSpPr>
         <p:spPr>
           <a:xfrm>
-            <a:off x="1874982" y="1376218"/>
-            <a:ext cx="1842043" cy="369332"/>
+            <a:off x="2768283" y="5969538"/>
+            <a:ext cx="4795480" cy="865301"/>
           </a:xfrm>
           <a:prstGeom prst="rect">
             <a:avLst/>
@@ -4019,10 +4027,10 @@
           <a:lstStyle/>
           <a:p>
             <a:r>
-              <a:rPr lang="en-GB" dirty="0" smtClean="0"/>
+              <a:rPr lang="en-GB" sz="5023" dirty="0"/>
               <a:t>Race line data file</a:t>
             </a:r>
-            <a:endParaRPr lang="en-GB" dirty="0"/>
+            <a:endParaRPr lang="en-GB" sz="5023" dirty="0"/>
           </a:p>
         </p:txBody>
       </p:sp>
@@ -4034,8 +4042,8 @@
         </p:nvSpPr>
         <p:spPr>
           <a:xfrm>
-            <a:off x="8335818" y="1362364"/>
-            <a:ext cx="2302297" cy="369332"/>
+            <a:off x="12307271" y="5949084"/>
+            <a:ext cx="6088846" cy="865301"/>
           </a:xfrm>
           <a:prstGeom prst="rect">
             <a:avLst/>
@@ -4049,10 +4057,10 @@
           <a:lstStyle/>
           <a:p>
             <a:r>
-              <a:rPr lang="en-GB" dirty="0" smtClean="0"/>
+              <a:rPr lang="en-GB" sz="5023" dirty="0"/>
               <a:t>Track sections data file</a:t>
             </a:r>
-            <a:endParaRPr lang="en-GB" dirty="0"/>
+            <a:endParaRPr lang="en-GB" sz="5023" dirty="0"/>
           </a:p>
         </p:txBody>
       </p:sp>
@@ -4064,8 +4072,8 @@
         </p:nvSpPr>
         <p:spPr>
           <a:xfrm>
-            <a:off x="2401454" y="3528291"/>
-            <a:ext cx="684803" cy="369332"/>
+            <a:off x="3545584" y="9146928"/>
+            <a:ext cx="1577676" cy="865301"/>
           </a:xfrm>
           <a:prstGeom prst="rect">
             <a:avLst/>
@@ -4079,7 +4087,7 @@
           <a:lstStyle/>
           <a:p>
             <a:r>
-              <a:rPr lang="en-GB" dirty="0" smtClean="0"/>
+              <a:rPr lang="en-GB" sz="5023" dirty="0"/>
               <a:t>Input</a:t>
             </a:r>
           </a:p>
@@ -4093,8 +4101,8 @@
         </p:nvSpPr>
         <p:spPr>
           <a:xfrm>
-            <a:off x="9037782" y="3468254"/>
-            <a:ext cx="856325" cy="369332"/>
+            <a:off x="13343673" y="9058288"/>
+            <a:ext cx="2058577" cy="865301"/>
           </a:xfrm>
           <a:prstGeom prst="rect">
             <a:avLst/>
@@ -4108,7 +4116,7 @@
           <a:lstStyle/>
           <a:p>
             <a:r>
-              <a:rPr lang="en-GB" dirty="0" smtClean="0"/>
+              <a:rPr lang="en-GB" sz="5023" dirty="0"/>
               <a:t>Output</a:t>
             </a:r>
           </a:p>
@@ -4165,8 +4173,8 @@
         </p:blipFill>
         <p:spPr bwMode="auto">
           <a:xfrm>
-            <a:off x="3611880" y="127443"/>
-            <a:ext cx="3647901" cy="3743518"/>
+            <a:off x="5332697" y="4125806"/>
+            <a:ext cx="5385879" cy="5527051"/>
           </a:xfrm>
           <a:prstGeom prst="rect">
             <a:avLst/>
@@ -4191,8 +4199,8 @@
         </p:nvSpPr>
         <p:spPr>
           <a:xfrm>
-            <a:off x="4229592" y="2979576"/>
-            <a:ext cx="180000" cy="180000"/>
+            <a:off x="6244706" y="8336787"/>
+            <a:ext cx="265758" cy="265758"/>
           </a:xfrm>
           <a:prstGeom prst="ellipse">
             <a:avLst/>
@@ -4222,7 +4230,7 @@
           <a:lstStyle/>
           <a:p>
             <a:pPr algn="ctr"/>
-            <a:endParaRPr lang="en-GB"/>
+            <a:endParaRPr lang="en-GB" sz="5023"/>
           </a:p>
         </p:txBody>
       </p:sp>
@@ -4234,8 +4242,8 @@
         </p:nvSpPr>
         <p:spPr>
           <a:xfrm>
-            <a:off x="6330865" y="2974958"/>
-            <a:ext cx="180000" cy="180000"/>
+            <a:off x="9347093" y="8329969"/>
+            <a:ext cx="265758" cy="265758"/>
           </a:xfrm>
           <a:prstGeom prst="ellipse">
             <a:avLst/>
@@ -4265,7 +4273,7 @@
           <a:lstStyle/>
           <a:p>
             <a:pPr algn="ctr"/>
-            <a:endParaRPr lang="en-GB"/>
+            <a:endParaRPr lang="en-GB" sz="5023"/>
           </a:p>
         </p:txBody>
       </p:sp>
@@ -4277,8 +4285,8 @@
         </p:nvSpPr>
         <p:spPr>
           <a:xfrm>
-            <a:off x="4292387" y="3064067"/>
-            <a:ext cx="423514" cy="369332"/>
+            <a:off x="6337419" y="8461533"/>
+            <a:ext cx="849913" cy="865301"/>
           </a:xfrm>
           <a:prstGeom prst="rect">
             <a:avLst/>
@@ -4292,14 +4300,14 @@
           <a:lstStyle/>
           <a:p>
             <a:r>
-              <a:rPr lang="en-GB" dirty="0" smtClean="0">
+              <a:rPr lang="en-GB" sz="5023" dirty="0">
                 <a:solidFill>
                   <a:schemeClr val="accent1"/>
                 </a:solidFill>
               </a:rPr>
               <a:t>p1</a:t>
             </a:r>
-            <a:endParaRPr lang="en-GB" dirty="0">
+            <a:endParaRPr lang="en-GB" sz="5023" dirty="0">
               <a:solidFill>
                 <a:schemeClr val="accent1"/>
               </a:solidFill>
@@ -4315,8 +4323,8 @@
         </p:nvSpPr>
         <p:spPr>
           <a:xfrm>
-            <a:off x="6375187" y="3059449"/>
-            <a:ext cx="426720" cy="369332"/>
+            <a:off x="9412533" y="8454715"/>
+            <a:ext cx="857927" cy="865301"/>
           </a:xfrm>
           <a:prstGeom prst="rect">
             <a:avLst/>
@@ -4330,14 +4338,14 @@
           <a:lstStyle/>
           <a:p>
             <a:r>
-              <a:rPr lang="en-GB" dirty="0" err="1" smtClean="0">
+              <a:rPr lang="en-GB" sz="5023" dirty="0" err="1">
                 <a:solidFill>
                   <a:schemeClr val="accent1"/>
                 </a:solidFill>
               </a:rPr>
               <a:t>pX</a:t>
             </a:r>
-            <a:endParaRPr lang="en-GB" dirty="0">
+            <a:endParaRPr lang="en-GB" sz="5023" dirty="0">
               <a:solidFill>
                 <a:schemeClr val="accent1"/>
               </a:solidFill>
@@ -4353,8 +4361,8 @@
         </p:nvSpPr>
         <p:spPr>
           <a:xfrm>
-            <a:off x="4388919" y="2768151"/>
-            <a:ext cx="180000" cy="180000"/>
+            <a:off x="6479941" y="8024632"/>
+            <a:ext cx="265758" cy="265758"/>
           </a:xfrm>
           <a:prstGeom prst="ellipse">
             <a:avLst/>
@@ -4390,7 +4398,7 @@
           <a:lstStyle/>
           <a:p>
             <a:pPr algn="ctr"/>
-            <a:endParaRPr lang="en-GB"/>
+            <a:endParaRPr lang="en-GB" sz="5023"/>
           </a:p>
         </p:txBody>
       </p:sp>
@@ -4402,8 +4410,8 @@
         </p:nvSpPr>
         <p:spPr>
           <a:xfrm>
-            <a:off x="4617808" y="2537818"/>
-            <a:ext cx="180000" cy="180000"/>
+            <a:off x="6817881" y="7684561"/>
+            <a:ext cx="265758" cy="265758"/>
           </a:xfrm>
           <a:prstGeom prst="ellipse">
             <a:avLst/>
@@ -4439,7 +4447,7 @@
           <a:lstStyle/>
           <a:p>
             <a:pPr algn="ctr"/>
-            <a:endParaRPr lang="en-GB"/>
+            <a:endParaRPr lang="en-GB" sz="5023"/>
           </a:p>
         </p:txBody>
       </p:sp>
@@ -4451,8 +4459,8 @@
         </p:nvSpPr>
         <p:spPr>
           <a:xfrm>
-            <a:off x="4892590" y="2319465"/>
-            <a:ext cx="180000" cy="180000"/>
+            <a:off x="7223578" y="7362178"/>
+            <a:ext cx="265758" cy="265758"/>
           </a:xfrm>
           <a:prstGeom prst="ellipse">
             <a:avLst/>
@@ -4488,7 +4496,7 @@
           <a:lstStyle/>
           <a:p>
             <a:pPr algn="ctr"/>
-            <a:endParaRPr lang="en-GB"/>
+            <a:endParaRPr lang="en-GB" sz="5023"/>
           </a:p>
         </p:txBody>
       </p:sp>
@@ -4500,8 +4508,8 @@
         </p:nvSpPr>
         <p:spPr>
           <a:xfrm>
-            <a:off x="5146301" y="2169662"/>
-            <a:ext cx="180000" cy="180000"/>
+            <a:off x="7598165" y="7141004"/>
+            <a:ext cx="265758" cy="265758"/>
           </a:xfrm>
           <a:prstGeom prst="ellipse">
             <a:avLst/>
@@ -4537,7 +4545,7 @@
           <a:lstStyle/>
           <a:p>
             <a:pPr algn="ctr"/>
-            <a:endParaRPr lang="en-GB"/>
+            <a:endParaRPr lang="en-GB" sz="5023"/>
           </a:p>
         </p:txBody>
       </p:sp>
@@ -4549,8 +4557,8 @@
         </p:nvSpPr>
         <p:spPr>
           <a:xfrm>
-            <a:off x="5841338" y="2328413"/>
-            <a:ext cx="180000" cy="180000"/>
+            <a:off x="8624340" y="7375389"/>
+            <a:ext cx="265758" cy="265758"/>
           </a:xfrm>
           <a:prstGeom prst="ellipse">
             <a:avLst/>
@@ -4586,7 +4594,7 @@
           <a:lstStyle/>
           <a:p>
             <a:pPr algn="ctr"/>
-            <a:endParaRPr lang="en-GB"/>
+            <a:endParaRPr lang="en-GB" sz="5023"/>
           </a:p>
         </p:txBody>
       </p:sp>
@@ -4598,8 +4606,8 @@
         </p:nvSpPr>
         <p:spPr>
           <a:xfrm>
-            <a:off x="6053774" y="2513140"/>
-            <a:ext cx="180000" cy="180000"/>
+            <a:off x="8937987" y="7648126"/>
+            <a:ext cx="265758" cy="265758"/>
           </a:xfrm>
           <a:prstGeom prst="ellipse">
             <a:avLst/>
@@ -4635,7 +4643,7 @@
           <a:lstStyle/>
           <a:p>
             <a:pPr algn="ctr"/>
-            <a:endParaRPr lang="en-GB"/>
+            <a:endParaRPr lang="en-GB" sz="5023"/>
           </a:p>
         </p:txBody>
       </p:sp>
@@ -4647,8 +4655,8 @@
         </p:nvSpPr>
         <p:spPr>
           <a:xfrm>
-            <a:off x="6201556" y="2725576"/>
-            <a:ext cx="180000" cy="180000"/>
+            <a:off x="9156177" y="7961773"/>
+            <a:ext cx="265758" cy="265758"/>
           </a:xfrm>
           <a:prstGeom prst="ellipse">
             <a:avLst/>
@@ -4684,7 +4692,7 @@
           <a:lstStyle/>
           <a:p>
             <a:pPr algn="ctr"/>
-            <a:endParaRPr lang="en-GB"/>
+            <a:endParaRPr lang="en-GB" sz="5023"/>
           </a:p>
         </p:txBody>
       </p:sp>
@@ -4696,8 +4704,8 @@
         </p:nvSpPr>
         <p:spPr>
           <a:xfrm>
-            <a:off x="5421169" y="2096609"/>
-            <a:ext cx="180000" cy="180000"/>
+            <a:off x="8003989" y="7033146"/>
+            <a:ext cx="265758" cy="265758"/>
           </a:xfrm>
           <a:prstGeom prst="ellipse">
             <a:avLst/>
@@ -4732,7 +4740,7 @@
           <a:lstStyle/>
           <a:p>
             <a:pPr algn="ctr"/>
-            <a:endParaRPr lang="en-GB"/>
+            <a:endParaRPr lang="en-GB" sz="5023"/>
           </a:p>
         </p:txBody>
       </p:sp>
@@ -4744,8 +4752,8 @@
         </p:nvSpPr>
         <p:spPr>
           <a:xfrm>
-            <a:off x="5653579" y="2174713"/>
-            <a:ext cx="180000" cy="180000"/>
+            <a:off x="8347126" y="7148461"/>
+            <a:ext cx="265758" cy="265758"/>
           </a:xfrm>
           <a:prstGeom prst="ellipse">
             <a:avLst/>
@@ -4781,7 +4789,7 @@
           <a:lstStyle/>
           <a:p>
             <a:pPr algn="ctr"/>
-            <a:endParaRPr lang="en-GB"/>
+            <a:endParaRPr lang="en-GB" sz="5023"/>
           </a:p>
         </p:txBody>
       </p:sp>
@@ -4793,8 +4801,8 @@
         </p:nvSpPr>
         <p:spPr>
           <a:xfrm>
-            <a:off x="5465867" y="1745807"/>
-            <a:ext cx="503664" cy="369332"/>
+            <a:off x="8069983" y="6515211"/>
+            <a:ext cx="1074333" cy="865301"/>
           </a:xfrm>
           <a:prstGeom prst="rect">
             <a:avLst/>
@@ -4808,14 +4816,14 @@
           <a:lstStyle/>
           <a:p>
             <a:r>
-              <a:rPr lang="en-GB" dirty="0" err="1" smtClean="0">
+              <a:rPr lang="en-GB" sz="5023" dirty="0" err="1">
                 <a:solidFill>
                   <a:schemeClr val="accent1"/>
                 </a:solidFill>
               </a:rPr>
               <a:t>pM</a:t>
             </a:r>
-            <a:endParaRPr lang="en-GB" dirty="0">
+            <a:endParaRPr lang="en-GB" sz="5023" dirty="0">
               <a:solidFill>
                 <a:schemeClr val="accent1"/>
               </a:solidFill>
@@ -4861,8 +4869,8 @@
         </p:nvSpPr>
         <p:spPr>
           <a:xfrm>
-            <a:off x="8217478" y="4268354"/>
-            <a:ext cx="1206500" cy="307777"/>
+            <a:off x="12132549" y="10239581"/>
+            <a:ext cx="1781316" cy="410433"/>
           </a:xfrm>
           <a:prstGeom prst="rect">
             <a:avLst/>
@@ -4877,10 +4885,10 @@
           <a:p>
             <a:pPr algn="ctr"/>
             <a:r>
-              <a:rPr lang="en-GB" sz="1400" dirty="0" smtClean="0"/>
+              <a:rPr lang="en-GB" sz="2067" dirty="0"/>
               <a:t>Thread x,1</a:t>
             </a:r>
-            <a:endParaRPr lang="en-GB" sz="1400" dirty="0"/>
+            <a:endParaRPr lang="en-GB" sz="2067" dirty="0"/>
           </a:p>
         </p:txBody>
       </p:sp>
@@ -4892,8 +4900,8 @@
         </p:nvSpPr>
         <p:spPr>
           <a:xfrm>
-            <a:off x="4547178" y="4268354"/>
-            <a:ext cx="1206500" cy="307777"/>
+            <a:off x="6713600" y="10239581"/>
+            <a:ext cx="1781316" cy="410433"/>
           </a:xfrm>
           <a:prstGeom prst="rect">
             <a:avLst/>
@@ -4908,10 +4916,10 @@
           <a:p>
             <a:pPr algn="ctr"/>
             <a:r>
-              <a:rPr lang="en-GB" sz="1400" dirty="0" smtClean="0"/>
+              <a:rPr lang="en-GB" sz="2067" dirty="0"/>
               <a:t>Thread 2,1</a:t>
             </a:r>
-            <a:endParaRPr lang="en-GB" sz="1400" dirty="0"/>
+            <a:endParaRPr lang="en-GB" sz="2067" dirty="0"/>
           </a:p>
         </p:txBody>
       </p:sp>
@@ -4923,8 +4931,8 @@
         </p:nvSpPr>
         <p:spPr>
           <a:xfrm>
-            <a:off x="2870778" y="4268354"/>
-            <a:ext cx="1206500" cy="307777"/>
+            <a:off x="4238509" y="10239581"/>
+            <a:ext cx="1781316" cy="410433"/>
           </a:xfrm>
           <a:prstGeom prst="rect">
             <a:avLst/>
@@ -4939,10 +4947,10 @@
           <a:p>
             <a:pPr algn="ctr"/>
             <a:r>
-              <a:rPr lang="en-GB" sz="1400" dirty="0" smtClean="0"/>
+              <a:rPr lang="en-GB" sz="2067" dirty="0"/>
               <a:t>Thread 1,1</a:t>
             </a:r>
-            <a:endParaRPr lang="en-GB" sz="1400" dirty="0"/>
+            <a:endParaRPr lang="en-GB" sz="2067" dirty="0"/>
           </a:p>
         </p:txBody>
       </p:sp>
@@ -4954,8 +4962,8 @@
         </p:nvSpPr>
         <p:spPr>
           <a:xfrm>
-            <a:off x="4679949" y="1173018"/>
-            <a:ext cx="2867025" cy="544946"/>
+            <a:off x="6909628" y="5669526"/>
+            <a:ext cx="4232968" cy="804576"/>
           </a:xfrm>
           <a:prstGeom prst="rect">
             <a:avLst/>
@@ -4981,10 +4989,10 @@
           <a:p>
             <a:pPr algn="ctr"/>
             <a:r>
-              <a:rPr lang="en-GB" dirty="0" smtClean="0"/>
+              <a:rPr lang="en-GB" sz="5023" dirty="0"/>
               <a:t>Coordinator</a:t>
             </a:r>
-            <a:endParaRPr lang="en-GB" dirty="0"/>
+            <a:endParaRPr lang="en-GB" sz="5023" dirty="0"/>
           </a:p>
         </p:txBody>
       </p:sp>
@@ -4996,8 +5004,8 @@
         </p:nvCxnSpPr>
         <p:spPr>
           <a:xfrm>
-            <a:off x="2667000" y="2219325"/>
-            <a:ext cx="6838950" cy="0"/>
+            <a:off x="3937644" y="7214328"/>
+            <a:ext cx="10097247" cy="0"/>
           </a:xfrm>
           <a:prstGeom prst="line">
             <a:avLst/>
@@ -5032,8 +5040,8 @@
         </p:nvSpPr>
         <p:spPr>
           <a:xfrm>
-            <a:off x="2076450" y="1847850"/>
-            <a:ext cx="1379095" cy="369332"/>
+            <a:off x="3065737" y="6665871"/>
+            <a:ext cx="3510448" cy="865301"/>
           </a:xfrm>
           <a:prstGeom prst="rect">
             <a:avLst/>
@@ -5047,10 +5055,10 @@
           <a:lstStyle/>
           <a:p>
             <a:r>
-              <a:rPr lang="en-GB" dirty="0" smtClean="0"/>
+              <a:rPr lang="en-GB" sz="5023" dirty="0"/>
               <a:t>Main Thread</a:t>
             </a:r>
-            <a:endParaRPr lang="en-GB" dirty="0"/>
+            <a:endParaRPr lang="en-GB" sz="5023" dirty="0"/>
           </a:p>
         </p:txBody>
       </p:sp>
@@ -5062,8 +5070,8 @@
         </p:nvSpPr>
         <p:spPr>
           <a:xfrm>
-            <a:off x="2808548" y="3093604"/>
-            <a:ext cx="1323976" cy="904875"/>
+            <a:off x="4146631" y="8505142"/>
+            <a:ext cx="1954761" cy="1335987"/>
           </a:xfrm>
           <a:prstGeom prst="rect">
             <a:avLst/>
@@ -5089,10 +5097,10 @@
           <a:p>
             <a:pPr algn="ctr"/>
             <a:r>
-              <a:rPr lang="en-GB" dirty="0" smtClean="0"/>
+              <a:rPr lang="en-GB" sz="5023" dirty="0"/>
               <a:t>Feedback Module 1</a:t>
             </a:r>
-            <a:endParaRPr lang="en-GB" dirty="0"/>
+            <a:endParaRPr lang="en-GB" sz="5023" dirty="0"/>
           </a:p>
         </p:txBody>
       </p:sp>
@@ -5104,8 +5112,8 @@
         </p:nvSpPr>
         <p:spPr>
           <a:xfrm>
-            <a:off x="8216843" y="3072649"/>
-            <a:ext cx="1323976" cy="904875"/>
+            <a:off x="12131612" y="8474203"/>
+            <a:ext cx="1954761" cy="1335987"/>
           </a:xfrm>
           <a:prstGeom prst="rect">
             <a:avLst/>
@@ -5131,10 +5139,10 @@
           <a:p>
             <a:pPr algn="ctr"/>
             <a:r>
-              <a:rPr lang="en-GB" dirty="0" smtClean="0"/>
+              <a:rPr lang="en-GB" sz="5023" dirty="0"/>
               <a:t>Feedback Module x</a:t>
             </a:r>
-            <a:endParaRPr lang="en-GB" dirty="0"/>
+            <a:endParaRPr lang="en-GB" sz="5023" dirty="0"/>
           </a:p>
         </p:txBody>
       </p:sp>
@@ -5146,8 +5154,8 @@
         </p:nvSpPr>
         <p:spPr>
           <a:xfrm>
-            <a:off x="4469708" y="3093604"/>
-            <a:ext cx="1323976" cy="904875"/>
+            <a:off x="6599221" y="8505142"/>
+            <a:ext cx="1954761" cy="1335987"/>
           </a:xfrm>
           <a:prstGeom prst="rect">
             <a:avLst/>
@@ -5173,10 +5181,10 @@
           <a:p>
             <a:pPr algn="ctr"/>
             <a:r>
-              <a:rPr lang="en-GB" dirty="0" smtClean="0"/>
+              <a:rPr lang="en-GB" sz="5023" dirty="0"/>
               <a:t>Feedback Module 2</a:t>
             </a:r>
-            <a:endParaRPr lang="en-GB" dirty="0"/>
+            <a:endParaRPr lang="en-GB" sz="5023" dirty="0"/>
           </a:p>
         </p:txBody>
       </p:sp>
@@ -5188,8 +5196,8 @@
         </p:nvCxnSpPr>
         <p:spPr>
           <a:xfrm>
-            <a:off x="4325484" y="2912629"/>
-            <a:ext cx="8969" cy="2305050"/>
+            <a:off x="6386285" y="8237944"/>
+            <a:ext cx="13242" cy="3403250"/>
           </a:xfrm>
           <a:prstGeom prst="line">
             <a:avLst/>
@@ -5224,8 +5232,8 @@
         </p:nvCxnSpPr>
         <p:spPr>
           <a:xfrm>
-            <a:off x="5930244" y="2912630"/>
-            <a:ext cx="13132" cy="2305050"/>
+            <a:off x="8755603" y="8237946"/>
+            <a:ext cx="19389" cy="3403250"/>
           </a:xfrm>
           <a:prstGeom prst="line">
             <a:avLst/>
@@ -5260,8 +5268,8 @@
         </p:nvSpPr>
         <p:spPr>
           <a:xfrm>
-            <a:off x="2720918" y="3947044"/>
-            <a:ext cx="1581150" cy="369332"/>
+            <a:off x="4017251" y="9765189"/>
+            <a:ext cx="2334461" cy="1638269"/>
           </a:xfrm>
           <a:prstGeom prst="rect">
             <a:avLst/>
@@ -5276,10 +5284,10 @@
           <a:p>
             <a:pPr algn="ctr"/>
             <a:r>
-              <a:rPr lang="en-GB" dirty="0" smtClean="0"/>
+              <a:rPr lang="en-GB" sz="5023" dirty="0"/>
               <a:t>Thread 1</a:t>
             </a:r>
-            <a:endParaRPr lang="en-GB" dirty="0"/>
+            <a:endParaRPr lang="en-GB" sz="5023" dirty="0"/>
           </a:p>
         </p:txBody>
       </p:sp>
@@ -5291,8 +5299,8 @@
         </p:nvSpPr>
         <p:spPr>
           <a:xfrm>
-            <a:off x="4380173" y="3929899"/>
-            <a:ext cx="1581150" cy="369332"/>
+            <a:off x="6467029" y="9739875"/>
+            <a:ext cx="2334461" cy="1638269"/>
           </a:xfrm>
           <a:prstGeom prst="rect">
             <a:avLst/>
@@ -5307,10 +5315,10 @@
           <a:p>
             <a:pPr algn="ctr"/>
             <a:r>
-              <a:rPr lang="en-GB" dirty="0" smtClean="0"/>
+              <a:rPr lang="en-GB" sz="5023" dirty="0"/>
               <a:t>Thread 2</a:t>
             </a:r>
-            <a:endParaRPr lang="en-GB" dirty="0"/>
+            <a:endParaRPr lang="en-GB" sz="5023" dirty="0"/>
           </a:p>
         </p:txBody>
       </p:sp>
@@ -5322,8 +5330,8 @@
         </p:nvSpPr>
         <p:spPr>
           <a:xfrm>
-            <a:off x="8081588" y="3918469"/>
-            <a:ext cx="1609725" cy="369332"/>
+            <a:off x="11931918" y="9723000"/>
+            <a:ext cx="2376650" cy="1638269"/>
           </a:xfrm>
           <a:prstGeom prst="rect">
             <a:avLst/>
@@ -5338,10 +5346,10 @@
           <a:p>
             <a:pPr algn="ctr"/>
             <a:r>
-              <a:rPr lang="en-GB" dirty="0" smtClean="0"/>
+              <a:rPr lang="en-GB" sz="5023" dirty="0"/>
               <a:t>Thread x </a:t>
             </a:r>
-            <a:endParaRPr lang="en-GB" dirty="0"/>
+            <a:endParaRPr lang="en-GB" sz="5023" dirty="0"/>
           </a:p>
         </p:txBody>
       </p:sp>
@@ -5353,8 +5361,8 @@
         </p:nvCxnSpPr>
         <p:spPr>
           <a:xfrm>
-            <a:off x="6344228" y="3436504"/>
-            <a:ext cx="1314450" cy="0"/>
+            <a:off x="9366823" y="9011410"/>
+            <a:ext cx="1940696" cy="0"/>
           </a:xfrm>
           <a:prstGeom prst="line">
             <a:avLst/>
@@ -5391,8 +5399,8 @@
         </p:nvCxnSpPr>
         <p:spPr>
           <a:xfrm>
-            <a:off x="6344228" y="3674629"/>
-            <a:ext cx="1314450" cy="0"/>
+            <a:off x="9366823" y="9362986"/>
+            <a:ext cx="1940696" cy="0"/>
           </a:xfrm>
           <a:prstGeom prst="line">
             <a:avLst/>
@@ -5429,8 +5437,8 @@
         </p:nvCxnSpPr>
         <p:spPr>
           <a:xfrm>
-            <a:off x="6353753" y="3912754"/>
-            <a:ext cx="1314450" cy="0"/>
+            <a:off x="9380886" y="9714561"/>
+            <a:ext cx="1940696" cy="0"/>
           </a:xfrm>
           <a:prstGeom prst="line">
             <a:avLst/>
@@ -5467,8 +5475,8 @@
         </p:nvCxnSpPr>
         <p:spPr>
           <a:xfrm>
-            <a:off x="7995728" y="2912487"/>
-            <a:ext cx="13132" cy="2305050"/>
+            <a:off x="11805151" y="8237735"/>
+            <a:ext cx="19389" cy="3403250"/>
           </a:xfrm>
           <a:prstGeom prst="line">
             <a:avLst/>
@@ -5503,8 +5511,8 @@
         </p:nvCxnSpPr>
         <p:spPr>
           <a:xfrm>
-            <a:off x="2854903" y="4290291"/>
-            <a:ext cx="1228725" cy="0"/>
+            <a:off x="4215072" y="10271969"/>
+            <a:ext cx="1814129" cy="0"/>
           </a:xfrm>
           <a:prstGeom prst="line">
             <a:avLst/>
@@ -5539,8 +5547,8 @@
         </p:nvCxnSpPr>
         <p:spPr>
           <a:xfrm>
-            <a:off x="4511801" y="4290287"/>
-            <a:ext cx="1228725" cy="0"/>
+            <a:off x="6661369" y="10271963"/>
+            <a:ext cx="1814129" cy="0"/>
           </a:xfrm>
           <a:prstGeom prst="line">
             <a:avLst/>
@@ -5575,8 +5583,8 @@
         </p:nvCxnSpPr>
         <p:spPr>
           <a:xfrm>
-            <a:off x="8220205" y="4289814"/>
-            <a:ext cx="1228725" cy="0"/>
+            <a:off x="12136577" y="10271265"/>
+            <a:ext cx="1814129" cy="0"/>
           </a:xfrm>
           <a:prstGeom prst="line">
             <a:avLst/>
@@ -5611,8 +5619,8 @@
         </p:nvSpPr>
         <p:spPr>
           <a:xfrm>
-            <a:off x="3025487" y="4534477"/>
-            <a:ext cx="905741" cy="591127"/>
+            <a:off x="4466927" y="10632494"/>
+            <a:ext cx="1337265" cy="872759"/>
           </a:xfrm>
           <a:prstGeom prst="rect">
             <a:avLst/>
@@ -5638,10 +5646,10 @@
           <a:p>
             <a:pPr algn="ctr"/>
             <a:r>
-              <a:rPr lang="en-GB" sz="1400" dirty="0" smtClean="0"/>
+              <a:rPr lang="en-GB" sz="2067" dirty="0"/>
               <a:t>Module 1 Tasks</a:t>
             </a:r>
-            <a:endParaRPr lang="en-GB" sz="1400" dirty="0"/>
+            <a:endParaRPr lang="en-GB" sz="2067" dirty="0"/>
           </a:p>
         </p:txBody>
       </p:sp>
@@ -5653,8 +5661,8 @@
         </p:nvSpPr>
         <p:spPr>
           <a:xfrm>
-            <a:off x="4657437" y="4534477"/>
-            <a:ext cx="905741" cy="591127"/>
+            <a:off x="6876391" y="10632494"/>
+            <a:ext cx="1337265" cy="872759"/>
           </a:xfrm>
           <a:prstGeom prst="rect">
             <a:avLst/>
@@ -5680,10 +5688,10 @@
           <a:p>
             <a:pPr algn="ctr"/>
             <a:r>
-              <a:rPr lang="en-GB" sz="1400" dirty="0" smtClean="0"/>
+              <a:rPr lang="en-GB" sz="2067" dirty="0"/>
               <a:t>Module 2 Tasks</a:t>
             </a:r>
-            <a:endParaRPr lang="en-GB" sz="1400" dirty="0"/>
+            <a:endParaRPr lang="en-GB" sz="2067" dirty="0"/>
           </a:p>
         </p:txBody>
       </p:sp>
@@ -5695,8 +5703,8 @@
         </p:nvSpPr>
         <p:spPr>
           <a:xfrm>
-            <a:off x="8391237" y="4534477"/>
-            <a:ext cx="905741" cy="591127"/>
+            <a:off x="12389094" y="10632494"/>
+            <a:ext cx="1337265" cy="872759"/>
           </a:xfrm>
           <a:prstGeom prst="rect">
             <a:avLst/>
@@ -5722,10 +5730,10 @@
           <a:p>
             <a:pPr algn="ctr"/>
             <a:r>
-              <a:rPr lang="en-GB" sz="1400" dirty="0" smtClean="0"/>
+              <a:rPr lang="en-GB" sz="2067" dirty="0"/>
               <a:t>Module x Tasks</a:t>
             </a:r>
-            <a:endParaRPr lang="en-GB" sz="1400" dirty="0"/>
+            <a:endParaRPr lang="en-GB" sz="2067" dirty="0"/>
           </a:p>
         </p:txBody>
       </p:sp>
@@ -5737,8 +5745,8 @@
         </p:nvCxnSpPr>
         <p:spPr>
           <a:xfrm>
-            <a:off x="2639003" y="2826904"/>
-            <a:ext cx="6838950" cy="0"/>
+            <a:off x="3896309" y="8111377"/>
+            <a:ext cx="10097247" cy="0"/>
           </a:xfrm>
           <a:prstGeom prst="line">
             <a:avLst/>
@@ -5773,8 +5781,8 @@
         </p:nvSpPr>
         <p:spPr>
           <a:xfrm>
-            <a:off x="1838325" y="2362200"/>
-            <a:ext cx="1694438" cy="369332"/>
+            <a:off x="2714163" y="7425274"/>
+            <a:ext cx="4393639" cy="865301"/>
           </a:xfrm>
           <a:prstGeom prst="rect">
             <a:avLst/>
@@ -5788,10 +5796,10 @@
           <a:lstStyle/>
           <a:p>
             <a:r>
-              <a:rPr lang="en-GB" dirty="0" smtClean="0"/>
+              <a:rPr lang="en-GB" sz="5023" dirty="0"/>
               <a:t>Shared Memory</a:t>
             </a:r>
-            <a:endParaRPr lang="en-GB" dirty="0"/>
+            <a:endParaRPr lang="en-GB" sz="5023" dirty="0"/>
           </a:p>
         </p:txBody>
       </p:sp>
@@ -5803,8 +5811,8 @@
         </p:nvSpPr>
         <p:spPr>
           <a:xfrm rot="5400000">
-            <a:off x="5918772" y="770193"/>
-            <a:ext cx="401320" cy="257937"/>
+            <a:off x="8738666" y="5074783"/>
+            <a:ext cx="592522" cy="380827"/>
           </a:xfrm>
           <a:prstGeom prst="rightArrow">
             <a:avLst/>
@@ -5831,7 +5839,7 @@
           <a:lstStyle/>
           <a:p>
             <a:pPr algn="ctr"/>
-            <a:endParaRPr lang="en-GB"/>
+            <a:endParaRPr lang="en-GB" sz="5023"/>
           </a:p>
         </p:txBody>
       </p:sp>
@@ -5843,8 +5851,8 @@
         </p:nvSpPr>
         <p:spPr>
           <a:xfrm>
-            <a:off x="6263409" y="746413"/>
-            <a:ext cx="1119858" cy="276999"/>
+            <a:off x="9247499" y="5039673"/>
+            <a:ext cx="1565300" cy="365036"/>
           </a:xfrm>
           <a:prstGeom prst="rect">
             <a:avLst/>
@@ -5858,10 +5866,10 @@
           <a:lstStyle/>
           <a:p>
             <a:r>
-              <a:rPr lang="en-GB" sz="1200" dirty="0" smtClean="0"/>
+              <a:rPr lang="en-GB" sz="1772" dirty="0"/>
               <a:t>Telemetry data</a:t>
             </a:r>
-            <a:endParaRPr lang="en-GB" sz="1200" dirty="0"/>
+            <a:endParaRPr lang="en-GB" sz="1772" dirty="0"/>
           </a:p>
         </p:txBody>
       </p:sp>
@@ -5873,8 +5881,8 @@
         </p:nvSpPr>
         <p:spPr>
           <a:xfrm>
-            <a:off x="6530340" y="1732513"/>
-            <a:ext cx="1119858" cy="276999"/>
+            <a:off x="9641605" y="6495583"/>
+            <a:ext cx="1565300" cy="365036"/>
           </a:xfrm>
           <a:prstGeom prst="rect">
             <a:avLst/>
@@ -5888,10 +5896,10 @@
           <a:lstStyle/>
           <a:p>
             <a:r>
-              <a:rPr lang="en-GB" sz="1200" dirty="0" smtClean="0"/>
+              <a:rPr lang="en-GB" sz="1772" dirty="0"/>
               <a:t>Telemetry data</a:t>
             </a:r>
-            <a:endParaRPr lang="en-GB" sz="1200" dirty="0"/>
+            <a:endParaRPr lang="en-GB" sz="1772" dirty="0"/>
           </a:p>
         </p:txBody>
       </p:sp>
@@ -5906,8 +5914,8 @@
         </p:nvCxnSpPr>
         <p:spPr>
           <a:xfrm flipH="1">
-            <a:off x="5131696" y="2633605"/>
-            <a:ext cx="1401414" cy="459999"/>
+            <a:off x="7576601" y="7825985"/>
+            <a:ext cx="2069093" cy="679157"/>
           </a:xfrm>
           <a:prstGeom prst="straightConnector1">
             <a:avLst/>
@@ -5942,8 +5950,8 @@
         </p:nvCxnSpPr>
         <p:spPr>
           <a:xfrm flipH="1">
-            <a:off x="3470536" y="2633605"/>
-            <a:ext cx="3062574" cy="459999"/>
+            <a:off x="5124011" y="7825985"/>
+            <a:ext cx="4521683" cy="679157"/>
           </a:xfrm>
           <a:prstGeom prst="straightConnector1">
             <a:avLst/>
@@ -5978,8 +5986,8 @@
         </p:nvCxnSpPr>
         <p:spPr>
           <a:xfrm>
-            <a:off x="6533110" y="2633605"/>
-            <a:ext cx="2345721" cy="439044"/>
+            <a:off x="9645695" y="7825984"/>
+            <a:ext cx="3463298" cy="648219"/>
           </a:xfrm>
           <a:prstGeom prst="straightConnector1">
             <a:avLst/>
@@ -6011,8 +6019,8 @@
         </p:nvSpPr>
         <p:spPr>
           <a:xfrm>
-            <a:off x="4686760" y="1560945"/>
-            <a:ext cx="2847516" cy="145935"/>
+            <a:off x="6919683" y="6242275"/>
+            <a:ext cx="4204165" cy="215463"/>
           </a:xfrm>
           <a:prstGeom prst="rect">
             <a:avLst/>
@@ -6038,10 +6046,10 @@
           <a:p>
             <a:pPr algn="ctr"/>
             <a:r>
-              <a:rPr lang="en-GB" sz="1100" dirty="0" smtClean="0"/>
+              <a:rPr lang="en-GB" sz="1624" dirty="0"/>
               <a:t>New Feedback</a:t>
             </a:r>
-            <a:endParaRPr lang="en-GB" sz="1100" dirty="0"/>
+            <a:endParaRPr lang="en-GB" sz="1624" dirty="0"/>
           </a:p>
         </p:txBody>
       </p:sp>
@@ -6056,8 +6064,8 @@
         </p:nvCxnSpPr>
         <p:spPr>
           <a:xfrm flipV="1">
-            <a:off x="3470536" y="1706880"/>
-            <a:ext cx="2639982" cy="1386724"/>
+            <a:off x="5124011" y="6457737"/>
+            <a:ext cx="3897755" cy="2047404"/>
           </a:xfrm>
           <a:prstGeom prst="straightConnector1">
             <a:avLst/>
@@ -6095,8 +6103,8 @@
         </p:nvCxnSpPr>
         <p:spPr>
           <a:xfrm flipV="1">
-            <a:off x="5131696" y="1706880"/>
-            <a:ext cx="978822" cy="1386724"/>
+            <a:off x="7576602" y="6457737"/>
+            <a:ext cx="1445164" cy="2047404"/>
           </a:xfrm>
           <a:prstGeom prst="straightConnector1">
             <a:avLst/>
@@ -6134,8 +6142,8 @@
         </p:nvCxnSpPr>
         <p:spPr>
           <a:xfrm flipH="1" flipV="1">
-            <a:off x="6110518" y="1706880"/>
-            <a:ext cx="2768313" cy="1365769"/>
+            <a:off x="9021766" y="6457738"/>
+            <a:ext cx="4087227" cy="2016465"/>
           </a:xfrm>
           <a:prstGeom prst="straightConnector1">
             <a:avLst/>
@@ -6170,8 +6178,8 @@
         </p:nvSpPr>
         <p:spPr>
           <a:xfrm rot="5400000">
-            <a:off x="6231189" y="1964632"/>
-            <a:ext cx="567696" cy="257937"/>
+            <a:off x="9199928" y="6838291"/>
+            <a:ext cx="838165" cy="380827"/>
           </a:xfrm>
           <a:prstGeom prst="rightArrow">
             <a:avLst/>
@@ -6198,7 +6206,7 @@
           <a:lstStyle/>
           <a:p>
             <a:pPr algn="ctr"/>
-            <a:endParaRPr lang="en-GB"/>
+            <a:endParaRPr lang="en-GB" sz="5023"/>
           </a:p>
         </p:txBody>
       </p:sp>
@@ -6210,8 +6218,8 @@
         </p:nvSpPr>
         <p:spPr>
           <a:xfrm>
-            <a:off x="5782655" y="2393432"/>
-            <a:ext cx="1500910" cy="257175"/>
+            <a:off x="8537698" y="7471386"/>
+            <a:ext cx="2215992" cy="379701"/>
           </a:xfrm>
           <a:prstGeom prst="flowChartDocument">
             <a:avLst/>
@@ -6237,10 +6245,10 @@
           <a:p>
             <a:pPr algn="ctr"/>
             <a:r>
-              <a:rPr lang="en-GB" sz="1200" dirty="0" smtClean="0"/>
+              <a:rPr lang="en-GB" sz="1772" dirty="0"/>
               <a:t>New Telemetry Data</a:t>
             </a:r>
-            <a:endParaRPr lang="en-GB" sz="1200" dirty="0"/>
+            <a:endParaRPr lang="en-GB" sz="1772" dirty="0"/>
           </a:p>
         </p:txBody>
       </p:sp>
@@ -6257,10 +6265,1628 @@
 </p:sld>
 </file>
 
+<file path=ppt/slides/slide5.xml><?xml version="1.0" encoding="utf-8"?>
+<p:sld xmlns:a="http://schemas.openxmlformats.org/drawingml/2006/main" xmlns:r="http://schemas.openxmlformats.org/officeDocument/2006/relationships" xmlns:p="http://schemas.openxmlformats.org/presentationml/2006/main">
+  <p:cSld>
+    <p:spTree>
+      <p:nvGrpSpPr>
+        <p:cNvPr id="1" name=""/>
+        <p:cNvGrpSpPr/>
+        <p:nvPr/>
+      </p:nvGrpSpPr>
+      <p:grpSpPr>
+        <a:xfrm>
+          <a:off x="0" y="0"/>
+          <a:ext cx="0" cy="0"/>
+          <a:chOff x="0" y="0"/>
+          <a:chExt cx="0" cy="0"/>
+        </a:xfrm>
+      </p:grpSpPr>
+      <p:sp>
+        <p:nvSpPr>
+          <p:cNvPr id="4" name="Flowchart: Document 3"/>
+          <p:cNvSpPr/>
+          <p:nvPr/>
+        </p:nvSpPr>
+        <p:spPr>
+          <a:xfrm>
+            <a:off x="8645210" y="4409281"/>
+            <a:ext cx="914400" cy="612648"/>
+          </a:xfrm>
+          <a:prstGeom prst="flowChartDocument">
+            <a:avLst/>
+          </a:prstGeom>
+        </p:spPr>
+        <p:style>
+          <a:lnRef idx="2">
+            <a:schemeClr val="accent6"/>
+          </a:lnRef>
+          <a:fillRef idx="1">
+            <a:schemeClr val="lt1"/>
+          </a:fillRef>
+          <a:effectRef idx="0">
+            <a:schemeClr val="accent6"/>
+          </a:effectRef>
+          <a:fontRef idx="minor">
+            <a:schemeClr val="dk1"/>
+          </a:fontRef>
+        </p:style>
+        <p:txBody>
+          <a:bodyPr rot="0" spcFirstLastPara="0" vertOverflow="overflow" horzOverflow="overflow" vert="horz" wrap="square" lIns="91440" tIns="45720" rIns="91440" bIns="45720" numCol="1" spcCol="0" rtlCol="0" fromWordArt="0" anchor="ctr" anchorCtr="0" forceAA="0" compatLnSpc="1">
+            <a:prstTxWarp prst="textNoShape">
+              <a:avLst/>
+            </a:prstTxWarp>
+            <a:noAutofit/>
+          </a:bodyPr>
+          <a:lstStyle/>
+          <a:p>
+            <a:pPr algn="ctr"/>
+            <a:r>
+              <a:rPr lang="en-GB" sz="1200" dirty="0"/>
+              <a:t>Telemetry</a:t>
+            </a:r>
+          </a:p>
+        </p:txBody>
+      </p:sp>
+      <p:sp>
+        <p:nvSpPr>
+          <p:cNvPr id="5" name="Flowchart: Decision 4"/>
+          <p:cNvSpPr/>
+          <p:nvPr/>
+        </p:nvSpPr>
+        <p:spPr>
+          <a:xfrm>
+            <a:off x="8358915" y="6695706"/>
+            <a:ext cx="1541931" cy="932329"/>
+          </a:xfrm>
+          <a:prstGeom prst="flowChartDecision">
+            <a:avLst/>
+          </a:prstGeom>
+        </p:spPr>
+        <p:style>
+          <a:lnRef idx="2">
+            <a:schemeClr val="accent6"/>
+          </a:lnRef>
+          <a:fillRef idx="1">
+            <a:schemeClr val="lt1"/>
+          </a:fillRef>
+          <a:effectRef idx="0">
+            <a:schemeClr val="accent6"/>
+          </a:effectRef>
+          <a:fontRef idx="minor">
+            <a:schemeClr val="dk1"/>
+          </a:fontRef>
+        </p:style>
+        <p:txBody>
+          <a:bodyPr rot="0" spcFirstLastPara="0" vertOverflow="overflow" horzOverflow="overflow" vert="horz" wrap="square" lIns="91440" tIns="45720" rIns="91440" bIns="45720" numCol="1" spcCol="0" rtlCol="0" fromWordArt="0" anchor="ctr" anchorCtr="0" forceAA="0" compatLnSpc="1">
+            <a:prstTxWarp prst="textNoShape">
+              <a:avLst/>
+            </a:prstTxWarp>
+            <a:noAutofit/>
+          </a:bodyPr>
+          <a:lstStyle/>
+          <a:p>
+            <a:pPr algn="ctr"/>
+            <a:r>
+              <a:rPr lang="en-GB" sz="1200" dirty="0"/>
+              <a:t>Is analysing?</a:t>
+            </a:r>
+          </a:p>
+        </p:txBody>
+      </p:sp>
+      <p:sp>
+        <p:nvSpPr>
+          <p:cNvPr id="6" name="Flowchart: Process 5"/>
+          <p:cNvSpPr/>
+          <p:nvPr/>
+        </p:nvSpPr>
+        <p:spPr>
+          <a:xfrm>
+            <a:off x="6688645" y="6861400"/>
+            <a:ext cx="914400" cy="612648"/>
+          </a:xfrm>
+          <a:prstGeom prst="flowChartProcess">
+            <a:avLst/>
+          </a:prstGeom>
+        </p:spPr>
+        <p:style>
+          <a:lnRef idx="2">
+            <a:schemeClr val="accent6"/>
+          </a:lnRef>
+          <a:fillRef idx="1">
+            <a:schemeClr val="lt1"/>
+          </a:fillRef>
+          <a:effectRef idx="0">
+            <a:schemeClr val="accent6"/>
+          </a:effectRef>
+          <a:fontRef idx="minor">
+            <a:schemeClr val="dk1"/>
+          </a:fontRef>
+        </p:style>
+        <p:txBody>
+          <a:bodyPr rot="0" spcFirstLastPara="0" vertOverflow="overflow" horzOverflow="overflow" vert="horz" wrap="square" lIns="91440" tIns="45720" rIns="91440" bIns="45720" numCol="1" spcCol="0" rtlCol="0" fromWordArt="0" anchor="ctr" anchorCtr="0" forceAA="0" compatLnSpc="1">
+            <a:prstTxWarp prst="textNoShape">
+              <a:avLst/>
+            </a:prstTxWarp>
+            <a:noAutofit/>
+          </a:bodyPr>
+          <a:lstStyle/>
+          <a:p>
+            <a:pPr algn="ctr"/>
+            <a:r>
+              <a:rPr lang="en-GB" sz="1200" dirty="0"/>
+              <a:t>Discard telemetry</a:t>
+            </a:r>
+          </a:p>
+        </p:txBody>
+      </p:sp>
+      <p:sp>
+        <p:nvSpPr>
+          <p:cNvPr id="7" name="Flowchart: Process 6"/>
+          <p:cNvSpPr/>
+          <p:nvPr/>
+        </p:nvSpPr>
+        <p:spPr>
+          <a:xfrm>
+            <a:off x="10465318" y="6504035"/>
+            <a:ext cx="914400" cy="612648"/>
+          </a:xfrm>
+          <a:prstGeom prst="flowChartProcess">
+            <a:avLst/>
+          </a:prstGeom>
+        </p:spPr>
+        <p:style>
+          <a:lnRef idx="2">
+            <a:schemeClr val="accent6"/>
+          </a:lnRef>
+          <a:fillRef idx="1">
+            <a:schemeClr val="lt1"/>
+          </a:fillRef>
+          <a:effectRef idx="0">
+            <a:schemeClr val="accent6"/>
+          </a:effectRef>
+          <a:fontRef idx="minor">
+            <a:schemeClr val="dk1"/>
+          </a:fontRef>
+        </p:style>
+        <p:txBody>
+          <a:bodyPr rot="0" spcFirstLastPara="0" vertOverflow="overflow" horzOverflow="overflow" vert="horz" wrap="square" lIns="91440" tIns="45720" rIns="91440" bIns="45720" numCol="1" spcCol="0" rtlCol="0" fromWordArt="0" anchor="ctr" anchorCtr="0" forceAA="0" compatLnSpc="1">
+            <a:prstTxWarp prst="textNoShape">
+              <a:avLst/>
+            </a:prstTxWarp>
+            <a:noAutofit/>
+          </a:bodyPr>
+          <a:lstStyle/>
+          <a:p>
+            <a:pPr algn="ctr"/>
+            <a:r>
+              <a:rPr lang="en-GB" sz="1200" dirty="0"/>
+              <a:t>Store telemetry</a:t>
+            </a:r>
+          </a:p>
+        </p:txBody>
+      </p:sp>
+      <p:sp>
+        <p:nvSpPr>
+          <p:cNvPr id="8" name="Flowchart: Decision 7"/>
+          <p:cNvSpPr/>
+          <p:nvPr/>
+        </p:nvSpPr>
+        <p:spPr>
+          <a:xfrm>
+            <a:off x="8456951" y="5314718"/>
+            <a:ext cx="1335741" cy="932329"/>
+          </a:xfrm>
+          <a:prstGeom prst="flowChartDecision">
+            <a:avLst/>
+          </a:prstGeom>
+        </p:spPr>
+        <p:style>
+          <a:lnRef idx="2">
+            <a:schemeClr val="accent6"/>
+          </a:lnRef>
+          <a:fillRef idx="1">
+            <a:schemeClr val="lt1"/>
+          </a:fillRef>
+          <a:effectRef idx="0">
+            <a:schemeClr val="accent6"/>
+          </a:effectRef>
+          <a:fontRef idx="minor">
+            <a:schemeClr val="dk1"/>
+          </a:fontRef>
+        </p:style>
+        <p:txBody>
+          <a:bodyPr rot="0" spcFirstLastPara="0" vertOverflow="overflow" horzOverflow="overflow" vert="horz" wrap="square" lIns="91440" tIns="45720" rIns="91440" bIns="45720" numCol="1" spcCol="0" rtlCol="0" fromWordArt="0" anchor="ctr" anchorCtr="0" forceAA="0" compatLnSpc="1">
+            <a:prstTxWarp prst="textNoShape">
+              <a:avLst/>
+            </a:prstTxWarp>
+            <a:noAutofit/>
+          </a:bodyPr>
+          <a:lstStyle/>
+          <a:p>
+            <a:pPr algn="ctr"/>
+            <a:r>
+              <a:rPr lang="en-GB" sz="1200" dirty="0"/>
+              <a:t>Is braking?</a:t>
+            </a:r>
+          </a:p>
+        </p:txBody>
+      </p:sp>
+      <p:sp>
+        <p:nvSpPr>
+          <p:cNvPr id="9" name="Flowchart: Decision 8"/>
+          <p:cNvSpPr/>
+          <p:nvPr/>
+        </p:nvSpPr>
+        <p:spPr>
+          <a:xfrm>
+            <a:off x="10141225" y="5304936"/>
+            <a:ext cx="1541931" cy="932329"/>
+          </a:xfrm>
+          <a:prstGeom prst="flowChartDecision">
+            <a:avLst/>
+          </a:prstGeom>
+        </p:spPr>
+        <p:style>
+          <a:lnRef idx="2">
+            <a:schemeClr val="accent6"/>
+          </a:lnRef>
+          <a:fillRef idx="1">
+            <a:schemeClr val="lt1"/>
+          </a:fillRef>
+          <a:effectRef idx="0">
+            <a:schemeClr val="accent6"/>
+          </a:effectRef>
+          <a:fontRef idx="minor">
+            <a:schemeClr val="dk1"/>
+          </a:fontRef>
+        </p:style>
+        <p:txBody>
+          <a:bodyPr rot="0" spcFirstLastPara="0" vertOverflow="overflow" horzOverflow="overflow" vert="horz" wrap="square" lIns="91440" tIns="45720" rIns="91440" bIns="45720" numCol="1" spcCol="0" rtlCol="0" fromWordArt="0" anchor="ctr" anchorCtr="0" forceAA="0" compatLnSpc="1">
+            <a:prstTxWarp prst="textNoShape">
+              <a:avLst/>
+            </a:prstTxWarp>
+            <a:noAutofit/>
+          </a:bodyPr>
+          <a:lstStyle/>
+          <a:p>
+            <a:pPr algn="ctr"/>
+            <a:r>
+              <a:rPr lang="en-GB" sz="1200" dirty="0"/>
+              <a:t>Is analysing?</a:t>
+            </a:r>
+          </a:p>
+        </p:txBody>
+      </p:sp>
+      <p:cxnSp>
+        <p:nvCxnSpPr>
+          <p:cNvPr id="10" name="Straight Arrow Connector 9"/>
+          <p:cNvCxnSpPr>
+            <a:stCxn id="4" idx="2"/>
+            <a:endCxn id="8" idx="0"/>
+          </p:cNvCxnSpPr>
+          <p:nvPr/>
+        </p:nvCxnSpPr>
+        <p:spPr>
+          <a:xfrm>
+            <a:off x="9102411" y="4981427"/>
+            <a:ext cx="22411" cy="333291"/>
+          </a:xfrm>
+          <a:prstGeom prst="straightConnector1">
+            <a:avLst/>
+          </a:prstGeom>
+          <a:ln>
+            <a:tailEnd type="triangle"/>
+          </a:ln>
+        </p:spPr>
+        <p:style>
+          <a:lnRef idx="1">
+            <a:schemeClr val="accent1"/>
+          </a:lnRef>
+          <a:fillRef idx="0">
+            <a:schemeClr val="accent1"/>
+          </a:fillRef>
+          <a:effectRef idx="0">
+            <a:schemeClr val="accent1"/>
+          </a:effectRef>
+          <a:fontRef idx="minor">
+            <a:schemeClr val="tx1"/>
+          </a:fontRef>
+        </p:style>
+      </p:cxnSp>
+      <p:cxnSp>
+        <p:nvCxnSpPr>
+          <p:cNvPr id="11" name="Straight Arrow Connector 10"/>
+          <p:cNvCxnSpPr>
+            <a:stCxn id="8" idx="2"/>
+            <a:endCxn id="5" idx="0"/>
+          </p:cNvCxnSpPr>
+          <p:nvPr/>
+        </p:nvCxnSpPr>
+        <p:spPr>
+          <a:xfrm>
+            <a:off x="9124822" y="6247047"/>
+            <a:ext cx="5059" cy="448659"/>
+          </a:xfrm>
+          <a:prstGeom prst="straightConnector1">
+            <a:avLst/>
+          </a:prstGeom>
+          <a:ln>
+            <a:tailEnd type="triangle"/>
+          </a:ln>
+        </p:spPr>
+        <p:style>
+          <a:lnRef idx="1">
+            <a:schemeClr val="accent1"/>
+          </a:lnRef>
+          <a:fillRef idx="0">
+            <a:schemeClr val="accent1"/>
+          </a:fillRef>
+          <a:effectRef idx="0">
+            <a:schemeClr val="accent1"/>
+          </a:effectRef>
+          <a:fontRef idx="minor">
+            <a:schemeClr val="tx1"/>
+          </a:fontRef>
+        </p:style>
+      </p:cxnSp>
+      <p:sp>
+        <p:nvSpPr>
+          <p:cNvPr id="12" name="TextBox 11"/>
+          <p:cNvSpPr txBox="1"/>
+          <p:nvPr/>
+        </p:nvSpPr>
+        <p:spPr>
+          <a:xfrm>
+            <a:off x="11019226" y="6190000"/>
+            <a:ext cx="389594" cy="276999"/>
+          </a:xfrm>
+          <a:prstGeom prst="rect">
+            <a:avLst/>
+          </a:prstGeom>
+          <a:noFill/>
+        </p:spPr>
+        <p:txBody>
+          <a:bodyPr wrap="none" rtlCol="0">
+            <a:spAutoFit/>
+          </a:bodyPr>
+          <a:lstStyle/>
+          <a:p>
+            <a:r>
+              <a:rPr lang="en-GB" sz="1200" dirty="0"/>
+              <a:t>yes</a:t>
+            </a:r>
+          </a:p>
+        </p:txBody>
+      </p:sp>
+      <p:sp>
+        <p:nvSpPr>
+          <p:cNvPr id="13" name="TextBox 12"/>
+          <p:cNvSpPr txBox="1"/>
+          <p:nvPr/>
+        </p:nvSpPr>
+        <p:spPr>
+          <a:xfrm>
+            <a:off x="8802126" y="6251121"/>
+            <a:ext cx="346570" cy="276999"/>
+          </a:xfrm>
+          <a:prstGeom prst="rect">
+            <a:avLst/>
+          </a:prstGeom>
+          <a:noFill/>
+        </p:spPr>
+        <p:txBody>
+          <a:bodyPr wrap="none" rtlCol="0">
+            <a:spAutoFit/>
+          </a:bodyPr>
+          <a:lstStyle/>
+          <a:p>
+            <a:r>
+              <a:rPr lang="en-GB" sz="1200" dirty="0"/>
+              <a:t>no</a:t>
+            </a:r>
+          </a:p>
+        </p:txBody>
+      </p:sp>
+      <p:cxnSp>
+        <p:nvCxnSpPr>
+          <p:cNvPr id="14" name="Straight Arrow Connector 13"/>
+          <p:cNvCxnSpPr>
+            <a:stCxn id="5" idx="1"/>
+            <a:endCxn id="6" idx="3"/>
+          </p:cNvCxnSpPr>
+          <p:nvPr/>
+        </p:nvCxnSpPr>
+        <p:spPr>
+          <a:xfrm flipH="1">
+            <a:off x="7603045" y="7161871"/>
+            <a:ext cx="755870" cy="5853"/>
+          </a:xfrm>
+          <a:prstGeom prst="straightConnector1">
+            <a:avLst/>
+          </a:prstGeom>
+          <a:ln>
+            <a:tailEnd type="triangle"/>
+          </a:ln>
+        </p:spPr>
+        <p:style>
+          <a:lnRef idx="1">
+            <a:schemeClr val="accent1"/>
+          </a:lnRef>
+          <a:fillRef idx="0">
+            <a:schemeClr val="accent1"/>
+          </a:fillRef>
+          <a:effectRef idx="0">
+            <a:schemeClr val="accent1"/>
+          </a:effectRef>
+          <a:fontRef idx="minor">
+            <a:schemeClr val="tx1"/>
+          </a:fontRef>
+        </p:style>
+      </p:cxnSp>
+      <p:sp>
+        <p:nvSpPr>
+          <p:cNvPr id="15" name="TextBox 14"/>
+          <p:cNvSpPr txBox="1"/>
+          <p:nvPr/>
+        </p:nvSpPr>
+        <p:spPr>
+          <a:xfrm>
+            <a:off x="7692692" y="6906225"/>
+            <a:ext cx="346570" cy="276999"/>
+          </a:xfrm>
+          <a:prstGeom prst="rect">
+            <a:avLst/>
+          </a:prstGeom>
+          <a:noFill/>
+        </p:spPr>
+        <p:txBody>
+          <a:bodyPr wrap="none" rtlCol="0">
+            <a:spAutoFit/>
+          </a:bodyPr>
+          <a:lstStyle/>
+          <a:p>
+            <a:r>
+              <a:rPr lang="en-GB" sz="1200" dirty="0"/>
+              <a:t>no</a:t>
+            </a:r>
+          </a:p>
+        </p:txBody>
+      </p:sp>
+      <p:sp>
+        <p:nvSpPr>
+          <p:cNvPr id="16" name="TextBox 15"/>
+          <p:cNvSpPr txBox="1"/>
+          <p:nvPr/>
+        </p:nvSpPr>
+        <p:spPr>
+          <a:xfrm>
+            <a:off x="8739541" y="7690232"/>
+            <a:ext cx="389594" cy="276999"/>
+          </a:xfrm>
+          <a:prstGeom prst="rect">
+            <a:avLst/>
+          </a:prstGeom>
+          <a:noFill/>
+        </p:spPr>
+        <p:txBody>
+          <a:bodyPr wrap="none" rtlCol="0">
+            <a:spAutoFit/>
+          </a:bodyPr>
+          <a:lstStyle/>
+          <a:p>
+            <a:r>
+              <a:rPr lang="en-GB" sz="1200" dirty="0"/>
+              <a:t>yes</a:t>
+            </a:r>
+          </a:p>
+        </p:txBody>
+      </p:sp>
+      <p:sp>
+        <p:nvSpPr>
+          <p:cNvPr id="17" name="Flowchart: Process 16"/>
+          <p:cNvSpPr/>
+          <p:nvPr/>
+        </p:nvSpPr>
+        <p:spPr>
+          <a:xfrm>
+            <a:off x="8699574" y="8070854"/>
+            <a:ext cx="914400" cy="612648"/>
+          </a:xfrm>
+          <a:prstGeom prst="flowChartProcess">
+            <a:avLst/>
+          </a:prstGeom>
+        </p:spPr>
+        <p:style>
+          <a:lnRef idx="2">
+            <a:schemeClr val="accent6"/>
+          </a:lnRef>
+          <a:fillRef idx="1">
+            <a:schemeClr val="lt1"/>
+          </a:fillRef>
+          <a:effectRef idx="0">
+            <a:schemeClr val="accent6"/>
+          </a:effectRef>
+          <a:fontRef idx="minor">
+            <a:schemeClr val="dk1"/>
+          </a:fontRef>
+        </p:style>
+        <p:txBody>
+          <a:bodyPr rot="0" spcFirstLastPara="0" vertOverflow="overflow" horzOverflow="overflow" vert="horz" wrap="square" lIns="91440" tIns="45720" rIns="91440" bIns="45720" numCol="1" spcCol="0" rtlCol="0" fromWordArt="0" anchor="ctr" anchorCtr="0" forceAA="0" compatLnSpc="1">
+            <a:prstTxWarp prst="textNoShape">
+              <a:avLst/>
+            </a:prstTxWarp>
+            <a:noAutofit/>
+          </a:bodyPr>
+          <a:lstStyle/>
+          <a:p>
+            <a:pPr algn="ctr"/>
+            <a:r>
+              <a:rPr lang="en-GB" sz="1200" dirty="0"/>
+              <a:t>Stop analysis</a:t>
+            </a:r>
+          </a:p>
+        </p:txBody>
+      </p:sp>
+      <p:cxnSp>
+        <p:nvCxnSpPr>
+          <p:cNvPr id="18" name="Straight Arrow Connector 17"/>
+          <p:cNvCxnSpPr>
+            <a:stCxn id="5" idx="2"/>
+            <a:endCxn id="17" idx="0"/>
+          </p:cNvCxnSpPr>
+          <p:nvPr/>
+        </p:nvCxnSpPr>
+        <p:spPr>
+          <a:xfrm>
+            <a:off x="9129881" y="7628035"/>
+            <a:ext cx="26893" cy="442819"/>
+          </a:xfrm>
+          <a:prstGeom prst="straightConnector1">
+            <a:avLst/>
+          </a:prstGeom>
+          <a:ln>
+            <a:tailEnd type="triangle"/>
+          </a:ln>
+        </p:spPr>
+        <p:style>
+          <a:lnRef idx="1">
+            <a:schemeClr val="accent1"/>
+          </a:lnRef>
+          <a:fillRef idx="0">
+            <a:schemeClr val="accent1"/>
+          </a:fillRef>
+          <a:effectRef idx="0">
+            <a:schemeClr val="accent1"/>
+          </a:effectRef>
+          <a:fontRef idx="minor">
+            <a:schemeClr val="tx1"/>
+          </a:fontRef>
+        </p:style>
+      </p:cxnSp>
+      <p:cxnSp>
+        <p:nvCxnSpPr>
+          <p:cNvPr id="19" name="Straight Arrow Connector 18"/>
+          <p:cNvCxnSpPr>
+            <a:stCxn id="8" idx="3"/>
+            <a:endCxn id="9" idx="1"/>
+          </p:cNvCxnSpPr>
+          <p:nvPr/>
+        </p:nvCxnSpPr>
+        <p:spPr>
+          <a:xfrm flipV="1">
+            <a:off x="9792692" y="5771100"/>
+            <a:ext cx="348533" cy="9782"/>
+          </a:xfrm>
+          <a:prstGeom prst="straightConnector1">
+            <a:avLst/>
+          </a:prstGeom>
+          <a:ln>
+            <a:tailEnd type="triangle"/>
+          </a:ln>
+        </p:spPr>
+        <p:style>
+          <a:lnRef idx="1">
+            <a:schemeClr val="accent1"/>
+          </a:lnRef>
+          <a:fillRef idx="0">
+            <a:schemeClr val="accent1"/>
+          </a:fillRef>
+          <a:effectRef idx="0">
+            <a:schemeClr val="accent1"/>
+          </a:effectRef>
+          <a:fontRef idx="minor">
+            <a:schemeClr val="tx1"/>
+          </a:fontRef>
+        </p:style>
+      </p:cxnSp>
+      <p:sp>
+        <p:nvSpPr>
+          <p:cNvPr id="20" name="TextBox 19"/>
+          <p:cNvSpPr txBox="1"/>
+          <p:nvPr/>
+        </p:nvSpPr>
+        <p:spPr>
+          <a:xfrm>
+            <a:off x="9708748" y="5499989"/>
+            <a:ext cx="389594" cy="276999"/>
+          </a:xfrm>
+          <a:prstGeom prst="rect">
+            <a:avLst/>
+          </a:prstGeom>
+          <a:noFill/>
+        </p:spPr>
+        <p:txBody>
+          <a:bodyPr wrap="none" rtlCol="0">
+            <a:spAutoFit/>
+          </a:bodyPr>
+          <a:lstStyle/>
+          <a:p>
+            <a:r>
+              <a:rPr lang="en-GB" sz="1200" dirty="0"/>
+              <a:t>yes</a:t>
+            </a:r>
+          </a:p>
+        </p:txBody>
+      </p:sp>
+      <p:sp>
+        <p:nvSpPr>
+          <p:cNvPr id="21" name="Flowchart: Process 20"/>
+          <p:cNvSpPr/>
+          <p:nvPr/>
+        </p:nvSpPr>
+        <p:spPr>
+          <a:xfrm>
+            <a:off x="12124603" y="5457067"/>
+            <a:ext cx="914400" cy="612648"/>
+          </a:xfrm>
+          <a:prstGeom prst="flowChartProcess">
+            <a:avLst/>
+          </a:prstGeom>
+        </p:spPr>
+        <p:style>
+          <a:lnRef idx="2">
+            <a:schemeClr val="accent6"/>
+          </a:lnRef>
+          <a:fillRef idx="1">
+            <a:schemeClr val="lt1"/>
+          </a:fillRef>
+          <a:effectRef idx="0">
+            <a:schemeClr val="accent6"/>
+          </a:effectRef>
+          <a:fontRef idx="minor">
+            <a:schemeClr val="dk1"/>
+          </a:fontRef>
+        </p:style>
+        <p:txBody>
+          <a:bodyPr rot="0" spcFirstLastPara="0" vertOverflow="overflow" horzOverflow="overflow" vert="horz" wrap="square" lIns="91440" tIns="45720" rIns="91440" bIns="45720" numCol="1" spcCol="0" rtlCol="0" fromWordArt="0" anchor="ctr" anchorCtr="0" forceAA="0" compatLnSpc="1">
+            <a:prstTxWarp prst="textNoShape">
+              <a:avLst/>
+            </a:prstTxWarp>
+            <a:noAutofit/>
+          </a:bodyPr>
+          <a:lstStyle/>
+          <a:p>
+            <a:pPr algn="ctr"/>
+            <a:r>
+              <a:rPr lang="en-GB" sz="1200" dirty="0"/>
+              <a:t>Start analysis</a:t>
+            </a:r>
+          </a:p>
+        </p:txBody>
+      </p:sp>
+      <p:cxnSp>
+        <p:nvCxnSpPr>
+          <p:cNvPr id="22" name="Straight Arrow Connector 21"/>
+          <p:cNvCxnSpPr>
+            <a:stCxn id="9" idx="3"/>
+            <a:endCxn id="21" idx="1"/>
+          </p:cNvCxnSpPr>
+          <p:nvPr/>
+        </p:nvCxnSpPr>
+        <p:spPr>
+          <a:xfrm flipV="1">
+            <a:off x="11683155" y="5763392"/>
+            <a:ext cx="441448" cy="7709"/>
+          </a:xfrm>
+          <a:prstGeom prst="straightConnector1">
+            <a:avLst/>
+          </a:prstGeom>
+          <a:ln>
+            <a:tailEnd type="triangle"/>
+          </a:ln>
+        </p:spPr>
+        <p:style>
+          <a:lnRef idx="1">
+            <a:schemeClr val="accent1"/>
+          </a:lnRef>
+          <a:fillRef idx="0">
+            <a:schemeClr val="accent1"/>
+          </a:fillRef>
+          <a:effectRef idx="0">
+            <a:schemeClr val="accent1"/>
+          </a:effectRef>
+          <a:fontRef idx="minor">
+            <a:schemeClr val="tx1"/>
+          </a:fontRef>
+        </p:style>
+      </p:cxnSp>
+      <p:sp>
+        <p:nvSpPr>
+          <p:cNvPr id="23" name="TextBox 22"/>
+          <p:cNvSpPr txBox="1"/>
+          <p:nvPr/>
+        </p:nvSpPr>
+        <p:spPr>
+          <a:xfrm>
+            <a:off x="11656262" y="5502433"/>
+            <a:ext cx="346570" cy="276999"/>
+          </a:xfrm>
+          <a:prstGeom prst="rect">
+            <a:avLst/>
+          </a:prstGeom>
+          <a:noFill/>
+        </p:spPr>
+        <p:txBody>
+          <a:bodyPr wrap="none" rtlCol="0">
+            <a:spAutoFit/>
+          </a:bodyPr>
+          <a:lstStyle/>
+          <a:p>
+            <a:r>
+              <a:rPr lang="en-GB" sz="1200" dirty="0"/>
+              <a:t>no</a:t>
+            </a:r>
+          </a:p>
+        </p:txBody>
+      </p:sp>
+      <p:cxnSp>
+        <p:nvCxnSpPr>
+          <p:cNvPr id="24" name="Straight Arrow Connector 23"/>
+          <p:cNvCxnSpPr>
+            <a:stCxn id="9" idx="2"/>
+            <a:endCxn id="7" idx="0"/>
+          </p:cNvCxnSpPr>
+          <p:nvPr/>
+        </p:nvCxnSpPr>
+        <p:spPr>
+          <a:xfrm>
+            <a:off x="10912190" y="6237265"/>
+            <a:ext cx="10328" cy="266771"/>
+          </a:xfrm>
+          <a:prstGeom prst="straightConnector1">
+            <a:avLst/>
+          </a:prstGeom>
+          <a:ln>
+            <a:tailEnd type="triangle"/>
+          </a:ln>
+        </p:spPr>
+        <p:style>
+          <a:lnRef idx="1">
+            <a:schemeClr val="accent1"/>
+          </a:lnRef>
+          <a:fillRef idx="0">
+            <a:schemeClr val="accent1"/>
+          </a:fillRef>
+          <a:effectRef idx="0">
+            <a:schemeClr val="accent1"/>
+          </a:effectRef>
+          <a:fontRef idx="minor">
+            <a:schemeClr val="tx1"/>
+          </a:fontRef>
+        </p:style>
+      </p:cxnSp>
+      <p:cxnSp>
+        <p:nvCxnSpPr>
+          <p:cNvPr id="25" name="Elbow Connector 24"/>
+          <p:cNvCxnSpPr>
+            <a:stCxn id="21" idx="3"/>
+            <a:endCxn id="7" idx="3"/>
+          </p:cNvCxnSpPr>
+          <p:nvPr/>
+        </p:nvCxnSpPr>
+        <p:spPr>
+          <a:xfrm flipH="1">
+            <a:off x="11379719" y="5763391"/>
+            <a:ext cx="1659285" cy="1046968"/>
+          </a:xfrm>
+          <a:prstGeom prst="bentConnector3">
+            <a:avLst>
+              <a:gd name="adj1" fmla="val -13777"/>
+            </a:avLst>
+          </a:prstGeom>
+          <a:ln>
+            <a:tailEnd type="triangle"/>
+          </a:ln>
+        </p:spPr>
+        <p:style>
+          <a:lnRef idx="1">
+            <a:schemeClr val="accent1"/>
+          </a:lnRef>
+          <a:fillRef idx="0">
+            <a:schemeClr val="accent1"/>
+          </a:fillRef>
+          <a:effectRef idx="0">
+            <a:schemeClr val="accent1"/>
+          </a:effectRef>
+          <a:fontRef idx="minor">
+            <a:schemeClr val="tx1"/>
+          </a:fontRef>
+        </p:style>
+      </p:cxnSp>
+      <p:sp>
+        <p:nvSpPr>
+          <p:cNvPr id="26" name="Oval 25"/>
+          <p:cNvSpPr/>
+          <p:nvPr/>
+        </p:nvSpPr>
+        <p:spPr>
+          <a:xfrm>
+            <a:off x="898886" y="16566066"/>
+            <a:ext cx="1129553" cy="528918"/>
+          </a:xfrm>
+          <a:prstGeom prst="ellipse">
+            <a:avLst/>
+          </a:prstGeom>
+        </p:spPr>
+        <p:style>
+          <a:lnRef idx="2">
+            <a:schemeClr val="accent6"/>
+          </a:lnRef>
+          <a:fillRef idx="1">
+            <a:schemeClr val="lt1"/>
+          </a:fillRef>
+          <a:effectRef idx="0">
+            <a:schemeClr val="accent6"/>
+          </a:effectRef>
+          <a:fontRef idx="minor">
+            <a:schemeClr val="dk1"/>
+          </a:fontRef>
+        </p:style>
+        <p:txBody>
+          <a:bodyPr rot="0" spcFirstLastPara="0" vertOverflow="overflow" horzOverflow="overflow" vert="horz" wrap="square" lIns="91440" tIns="45720" rIns="91440" bIns="45720" numCol="1" spcCol="0" rtlCol="0" fromWordArt="0" anchor="ctr" anchorCtr="0" forceAA="0" compatLnSpc="1">
+            <a:prstTxWarp prst="textNoShape">
+              <a:avLst/>
+            </a:prstTxWarp>
+            <a:noAutofit/>
+          </a:bodyPr>
+          <a:lstStyle/>
+          <a:p>
+            <a:pPr algn="ctr"/>
+            <a:r>
+              <a:rPr lang="en-GB" sz="1200" dirty="0"/>
+              <a:t>Analyse Stopped</a:t>
+            </a:r>
+          </a:p>
+        </p:txBody>
+      </p:sp>
+      <p:sp>
+        <p:nvSpPr>
+          <p:cNvPr id="27" name="Oval 26"/>
+          <p:cNvSpPr/>
+          <p:nvPr/>
+        </p:nvSpPr>
+        <p:spPr>
+          <a:xfrm>
+            <a:off x="2833903" y="16533738"/>
+            <a:ext cx="1200728" cy="528918"/>
+          </a:xfrm>
+          <a:prstGeom prst="ellipse">
+            <a:avLst/>
+          </a:prstGeom>
+        </p:spPr>
+        <p:style>
+          <a:lnRef idx="2">
+            <a:schemeClr val="accent6"/>
+          </a:lnRef>
+          <a:fillRef idx="1">
+            <a:schemeClr val="lt1"/>
+          </a:fillRef>
+          <a:effectRef idx="0">
+            <a:schemeClr val="accent6"/>
+          </a:effectRef>
+          <a:fontRef idx="minor">
+            <a:schemeClr val="dk1"/>
+          </a:fontRef>
+        </p:style>
+        <p:txBody>
+          <a:bodyPr rot="0" spcFirstLastPara="0" vertOverflow="overflow" horzOverflow="overflow" vert="horz" wrap="square" lIns="91440" tIns="45720" rIns="91440" bIns="45720" numCol="1" spcCol="0" rtlCol="0" fromWordArt="0" anchor="ctr" anchorCtr="0" forceAA="0" compatLnSpc="1">
+            <a:prstTxWarp prst="textNoShape">
+              <a:avLst/>
+            </a:prstTxWarp>
+            <a:noAutofit/>
+          </a:bodyPr>
+          <a:lstStyle/>
+          <a:p>
+            <a:pPr algn="ctr"/>
+            <a:r>
+              <a:rPr lang="en-GB" sz="1200" dirty="0"/>
+              <a:t>Analysing Telemetry</a:t>
+            </a:r>
+          </a:p>
+        </p:txBody>
+      </p:sp>
+      <p:cxnSp>
+        <p:nvCxnSpPr>
+          <p:cNvPr id="28" name="Curved Connector 27"/>
+          <p:cNvCxnSpPr>
+            <a:stCxn id="26" idx="0"/>
+            <a:endCxn id="27" idx="0"/>
+          </p:cNvCxnSpPr>
+          <p:nvPr/>
+        </p:nvCxnSpPr>
+        <p:spPr>
+          <a:xfrm rot="5400000" flipH="1" flipV="1">
+            <a:off x="2432800" y="15564601"/>
+            <a:ext cx="32328" cy="1970605"/>
+          </a:xfrm>
+          <a:prstGeom prst="curvedConnector3">
+            <a:avLst>
+              <a:gd name="adj1" fmla="val 807127"/>
+            </a:avLst>
+          </a:prstGeom>
+          <a:ln>
+            <a:tailEnd type="triangle"/>
+          </a:ln>
+        </p:spPr>
+        <p:style>
+          <a:lnRef idx="1">
+            <a:schemeClr val="accent1"/>
+          </a:lnRef>
+          <a:fillRef idx="0">
+            <a:schemeClr val="accent1"/>
+          </a:fillRef>
+          <a:effectRef idx="0">
+            <a:schemeClr val="accent1"/>
+          </a:effectRef>
+          <a:fontRef idx="minor">
+            <a:schemeClr val="tx1"/>
+          </a:fontRef>
+        </p:style>
+      </p:cxnSp>
+      <p:sp>
+        <p:nvSpPr>
+          <p:cNvPr id="29" name="TextBox 28"/>
+          <p:cNvSpPr txBox="1"/>
+          <p:nvPr/>
+        </p:nvSpPr>
+        <p:spPr>
+          <a:xfrm>
+            <a:off x="1926567" y="16057800"/>
+            <a:ext cx="1134991" cy="276999"/>
+          </a:xfrm>
+          <a:prstGeom prst="rect">
+            <a:avLst/>
+          </a:prstGeom>
+          <a:noFill/>
+        </p:spPr>
+        <p:txBody>
+          <a:bodyPr wrap="none" rtlCol="0">
+            <a:spAutoFit/>
+          </a:bodyPr>
+          <a:lstStyle/>
+          <a:p>
+            <a:r>
+              <a:rPr lang="en-GB" sz="1200" dirty="0"/>
+              <a:t>Started braking</a:t>
+            </a:r>
+          </a:p>
+        </p:txBody>
+      </p:sp>
+      <p:sp>
+        <p:nvSpPr>
+          <p:cNvPr id="30" name="Flowchart: Decision 29"/>
+          <p:cNvSpPr/>
+          <p:nvPr/>
+        </p:nvSpPr>
+        <p:spPr>
+          <a:xfrm>
+            <a:off x="8390935" y="9074391"/>
+            <a:ext cx="1541931" cy="932329"/>
+          </a:xfrm>
+          <a:prstGeom prst="flowChartDecision">
+            <a:avLst/>
+          </a:prstGeom>
+        </p:spPr>
+        <p:style>
+          <a:lnRef idx="2">
+            <a:schemeClr val="accent6"/>
+          </a:lnRef>
+          <a:fillRef idx="1">
+            <a:schemeClr val="lt1"/>
+          </a:fillRef>
+          <a:effectRef idx="0">
+            <a:schemeClr val="accent6"/>
+          </a:effectRef>
+          <a:fontRef idx="minor">
+            <a:schemeClr val="dk1"/>
+          </a:fontRef>
+        </p:style>
+        <p:txBody>
+          <a:bodyPr rot="0" spcFirstLastPara="0" vertOverflow="overflow" horzOverflow="overflow" vert="horz" wrap="square" lIns="91440" tIns="45720" rIns="91440" bIns="45720" numCol="1" spcCol="0" rtlCol="0" fromWordArt="0" anchor="ctr" anchorCtr="0" forceAA="0" compatLnSpc="1">
+            <a:prstTxWarp prst="textNoShape">
+              <a:avLst/>
+            </a:prstTxWarp>
+            <a:noAutofit/>
+          </a:bodyPr>
+          <a:lstStyle/>
+          <a:p>
+            <a:pPr algn="ctr"/>
+            <a:r>
+              <a:rPr lang="en-GB" sz="1200" dirty="0"/>
+              <a:t>Is Feedback required?</a:t>
+            </a:r>
+          </a:p>
+        </p:txBody>
+      </p:sp>
+      <p:cxnSp>
+        <p:nvCxnSpPr>
+          <p:cNvPr id="31" name="Straight Arrow Connector 30"/>
+          <p:cNvCxnSpPr>
+            <a:stCxn id="17" idx="2"/>
+            <a:endCxn id="30" idx="0"/>
+          </p:cNvCxnSpPr>
+          <p:nvPr/>
+        </p:nvCxnSpPr>
+        <p:spPr>
+          <a:xfrm>
+            <a:off x="9156774" y="8683502"/>
+            <a:ext cx="5127" cy="390889"/>
+          </a:xfrm>
+          <a:prstGeom prst="straightConnector1">
+            <a:avLst/>
+          </a:prstGeom>
+          <a:ln>
+            <a:tailEnd type="triangle"/>
+          </a:ln>
+        </p:spPr>
+        <p:style>
+          <a:lnRef idx="1">
+            <a:schemeClr val="accent1"/>
+          </a:lnRef>
+          <a:fillRef idx="0">
+            <a:schemeClr val="accent1"/>
+          </a:fillRef>
+          <a:effectRef idx="0">
+            <a:schemeClr val="accent1"/>
+          </a:effectRef>
+          <a:fontRef idx="minor">
+            <a:schemeClr val="tx1"/>
+          </a:fontRef>
+        </p:style>
+      </p:cxnSp>
+      <p:sp>
+        <p:nvSpPr>
+          <p:cNvPr id="32" name="TextBox 31"/>
+          <p:cNvSpPr txBox="1"/>
+          <p:nvPr/>
+        </p:nvSpPr>
+        <p:spPr>
+          <a:xfrm>
+            <a:off x="8764976" y="10106659"/>
+            <a:ext cx="389594" cy="276999"/>
+          </a:xfrm>
+          <a:prstGeom prst="rect">
+            <a:avLst/>
+          </a:prstGeom>
+          <a:noFill/>
+        </p:spPr>
+        <p:txBody>
+          <a:bodyPr wrap="none" rtlCol="0">
+            <a:spAutoFit/>
+          </a:bodyPr>
+          <a:lstStyle/>
+          <a:p>
+            <a:r>
+              <a:rPr lang="en-GB" sz="1200" dirty="0"/>
+              <a:t>yes</a:t>
+            </a:r>
+          </a:p>
+        </p:txBody>
+      </p:sp>
+      <p:cxnSp>
+        <p:nvCxnSpPr>
+          <p:cNvPr id="33" name="Straight Arrow Connector 32"/>
+          <p:cNvCxnSpPr>
+            <a:stCxn id="30" idx="2"/>
+            <a:endCxn id="36" idx="0"/>
+          </p:cNvCxnSpPr>
+          <p:nvPr/>
+        </p:nvCxnSpPr>
+        <p:spPr>
+          <a:xfrm>
+            <a:off x="9161901" y="10006720"/>
+            <a:ext cx="5617" cy="586908"/>
+          </a:xfrm>
+          <a:prstGeom prst="straightConnector1">
+            <a:avLst/>
+          </a:prstGeom>
+          <a:ln>
+            <a:tailEnd type="triangle"/>
+          </a:ln>
+        </p:spPr>
+        <p:style>
+          <a:lnRef idx="1">
+            <a:schemeClr val="accent1"/>
+          </a:lnRef>
+          <a:fillRef idx="0">
+            <a:schemeClr val="accent1"/>
+          </a:fillRef>
+          <a:effectRef idx="0">
+            <a:schemeClr val="accent1"/>
+          </a:effectRef>
+          <a:fontRef idx="minor">
+            <a:schemeClr val="tx1"/>
+          </a:fontRef>
+        </p:style>
+      </p:cxnSp>
+      <p:cxnSp>
+        <p:nvCxnSpPr>
+          <p:cNvPr id="34" name="Curved Connector 33"/>
+          <p:cNvCxnSpPr>
+            <a:stCxn id="27" idx="4"/>
+            <a:endCxn id="26" idx="4"/>
+          </p:cNvCxnSpPr>
+          <p:nvPr/>
+        </p:nvCxnSpPr>
+        <p:spPr>
+          <a:xfrm rot="5400000">
+            <a:off x="2432801" y="16093519"/>
+            <a:ext cx="32328" cy="1970605"/>
+          </a:xfrm>
+          <a:prstGeom prst="curvedConnector3">
+            <a:avLst>
+              <a:gd name="adj1" fmla="val 807127"/>
+            </a:avLst>
+          </a:prstGeom>
+          <a:ln>
+            <a:tailEnd type="triangle"/>
+          </a:ln>
+        </p:spPr>
+        <p:style>
+          <a:lnRef idx="1">
+            <a:schemeClr val="accent1"/>
+          </a:lnRef>
+          <a:fillRef idx="0">
+            <a:schemeClr val="accent1"/>
+          </a:fillRef>
+          <a:effectRef idx="0">
+            <a:schemeClr val="accent1"/>
+          </a:effectRef>
+          <a:fontRef idx="minor">
+            <a:schemeClr val="tx1"/>
+          </a:fontRef>
+        </p:style>
+      </p:cxnSp>
+      <p:sp>
+        <p:nvSpPr>
+          <p:cNvPr id="35" name="TextBox 34"/>
+          <p:cNvSpPr txBox="1"/>
+          <p:nvPr/>
+        </p:nvSpPr>
+        <p:spPr>
+          <a:xfrm>
+            <a:off x="1857295" y="17429400"/>
+            <a:ext cx="1201163" cy="276999"/>
+          </a:xfrm>
+          <a:prstGeom prst="rect">
+            <a:avLst/>
+          </a:prstGeom>
+          <a:noFill/>
+        </p:spPr>
+        <p:txBody>
+          <a:bodyPr wrap="none" rtlCol="0">
+            <a:spAutoFit/>
+          </a:bodyPr>
+          <a:lstStyle/>
+          <a:p>
+            <a:r>
+              <a:rPr lang="en-GB" sz="1200" dirty="0"/>
+              <a:t>Stopped braking</a:t>
+            </a:r>
+          </a:p>
+        </p:txBody>
+      </p:sp>
+      <p:sp>
+        <p:nvSpPr>
+          <p:cNvPr id="36" name="Flowchart: Decision 35"/>
+          <p:cNvSpPr/>
+          <p:nvPr/>
+        </p:nvSpPr>
+        <p:spPr>
+          <a:xfrm>
+            <a:off x="8362360" y="10593628"/>
+            <a:ext cx="1610315" cy="1012584"/>
+          </a:xfrm>
+          <a:prstGeom prst="flowChartDecision">
+            <a:avLst/>
+          </a:prstGeom>
+        </p:spPr>
+        <p:style>
+          <a:lnRef idx="2">
+            <a:schemeClr val="accent6"/>
+          </a:lnRef>
+          <a:fillRef idx="1">
+            <a:schemeClr val="lt1"/>
+          </a:fillRef>
+          <a:effectRef idx="0">
+            <a:schemeClr val="accent6"/>
+          </a:effectRef>
+          <a:fontRef idx="minor">
+            <a:schemeClr val="dk1"/>
+          </a:fontRef>
+        </p:style>
+        <p:txBody>
+          <a:bodyPr rot="0" spcFirstLastPara="0" vertOverflow="overflow" horzOverflow="overflow" vert="horz" wrap="square" lIns="91440" tIns="45720" rIns="91440" bIns="45720" numCol="1" spcCol="0" rtlCol="0" fromWordArt="0" anchor="ctr" anchorCtr="0" forceAA="0" compatLnSpc="1">
+            <a:prstTxWarp prst="textNoShape">
+              <a:avLst/>
+            </a:prstTxWarp>
+            <a:noAutofit/>
+          </a:bodyPr>
+          <a:lstStyle/>
+          <a:p>
+            <a:pPr algn="ctr"/>
+            <a:r>
+              <a:rPr lang="en-GB" sz="1200" dirty="0" smtClean="0"/>
+              <a:t>Front slip &gt;= threshold</a:t>
+            </a:r>
+            <a:endParaRPr lang="en-GB" sz="1200" dirty="0"/>
+          </a:p>
+        </p:txBody>
+      </p:sp>
+      <p:sp>
+        <p:nvSpPr>
+          <p:cNvPr id="37" name="Flowchart: Process 36"/>
+          <p:cNvSpPr/>
+          <p:nvPr/>
+        </p:nvSpPr>
+        <p:spPr>
+          <a:xfrm>
+            <a:off x="6927924" y="12099929"/>
+            <a:ext cx="914400" cy="612648"/>
+          </a:xfrm>
+          <a:prstGeom prst="flowChartProcess">
+            <a:avLst/>
+          </a:prstGeom>
+        </p:spPr>
+        <p:style>
+          <a:lnRef idx="2">
+            <a:schemeClr val="accent6"/>
+          </a:lnRef>
+          <a:fillRef idx="1">
+            <a:schemeClr val="lt1"/>
+          </a:fillRef>
+          <a:effectRef idx="0">
+            <a:schemeClr val="accent6"/>
+          </a:effectRef>
+          <a:fontRef idx="minor">
+            <a:schemeClr val="dk1"/>
+          </a:fontRef>
+        </p:style>
+        <p:txBody>
+          <a:bodyPr rot="0" spcFirstLastPara="0" vertOverflow="overflow" horzOverflow="overflow" vert="horz" wrap="square" lIns="91440" tIns="45720" rIns="91440" bIns="45720" numCol="1" spcCol="0" rtlCol="0" fromWordArt="0" anchor="ctr" anchorCtr="0" forceAA="0" compatLnSpc="1">
+            <a:prstTxWarp prst="textNoShape">
+              <a:avLst/>
+            </a:prstTxWarp>
+            <a:noAutofit/>
+          </a:bodyPr>
+          <a:lstStyle/>
+          <a:p>
+            <a:pPr algn="ctr"/>
+            <a:r>
+              <a:rPr lang="en-GB" sz="1200" dirty="0" smtClean="0"/>
+              <a:t>Braking too light</a:t>
+            </a:r>
+            <a:endParaRPr lang="en-GB" sz="1200" dirty="0"/>
+          </a:p>
+        </p:txBody>
+      </p:sp>
+      <p:sp>
+        <p:nvSpPr>
+          <p:cNvPr id="38" name="Flowchart: Process 37"/>
+          <p:cNvSpPr/>
+          <p:nvPr/>
+        </p:nvSpPr>
+        <p:spPr>
+          <a:xfrm>
+            <a:off x="6951737" y="10795004"/>
+            <a:ext cx="914400" cy="612648"/>
+          </a:xfrm>
+          <a:prstGeom prst="flowChartProcess">
+            <a:avLst/>
+          </a:prstGeom>
+        </p:spPr>
+        <p:style>
+          <a:lnRef idx="2">
+            <a:schemeClr val="accent6"/>
+          </a:lnRef>
+          <a:fillRef idx="1">
+            <a:schemeClr val="lt1"/>
+          </a:fillRef>
+          <a:effectRef idx="0">
+            <a:schemeClr val="accent6"/>
+          </a:effectRef>
+          <a:fontRef idx="minor">
+            <a:schemeClr val="dk1"/>
+          </a:fontRef>
+        </p:style>
+        <p:txBody>
+          <a:bodyPr rot="0" spcFirstLastPara="0" vertOverflow="overflow" horzOverflow="overflow" vert="horz" wrap="square" lIns="91440" tIns="45720" rIns="91440" bIns="45720" numCol="1" spcCol="0" rtlCol="0" fromWordArt="0" anchor="ctr" anchorCtr="0" forceAA="0" compatLnSpc="1">
+            <a:prstTxWarp prst="textNoShape">
+              <a:avLst/>
+            </a:prstTxWarp>
+            <a:noAutofit/>
+          </a:bodyPr>
+          <a:lstStyle/>
+          <a:p>
+            <a:pPr algn="ctr"/>
+            <a:r>
+              <a:rPr lang="en-GB" sz="1200" dirty="0" smtClean="0"/>
+              <a:t>Braking too hard</a:t>
+            </a:r>
+            <a:endParaRPr lang="en-GB" sz="1200" dirty="0"/>
+          </a:p>
+        </p:txBody>
+      </p:sp>
+      <p:cxnSp>
+        <p:nvCxnSpPr>
+          <p:cNvPr id="39" name="Straight Arrow Connector 38"/>
+          <p:cNvCxnSpPr>
+            <a:stCxn id="36" idx="1"/>
+            <a:endCxn id="38" idx="3"/>
+          </p:cNvCxnSpPr>
+          <p:nvPr/>
+        </p:nvCxnSpPr>
+        <p:spPr>
+          <a:xfrm flipH="1">
+            <a:off x="7866137" y="11099920"/>
+            <a:ext cx="496223" cy="1408"/>
+          </a:xfrm>
+          <a:prstGeom prst="straightConnector1">
+            <a:avLst/>
+          </a:prstGeom>
+          <a:ln>
+            <a:tailEnd type="triangle"/>
+          </a:ln>
+        </p:spPr>
+        <p:style>
+          <a:lnRef idx="1">
+            <a:schemeClr val="accent1"/>
+          </a:lnRef>
+          <a:fillRef idx="0">
+            <a:schemeClr val="accent1"/>
+          </a:fillRef>
+          <a:effectRef idx="0">
+            <a:schemeClr val="accent1"/>
+          </a:effectRef>
+          <a:fontRef idx="minor">
+            <a:schemeClr val="tx1"/>
+          </a:fontRef>
+        </p:style>
+      </p:cxnSp>
+      <p:sp>
+        <p:nvSpPr>
+          <p:cNvPr id="40" name="Flowchart: Decision 39"/>
+          <p:cNvSpPr/>
+          <p:nvPr/>
+        </p:nvSpPr>
+        <p:spPr>
+          <a:xfrm>
+            <a:off x="8352835" y="11908078"/>
+            <a:ext cx="1610315" cy="1012584"/>
+          </a:xfrm>
+          <a:prstGeom prst="flowChartDecision">
+            <a:avLst/>
+          </a:prstGeom>
+        </p:spPr>
+        <p:style>
+          <a:lnRef idx="2">
+            <a:schemeClr val="accent6"/>
+          </a:lnRef>
+          <a:fillRef idx="1">
+            <a:schemeClr val="lt1"/>
+          </a:fillRef>
+          <a:effectRef idx="0">
+            <a:schemeClr val="accent6"/>
+          </a:effectRef>
+          <a:fontRef idx="minor">
+            <a:schemeClr val="dk1"/>
+          </a:fontRef>
+        </p:style>
+        <p:txBody>
+          <a:bodyPr rot="0" spcFirstLastPara="0" vertOverflow="overflow" horzOverflow="overflow" vert="horz" wrap="square" lIns="91440" tIns="45720" rIns="91440" bIns="45720" numCol="1" spcCol="0" rtlCol="0" fromWordArt="0" anchor="ctr" anchorCtr="0" forceAA="0" compatLnSpc="1">
+            <a:prstTxWarp prst="textNoShape">
+              <a:avLst/>
+            </a:prstTxWarp>
+            <a:noAutofit/>
+          </a:bodyPr>
+          <a:lstStyle/>
+          <a:p>
+            <a:pPr algn="ctr"/>
+            <a:r>
+              <a:rPr lang="en-GB" sz="1200" dirty="0" smtClean="0"/>
+              <a:t>Front slip &gt;= threshold</a:t>
+            </a:r>
+            <a:endParaRPr lang="en-GB" sz="1200" dirty="0"/>
+          </a:p>
+        </p:txBody>
+      </p:sp>
+      <p:cxnSp>
+        <p:nvCxnSpPr>
+          <p:cNvPr id="41" name="Straight Arrow Connector 40"/>
+          <p:cNvCxnSpPr>
+            <a:stCxn id="36" idx="2"/>
+            <a:endCxn id="40" idx="0"/>
+          </p:cNvCxnSpPr>
+          <p:nvPr/>
+        </p:nvCxnSpPr>
+        <p:spPr>
+          <a:xfrm flipH="1">
+            <a:off x="9157993" y="11606212"/>
+            <a:ext cx="9525" cy="301866"/>
+          </a:xfrm>
+          <a:prstGeom prst="straightConnector1">
+            <a:avLst/>
+          </a:prstGeom>
+          <a:ln>
+            <a:tailEnd type="triangle"/>
+          </a:ln>
+        </p:spPr>
+        <p:style>
+          <a:lnRef idx="1">
+            <a:schemeClr val="accent1"/>
+          </a:lnRef>
+          <a:fillRef idx="0">
+            <a:schemeClr val="accent1"/>
+          </a:fillRef>
+          <a:effectRef idx="0">
+            <a:schemeClr val="accent1"/>
+          </a:effectRef>
+          <a:fontRef idx="minor">
+            <a:schemeClr val="tx1"/>
+          </a:fontRef>
+        </p:style>
+      </p:cxnSp>
+      <p:cxnSp>
+        <p:nvCxnSpPr>
+          <p:cNvPr id="42" name="Straight Arrow Connector 41"/>
+          <p:cNvCxnSpPr>
+            <a:stCxn id="40" idx="1"/>
+            <a:endCxn id="37" idx="3"/>
+          </p:cNvCxnSpPr>
+          <p:nvPr/>
+        </p:nvCxnSpPr>
+        <p:spPr>
+          <a:xfrm flipH="1" flipV="1">
+            <a:off x="7842324" y="12406253"/>
+            <a:ext cx="510511" cy="8117"/>
+          </a:xfrm>
+          <a:prstGeom prst="straightConnector1">
+            <a:avLst/>
+          </a:prstGeom>
+          <a:ln>
+            <a:tailEnd type="triangle"/>
+          </a:ln>
+        </p:spPr>
+        <p:style>
+          <a:lnRef idx="1">
+            <a:schemeClr val="accent1"/>
+          </a:lnRef>
+          <a:fillRef idx="0">
+            <a:schemeClr val="accent1"/>
+          </a:fillRef>
+          <a:effectRef idx="0">
+            <a:schemeClr val="accent1"/>
+          </a:effectRef>
+          <a:fontRef idx="minor">
+            <a:schemeClr val="tx1"/>
+          </a:fontRef>
+        </p:style>
+      </p:cxnSp>
+      <p:sp>
+        <p:nvSpPr>
+          <p:cNvPr id="43" name="TextBox 42"/>
+          <p:cNvSpPr txBox="1"/>
+          <p:nvPr/>
+        </p:nvSpPr>
+        <p:spPr>
+          <a:xfrm>
+            <a:off x="7964876" y="10843259"/>
+            <a:ext cx="389594" cy="276999"/>
+          </a:xfrm>
+          <a:prstGeom prst="rect">
+            <a:avLst/>
+          </a:prstGeom>
+          <a:noFill/>
+        </p:spPr>
+        <p:txBody>
+          <a:bodyPr wrap="none" rtlCol="0">
+            <a:spAutoFit/>
+          </a:bodyPr>
+          <a:lstStyle/>
+          <a:p>
+            <a:r>
+              <a:rPr lang="en-GB" sz="1200" dirty="0"/>
+              <a:t>yes</a:t>
+            </a:r>
+          </a:p>
+        </p:txBody>
+      </p:sp>
+      <p:sp>
+        <p:nvSpPr>
+          <p:cNvPr id="44" name="TextBox 43"/>
+          <p:cNvSpPr txBox="1"/>
+          <p:nvPr/>
+        </p:nvSpPr>
+        <p:spPr>
+          <a:xfrm>
+            <a:off x="7952176" y="12113259"/>
+            <a:ext cx="389594" cy="276999"/>
+          </a:xfrm>
+          <a:prstGeom prst="rect">
+            <a:avLst/>
+          </a:prstGeom>
+          <a:noFill/>
+        </p:spPr>
+        <p:txBody>
+          <a:bodyPr wrap="none" rtlCol="0">
+            <a:spAutoFit/>
+          </a:bodyPr>
+          <a:lstStyle/>
+          <a:p>
+            <a:r>
+              <a:rPr lang="en-GB" sz="1200" dirty="0"/>
+              <a:t>yes</a:t>
+            </a:r>
+          </a:p>
+        </p:txBody>
+      </p:sp>
+      <p:sp>
+        <p:nvSpPr>
+          <p:cNvPr id="45" name="TextBox 44"/>
+          <p:cNvSpPr txBox="1"/>
+          <p:nvPr/>
+        </p:nvSpPr>
+        <p:spPr>
+          <a:xfrm>
+            <a:off x="8759492" y="11554425"/>
+            <a:ext cx="346570" cy="276999"/>
+          </a:xfrm>
+          <a:prstGeom prst="rect">
+            <a:avLst/>
+          </a:prstGeom>
+          <a:noFill/>
+        </p:spPr>
+        <p:txBody>
+          <a:bodyPr wrap="none" rtlCol="0">
+            <a:spAutoFit/>
+          </a:bodyPr>
+          <a:lstStyle/>
+          <a:p>
+            <a:r>
+              <a:rPr lang="en-GB" sz="1200" dirty="0"/>
+              <a:t>no</a:t>
+            </a:r>
+          </a:p>
+        </p:txBody>
+      </p:sp>
+    </p:spTree>
+    <p:extLst>
+      <p:ext uri="{BB962C8B-B14F-4D97-AF65-F5344CB8AC3E}">
+        <p14:creationId xmlns:p14="http://schemas.microsoft.com/office/powerpoint/2010/main" val="2481702682"/>
+      </p:ext>
+    </p:extLst>
+  </p:cSld>
+  <p:clrMapOvr>
+    <a:masterClrMapping/>
+  </p:clrMapOvr>
+</p:sld>
+</file>
+
 <file path=ppt/theme/theme1.xml><?xml version="1.0" encoding="utf-8"?>
 <a:theme xmlns:a="http://schemas.openxmlformats.org/drawingml/2006/main" name="Office Theme">
   <a:themeElements>
-    <a:clrScheme name="Office">
+    <a:clrScheme name="Office Theme">
       <a:dk1>
         <a:sysClr val="windowText" lastClr="000000"/>
       </a:dk1>
@@ -6298,7 +7924,7 @@
         <a:srgbClr val="954F72"/>
       </a:folHlink>
     </a:clrScheme>
-    <a:fontScheme name="Office">
+    <a:fontScheme name="Office Theme">
       <a:majorFont>
         <a:latin typeface="Calibri Light" panose="020F0302020204030204"/>
         <a:ea typeface=""/>
@@ -6370,7 +7996,7 @@
         <a:font script="Geor" typeface="Sylfaen"/>
       </a:minorFont>
     </a:fontScheme>
-    <a:fmtScheme name="Office">
+    <a:fmtScheme name="Office Theme">
       <a:fillStyleLst>
         <a:solidFill>
           <a:schemeClr val="phClr"/>

--- a/Write Up/Power Point/Dia.pptx
+++ b/Write Up/Power Point/Dia.pptx
@@ -3227,11 +3227,6 @@
                 </a:rPr>
                 <a:t>p1</a:t>
               </a:r>
-              <a:endParaRPr lang="en-GB" sz="5023" dirty="0">
-                <a:solidFill>
-                  <a:schemeClr val="accent1"/>
-                </a:solidFill>
-              </a:endParaRPr>
             </a:p>
           </p:txBody>
         </p:sp>
@@ -3265,11 +3260,6 @@
                 </a:rPr>
                 <a:t>p2</a:t>
               </a:r>
-              <a:endParaRPr lang="en-GB" sz="5023" dirty="0">
-                <a:solidFill>
-                  <a:schemeClr val="accent1"/>
-                </a:solidFill>
-              </a:endParaRPr>
             </a:p>
           </p:txBody>
         </p:sp>
@@ -3303,11 +3293,6 @@
                 </a:rPr>
                 <a:t>p3</a:t>
               </a:r>
-              <a:endParaRPr lang="en-GB" sz="5023" dirty="0">
-                <a:solidFill>
-                  <a:schemeClr val="accent1"/>
-                </a:solidFill>
-              </a:endParaRPr>
             </a:p>
           </p:txBody>
         </p:sp>
@@ -3341,11 +3326,6 @@
                 </a:rPr>
                 <a:t>v1</a:t>
               </a:r>
-              <a:endParaRPr lang="en-GB" sz="5023" dirty="0">
-                <a:solidFill>
-                  <a:schemeClr val="accent2"/>
-                </a:solidFill>
-              </a:endParaRPr>
             </a:p>
           </p:txBody>
         </p:sp>
@@ -3379,11 +3359,6 @@
                 </a:rPr>
                 <a:t>v2</a:t>
               </a:r>
-              <a:endParaRPr lang="en-GB" sz="5023" dirty="0">
-                <a:solidFill>
-                  <a:schemeClr val="accent4"/>
-                </a:solidFill>
-              </a:endParaRPr>
             </a:p>
           </p:txBody>
         </p:sp>
@@ -3573,7 +3548,6 @@
               <a:rPr lang="en-GB" sz="5023" dirty="0"/>
               <a:t>Normalised and dot product</a:t>
             </a:r>
-            <a:endParaRPr lang="en-GB" sz="5023" dirty="0"/>
           </a:p>
         </p:txBody>
       </p:sp>
@@ -3603,7 +3577,6 @@
               <a:rPr lang="en-GB" sz="5023" dirty="0"/>
               <a:t>Create two vectors</a:t>
             </a:r>
-            <a:endParaRPr lang="en-GB" sz="5023" dirty="0"/>
           </a:p>
         </p:txBody>
       </p:sp>
@@ -3773,7 +3746,6 @@
               <a:rPr lang="en-GB" sz="5023" dirty="0"/>
               <a:t>Track Splicer</a:t>
             </a:r>
-            <a:endParaRPr lang="en-GB" sz="5023" dirty="0"/>
           </a:p>
         </p:txBody>
       </p:sp>
@@ -3785,8 +3757,8 @@
         </p:nvSpPr>
         <p:spPr>
           <a:xfrm>
-            <a:off x="2706918" y="6590013"/>
-            <a:ext cx="2836467" cy="2509183"/>
+            <a:off x="2686463" y="6528649"/>
+            <a:ext cx="2836467" cy="2618280"/>
           </a:xfrm>
           <a:prstGeom prst="flowChartDocument">
             <a:avLst/>
@@ -3812,46 +3784,45 @@
           <a:p>
             <a:pPr algn="ctr"/>
             <a:r>
-              <a:rPr lang="en-GB" sz="5023" dirty="0"/>
+              <a:rPr lang="en-GB" sz="2400" dirty="0"/>
               <a:t>1,{0,0}</a:t>
             </a:r>
             <a:br>
-              <a:rPr lang="en-GB" sz="5023" dirty="0"/>
+              <a:rPr lang="en-GB" sz="2400" dirty="0"/>
             </a:br>
             <a:r>
-              <a:rPr lang="en-GB" sz="5023" dirty="0"/>
+              <a:rPr lang="en-GB" sz="2400" dirty="0"/>
               <a:t>2,{0.23,0}</a:t>
             </a:r>
             <a:br>
-              <a:rPr lang="en-GB" sz="5023" dirty="0"/>
+              <a:rPr lang="en-GB" sz="2400" dirty="0"/>
             </a:br>
             <a:r>
-              <a:rPr lang="en-GB" sz="5023" dirty="0"/>
+              <a:rPr lang="en-GB" sz="2400" dirty="0"/>
               <a:t>…..</a:t>
             </a:r>
             <a:br>
-              <a:rPr lang="en-GB" sz="5023" dirty="0"/>
+              <a:rPr lang="en-GB" sz="2400" dirty="0"/>
             </a:br>
             <a:r>
-              <a:rPr lang="en-GB" sz="5023" dirty="0"/>
+              <a:rPr lang="en-GB" sz="2400" dirty="0"/>
               <a:t>…..</a:t>
             </a:r>
             <a:br>
-              <a:rPr lang="en-GB" sz="5023" dirty="0"/>
+              <a:rPr lang="en-GB" sz="2400" dirty="0"/>
             </a:br>
             <a:r>
-              <a:rPr lang="en-GB" sz="5023" dirty="0"/>
+              <a:rPr lang="en-GB" sz="2400" dirty="0"/>
               <a:t>X,{</a:t>
             </a:r>
             <a:r>
-              <a:rPr lang="en-GB" sz="5023" dirty="0" err="1"/>
+              <a:rPr lang="en-GB" sz="2400" dirty="0" err="1"/>
               <a:t>x,y</a:t>
             </a:r>
             <a:r>
-              <a:rPr lang="en-GB" sz="5023" dirty="0"/>
+              <a:rPr lang="en-GB" sz="2400" dirty="0"/>
               <a:t>}</a:t>
             </a:r>
-            <a:endParaRPr lang="en-GB" sz="5023" dirty="0"/>
           </a:p>
         </p:txBody>
       </p:sp>
@@ -3863,7 +3834,7 @@
         </p:nvSpPr>
         <p:spPr>
           <a:xfrm>
-            <a:off x="12450459" y="6528648"/>
+            <a:off x="12090945" y="6549105"/>
             <a:ext cx="3109204" cy="2509183"/>
           </a:xfrm>
           <a:prstGeom prst="flowChartDocument">
@@ -3890,35 +3861,35 @@
           <a:p>
             <a:pPr algn="ctr"/>
             <a:r>
-              <a:rPr lang="en-GB" sz="5023" dirty="0"/>
+              <a:rPr lang="en-GB" sz="2400" dirty="0"/>
               <a:t>Straight,1528,90</a:t>
             </a:r>
           </a:p>
           <a:p>
             <a:pPr algn="ctr"/>
             <a:r>
-              <a:rPr lang="en-GB" sz="5023" dirty="0"/>
+              <a:rPr lang="en-GB" sz="2400" dirty="0"/>
               <a:t>Corner,91,242,165</a:t>
             </a:r>
             <a:br>
-              <a:rPr lang="en-GB" sz="5023" dirty="0"/>
+              <a:rPr lang="en-GB" sz="2400" dirty="0"/>
             </a:br>
             <a:r>
-              <a:rPr lang="en-GB" sz="5023" dirty="0"/>
+              <a:rPr lang="en-GB" sz="2400" dirty="0"/>
               <a:t>….</a:t>
             </a:r>
           </a:p>
           <a:p>
             <a:pPr algn="ctr"/>
             <a:r>
-              <a:rPr lang="en-GB" sz="5023" dirty="0"/>
+              <a:rPr lang="en-GB" sz="2400" dirty="0"/>
               <a:t>….</a:t>
             </a:r>
           </a:p>
           <a:p>
             <a:pPr algn="ctr"/>
             <a:r>
-              <a:rPr lang="en-GB" sz="5023" dirty="0"/>
+              <a:rPr lang="en-GB" sz="2400" dirty="0"/>
               <a:t>Corner,560,600,580</a:t>
             </a:r>
           </a:p>
@@ -3973,7 +3944,7 @@
         <p:spPr>
           <a:xfrm>
             <a:off x="10575389" y="7476412"/>
-            <a:ext cx="1444553" cy="715526"/>
+            <a:ext cx="1238659" cy="715526"/>
           </a:xfrm>
           <a:prstGeom prst="rightArrow">
             <a:avLst/>
@@ -4012,8 +3983,8 @@
         </p:nvSpPr>
         <p:spPr>
           <a:xfrm>
-            <a:off x="2768283" y="5969538"/>
-            <a:ext cx="4795480" cy="865301"/>
+            <a:off x="2497557" y="5974650"/>
+            <a:ext cx="3214278" cy="553998"/>
           </a:xfrm>
           <a:prstGeom prst="rect">
             <a:avLst/>
@@ -4027,10 +3998,13 @@
           <a:lstStyle/>
           <a:p>
             <a:r>
-              <a:rPr lang="en-GB" sz="5023" dirty="0"/>
-              <a:t>Race line data file</a:t>
-            </a:r>
-            <a:endParaRPr lang="en-GB" sz="5023" dirty="0"/>
+              <a:rPr lang="en-GB" sz="3000" dirty="0" smtClean="0"/>
+              <a:t>Racing </a:t>
+            </a:r>
+            <a:r>
+              <a:rPr lang="en-GB" sz="3000" dirty="0"/>
+              <a:t>line data file</a:t>
+            </a:r>
           </a:p>
         </p:txBody>
       </p:sp>
@@ -4042,8 +4016,8 @@
         </p:nvSpPr>
         <p:spPr>
           <a:xfrm>
-            <a:off x="12307271" y="5949084"/>
-            <a:ext cx="6088846" cy="865301"/>
+            <a:off x="11792091" y="5974650"/>
+            <a:ext cx="3706912" cy="553998"/>
           </a:xfrm>
           <a:prstGeom prst="rect">
             <a:avLst/>
@@ -4057,10 +4031,9 @@
           <a:lstStyle/>
           <a:p>
             <a:r>
-              <a:rPr lang="en-GB" sz="5023" dirty="0"/>
+              <a:rPr lang="en-GB" sz="3000" dirty="0"/>
               <a:t>Track sections data file</a:t>
             </a:r>
-            <a:endParaRPr lang="en-GB" sz="5023" dirty="0"/>
           </a:p>
         </p:txBody>
       </p:sp>
@@ -4072,8 +4045,8 @@
         </p:nvSpPr>
         <p:spPr>
           <a:xfrm>
-            <a:off x="3545584" y="9146928"/>
-            <a:ext cx="1577676" cy="865301"/>
+            <a:off x="2686464" y="9146928"/>
+            <a:ext cx="2836466" cy="553998"/>
           </a:xfrm>
           <a:prstGeom prst="rect">
             <a:avLst/>
@@ -4081,13 +4054,14 @@
           <a:noFill/>
         </p:spPr>
         <p:txBody>
-          <a:bodyPr wrap="none" rtlCol="0">
+          <a:bodyPr wrap="square" rtlCol="0">
             <a:spAutoFit/>
           </a:bodyPr>
           <a:lstStyle/>
           <a:p>
-            <a:r>
-              <a:rPr lang="en-GB" sz="5023" dirty="0"/>
+            <a:pPr algn="ctr"/>
+            <a:r>
+              <a:rPr lang="en-GB" sz="3000" dirty="0"/>
               <a:t>Input</a:t>
             </a:r>
           </a:p>
@@ -4101,8 +4075,8 @@
         </p:nvSpPr>
         <p:spPr>
           <a:xfrm>
-            <a:off x="13343673" y="9058288"/>
-            <a:ext cx="2058577" cy="865301"/>
+            <a:off x="12090945" y="9078745"/>
+            <a:ext cx="3109204" cy="553998"/>
           </a:xfrm>
           <a:prstGeom prst="rect">
             <a:avLst/>
@@ -4110,15 +4084,17 @@
           <a:noFill/>
         </p:spPr>
         <p:txBody>
-          <a:bodyPr wrap="none" rtlCol="0">
+          <a:bodyPr wrap="square" rtlCol="0">
             <a:spAutoFit/>
           </a:bodyPr>
           <a:lstStyle/>
           <a:p>
-            <a:r>
-              <a:rPr lang="en-GB" sz="5023" dirty="0"/>
+            <a:pPr algn="ctr"/>
+            <a:r>
+              <a:rPr lang="en-GB" sz="3000" dirty="0" smtClean="0"/>
               <a:t>Output</a:t>
             </a:r>
+            <a:endParaRPr lang="en-GB" sz="3000" dirty="0"/>
           </a:p>
         </p:txBody>
       </p:sp>
@@ -4307,11 +4283,6 @@
               </a:rPr>
               <a:t>p1</a:t>
             </a:r>
-            <a:endParaRPr lang="en-GB" sz="5023" dirty="0">
-              <a:solidFill>
-                <a:schemeClr val="accent1"/>
-              </a:solidFill>
-            </a:endParaRPr>
           </a:p>
         </p:txBody>
       </p:sp>
@@ -4888,7 +4859,6 @@
               <a:rPr lang="en-GB" sz="2067" dirty="0"/>
               <a:t>Thread x,1</a:t>
             </a:r>
-            <a:endParaRPr lang="en-GB" sz="2067" dirty="0"/>
           </a:p>
         </p:txBody>
       </p:sp>
@@ -4919,7 +4889,6 @@
               <a:rPr lang="en-GB" sz="2067" dirty="0"/>
               <a:t>Thread 2,1</a:t>
             </a:r>
-            <a:endParaRPr lang="en-GB" sz="2067" dirty="0"/>
           </a:p>
         </p:txBody>
       </p:sp>
@@ -4950,7 +4919,6 @@
               <a:rPr lang="en-GB" sz="2067" dirty="0"/>
               <a:t>Thread 1,1</a:t>
             </a:r>
-            <a:endParaRPr lang="en-GB" sz="2067" dirty="0"/>
           </a:p>
         </p:txBody>
       </p:sp>
@@ -4992,7 +4960,6 @@
               <a:rPr lang="en-GB" sz="5023" dirty="0"/>
               <a:t>Coordinator</a:t>
             </a:r>
-            <a:endParaRPr lang="en-GB" sz="5023" dirty="0"/>
           </a:p>
         </p:txBody>
       </p:sp>
@@ -5058,7 +5025,6 @@
               <a:rPr lang="en-GB" sz="5023" dirty="0"/>
               <a:t>Main Thread</a:t>
             </a:r>
-            <a:endParaRPr lang="en-GB" sz="5023" dirty="0"/>
           </a:p>
         </p:txBody>
       </p:sp>
@@ -5100,7 +5066,6 @@
               <a:rPr lang="en-GB" sz="5023" dirty="0"/>
               <a:t>Feedback Module 1</a:t>
             </a:r>
-            <a:endParaRPr lang="en-GB" sz="5023" dirty="0"/>
           </a:p>
         </p:txBody>
       </p:sp>
@@ -5142,7 +5107,6 @@
               <a:rPr lang="en-GB" sz="5023" dirty="0"/>
               <a:t>Feedback Module x</a:t>
             </a:r>
-            <a:endParaRPr lang="en-GB" sz="5023" dirty="0"/>
           </a:p>
         </p:txBody>
       </p:sp>
@@ -5184,7 +5148,6 @@
               <a:rPr lang="en-GB" sz="5023" dirty="0"/>
               <a:t>Feedback Module 2</a:t>
             </a:r>
-            <a:endParaRPr lang="en-GB" sz="5023" dirty="0"/>
           </a:p>
         </p:txBody>
       </p:sp>
@@ -5287,7 +5250,6 @@
               <a:rPr lang="en-GB" sz="5023" dirty="0"/>
               <a:t>Thread 1</a:t>
             </a:r>
-            <a:endParaRPr lang="en-GB" sz="5023" dirty="0"/>
           </a:p>
         </p:txBody>
       </p:sp>
@@ -5318,7 +5280,6 @@
               <a:rPr lang="en-GB" sz="5023" dirty="0"/>
               <a:t>Thread 2</a:t>
             </a:r>
-            <a:endParaRPr lang="en-GB" sz="5023" dirty="0"/>
           </a:p>
         </p:txBody>
       </p:sp>
@@ -5349,7 +5310,6 @@
               <a:rPr lang="en-GB" sz="5023" dirty="0"/>
               <a:t>Thread x </a:t>
             </a:r>
-            <a:endParaRPr lang="en-GB" sz="5023" dirty="0"/>
           </a:p>
         </p:txBody>
       </p:sp>
@@ -5649,7 +5609,6 @@
               <a:rPr lang="en-GB" sz="2067" dirty="0"/>
               <a:t>Module 1 Tasks</a:t>
             </a:r>
-            <a:endParaRPr lang="en-GB" sz="2067" dirty="0"/>
           </a:p>
         </p:txBody>
       </p:sp>
@@ -5691,7 +5650,6 @@
               <a:rPr lang="en-GB" sz="2067" dirty="0"/>
               <a:t>Module 2 Tasks</a:t>
             </a:r>
-            <a:endParaRPr lang="en-GB" sz="2067" dirty="0"/>
           </a:p>
         </p:txBody>
       </p:sp>
@@ -5733,7 +5691,6 @@
               <a:rPr lang="en-GB" sz="2067" dirty="0"/>
               <a:t>Module x Tasks</a:t>
             </a:r>
-            <a:endParaRPr lang="en-GB" sz="2067" dirty="0"/>
           </a:p>
         </p:txBody>
       </p:sp>
@@ -5799,7 +5756,6 @@
               <a:rPr lang="en-GB" sz="5023" dirty="0"/>
               <a:t>Shared Memory</a:t>
             </a:r>
-            <a:endParaRPr lang="en-GB" sz="5023" dirty="0"/>
           </a:p>
         </p:txBody>
       </p:sp>
@@ -5869,7 +5825,6 @@
               <a:rPr lang="en-GB" sz="1772" dirty="0"/>
               <a:t>Telemetry data</a:t>
             </a:r>
-            <a:endParaRPr lang="en-GB" sz="1772" dirty="0"/>
           </a:p>
         </p:txBody>
       </p:sp>
@@ -5899,7 +5854,6 @@
               <a:rPr lang="en-GB" sz="1772" dirty="0"/>
               <a:t>Telemetry data</a:t>
             </a:r>
-            <a:endParaRPr lang="en-GB" sz="1772" dirty="0"/>
           </a:p>
         </p:txBody>
       </p:sp>
@@ -6049,7 +6003,6 @@
               <a:rPr lang="en-GB" sz="1624" dirty="0"/>
               <a:t>New Feedback</a:t>
             </a:r>
-            <a:endParaRPr lang="en-GB" sz="1624" dirty="0"/>
           </a:p>
         </p:txBody>
       </p:sp>
@@ -6248,7 +6201,6 @@
               <a:rPr lang="en-GB" sz="1772" dirty="0"/>
               <a:t>New Telemetry Data</a:t>
             </a:r>
-            <a:endParaRPr lang="en-GB" sz="1772" dirty="0"/>
           </a:p>
         </p:txBody>
       </p:sp>

--- a/Write Up/Power Point/Dia.pptx
+++ b/Write Up/Power Point/Dia.pptx
@@ -7074,7 +7074,7 @@
         </p:nvSpPr>
         <p:spPr>
           <a:xfrm>
-            <a:off x="898886" y="16566066"/>
+            <a:off x="3071816" y="14166995"/>
             <a:ext cx="1129553" cy="528918"/>
           </a:xfrm>
           <a:prstGeom prst="ellipse">
@@ -7120,7 +7120,7 @@
         </p:nvSpPr>
         <p:spPr>
           <a:xfrm>
-            <a:off x="2833903" y="16533738"/>
+            <a:off x="5006833" y="14134667"/>
             <a:ext cx="1200728" cy="528918"/>
           </a:xfrm>
           <a:prstGeom prst="ellipse">
@@ -7169,7 +7169,7 @@
         </p:nvCxnSpPr>
         <p:spPr>
           <a:xfrm rot="5400000" flipH="1" flipV="1">
-            <a:off x="2432800" y="15564601"/>
+            <a:off x="4605730" y="13165530"/>
             <a:ext cx="32328" cy="1970605"/>
           </a:xfrm>
           <a:prstGeom prst="curvedConnector3">
@@ -7204,7 +7204,7 @@
         </p:nvSpPr>
         <p:spPr>
           <a:xfrm>
-            <a:off x="1926567" y="16057800"/>
+            <a:off x="4099497" y="13658729"/>
             <a:ext cx="1134991" cy="276999"/>
           </a:xfrm>
           <a:prstGeom prst="rect">
@@ -7383,7 +7383,7 @@
         </p:nvCxnSpPr>
         <p:spPr>
           <a:xfrm rot="5400000">
-            <a:off x="2432801" y="16093519"/>
+            <a:off x="4605731" y="13694448"/>
             <a:ext cx="32328" cy="1970605"/>
           </a:xfrm>
           <a:prstGeom prst="curvedConnector3">
@@ -7418,7 +7418,7 @@
         </p:nvSpPr>
         <p:spPr>
           <a:xfrm>
-            <a:off x="1857295" y="17429400"/>
+            <a:off x="4030225" y="15030329"/>
             <a:ext cx="1201163" cy="276999"/>
           </a:xfrm>
           <a:prstGeom prst="rect">
@@ -7657,7 +7657,15 @@
             <a:pPr algn="ctr"/>
             <a:r>
               <a:rPr lang="en-GB" sz="1200" dirty="0" smtClean="0"/>
-              <a:t>Front slip &gt;= threshold</a:t>
+              <a:t>Front slip </a:t>
+            </a:r>
+            <a:r>
+              <a:rPr lang="en-GB" sz="1200" dirty="0" smtClean="0"/>
+              <a:t>&lt;= </a:t>
+            </a:r>
+            <a:r>
+              <a:rPr lang="en-GB" sz="1200" dirty="0" smtClean="0"/>
+              <a:t>threshold</a:t>
             </a:r>
             <a:endParaRPr lang="en-GB" sz="1200" dirty="0"/>
           </a:p>

--- a/Write Up/Power Point/Dia.pptx
+++ b/Write Up/Power Point/Dia.pptx
@@ -6288,7 +6288,7 @@
         </p:nvSpPr>
         <p:spPr>
           <a:xfrm>
-            <a:off x="8358915" y="6695706"/>
+            <a:off x="6580333" y="5314718"/>
             <a:ext cx="1541931" cy="932329"/>
           </a:xfrm>
           <a:prstGeom prst="flowChartDecision">
@@ -6334,7 +6334,7 @@
         </p:nvSpPr>
         <p:spPr>
           <a:xfrm>
-            <a:off x="6688645" y="6861400"/>
+            <a:off x="5259664" y="5476350"/>
             <a:ext cx="914400" cy="612648"/>
           </a:xfrm>
           <a:prstGeom prst="flowChartProcess">
@@ -6380,7 +6380,7 @@
         </p:nvSpPr>
         <p:spPr>
           <a:xfrm>
-            <a:off x="10465318" y="6504035"/>
+            <a:off x="10454990" y="6609045"/>
             <a:ext cx="914400" cy="612648"/>
           </a:xfrm>
           <a:prstGeom prst="flowChartProcess">
@@ -6458,9 +6458,14 @@
           <a:p>
             <a:pPr algn="ctr"/>
             <a:r>
-              <a:rPr lang="en-GB" sz="1200" dirty="0"/>
-              <a:t>Is braking?</a:t>
-            </a:r>
+              <a:rPr lang="en-GB" sz="1200" dirty="0" smtClean="0"/>
+              <a:t>Event started </a:t>
+            </a:r>
+            <a:r>
+              <a:rPr lang="en-GB" sz="1200" dirty="0" smtClean="0"/>
+              <a:t>?</a:t>
+            </a:r>
+            <a:endParaRPr lang="en-GB" sz="1200" dirty="0"/>
           </a:p>
         </p:txBody>
       </p:sp>
@@ -6472,7 +6477,7 @@
         </p:nvSpPr>
         <p:spPr>
           <a:xfrm>
-            <a:off x="10141225" y="5304936"/>
+            <a:off x="10141225" y="5310723"/>
             <a:ext cx="1541931" cy="932329"/>
           </a:xfrm>
           <a:prstGeom prst="flowChartDecision">
@@ -6550,15 +6555,15 @@
         <p:nvCxnSpPr>
           <p:cNvPr id="11" name="Straight Arrow Connector 10"/>
           <p:cNvCxnSpPr>
-            <a:stCxn id="8" idx="2"/>
-            <a:endCxn id="5" idx="0"/>
+            <a:stCxn id="8" idx="1"/>
+            <a:endCxn id="5" idx="3"/>
           </p:cNvCxnSpPr>
           <p:nvPr/>
         </p:nvCxnSpPr>
         <p:spPr>
-          <a:xfrm>
-            <a:off x="9124822" y="6247047"/>
-            <a:ext cx="5059" cy="448659"/>
+          <a:xfrm flipH="1">
+            <a:off x="8122264" y="5780883"/>
+            <a:ext cx="334687" cy="0"/>
           </a:xfrm>
           <a:prstGeom prst="straightConnector1">
             <a:avLst/>
@@ -6619,7 +6624,7 @@
         </p:nvSpPr>
         <p:spPr>
           <a:xfrm>
-            <a:off x="8802126" y="6251121"/>
+            <a:off x="8153162" y="5502433"/>
             <a:ext cx="346570" cy="276999"/>
           </a:xfrm>
           <a:prstGeom prst="rect">
@@ -6651,8 +6656,8 @@
         </p:nvCxnSpPr>
         <p:spPr>
           <a:xfrm flipH="1">
-            <a:off x="7603045" y="7161871"/>
-            <a:ext cx="755870" cy="5853"/>
+            <a:off x="6174064" y="5780883"/>
+            <a:ext cx="406269" cy="1791"/>
           </a:xfrm>
           <a:prstGeom prst="straightConnector1">
             <a:avLst/>
@@ -6684,7 +6689,7 @@
         </p:nvSpPr>
         <p:spPr>
           <a:xfrm>
-            <a:off x="7692692" y="6906225"/>
+            <a:off x="6244564" y="5499988"/>
             <a:ext cx="346570" cy="276999"/>
           </a:xfrm>
           <a:prstGeom prst="rect">
@@ -6713,7 +6718,7 @@
         </p:nvSpPr>
         <p:spPr>
           <a:xfrm>
-            <a:off x="8739541" y="7690232"/>
+            <a:off x="7383611" y="6251121"/>
             <a:ext cx="389594" cy="276999"/>
           </a:xfrm>
           <a:prstGeom prst="rect">
@@ -6742,7 +6747,7 @@
         </p:nvSpPr>
         <p:spPr>
           <a:xfrm>
-            <a:off x="8699574" y="8070854"/>
+            <a:off x="6888311" y="6609045"/>
             <a:ext cx="914400" cy="612648"/>
           </a:xfrm>
           <a:prstGeom prst="flowChartProcess">
@@ -6790,9 +6795,9 @@
           <p:nvPr/>
         </p:nvCxnSpPr>
         <p:spPr>
-          <a:xfrm>
-            <a:off x="9129881" y="7628035"/>
-            <a:ext cx="26893" cy="442819"/>
+          <a:xfrm flipH="1">
+            <a:off x="7345511" y="6247047"/>
+            <a:ext cx="5788" cy="361998"/>
           </a:xfrm>
           <a:prstGeom prst="straightConnector1">
             <a:avLst/>
@@ -6827,8 +6832,8 @@
         </p:nvCxnSpPr>
         <p:spPr>
           <a:xfrm flipV="1">
-            <a:off x="9792692" y="5771100"/>
-            <a:ext cx="348533" cy="9782"/>
+            <a:off x="9792692" y="5776888"/>
+            <a:ext cx="348533" cy="3995"/>
           </a:xfrm>
           <a:prstGeom prst="straightConnector1">
             <a:avLst/>
@@ -6860,7 +6865,7 @@
         </p:nvSpPr>
         <p:spPr>
           <a:xfrm>
-            <a:off x="9708748" y="5499989"/>
+            <a:off x="9731896" y="5499989"/>
             <a:ext cx="389594" cy="276999"/>
           </a:xfrm>
           <a:prstGeom prst="rect">
@@ -6889,7 +6894,7 @@
         </p:nvSpPr>
         <p:spPr>
           <a:xfrm>
-            <a:off x="12124603" y="5457067"/>
+            <a:off x="12124603" y="5468641"/>
             <a:ext cx="914400" cy="612648"/>
           </a:xfrm>
           <a:prstGeom prst="flowChartProcess">
@@ -6938,8 +6943,8 @@
         </p:nvCxnSpPr>
         <p:spPr>
           <a:xfrm flipV="1">
-            <a:off x="11683155" y="5763392"/>
-            <a:ext cx="441448" cy="7709"/>
+            <a:off x="11683156" y="5774965"/>
+            <a:ext cx="441447" cy="1923"/>
           </a:xfrm>
           <a:prstGeom prst="straightConnector1">
             <a:avLst/>
@@ -7002,9 +7007,9 @@
           <p:nvPr/>
         </p:nvCxnSpPr>
         <p:spPr>
-          <a:xfrm>
-            <a:off x="10912190" y="6237265"/>
-            <a:ext cx="10328" cy="266771"/>
+          <a:xfrm flipH="1">
+            <a:off x="10912190" y="6243052"/>
+            <a:ext cx="1" cy="365993"/>
           </a:xfrm>
           <a:prstGeom prst="straightConnector1">
             <a:avLst/>
@@ -7039,12 +7044,12 @@
         </p:nvCxnSpPr>
         <p:spPr>
           <a:xfrm flipH="1">
-            <a:off x="11379719" y="5763391"/>
-            <a:ext cx="1659285" cy="1046968"/>
+            <a:off x="11369390" y="5774965"/>
+            <a:ext cx="1669613" cy="1140404"/>
           </a:xfrm>
           <a:prstGeom prst="bentConnector3">
             <a:avLst>
-              <a:gd name="adj1" fmla="val -13777"/>
+              <a:gd name="adj1" fmla="val -13692"/>
             </a:avLst>
           </a:prstGeom>
           <a:ln>
@@ -7225,153 +7230,6 @@
           </a:p>
         </p:txBody>
       </p:sp>
-      <p:sp>
-        <p:nvSpPr>
-          <p:cNvPr id="30" name="Flowchart: Decision 29"/>
-          <p:cNvSpPr/>
-          <p:nvPr/>
-        </p:nvSpPr>
-        <p:spPr>
-          <a:xfrm>
-            <a:off x="8390935" y="9074391"/>
-            <a:ext cx="1541931" cy="932329"/>
-          </a:xfrm>
-          <a:prstGeom prst="flowChartDecision">
-            <a:avLst/>
-          </a:prstGeom>
-        </p:spPr>
-        <p:style>
-          <a:lnRef idx="2">
-            <a:schemeClr val="accent6"/>
-          </a:lnRef>
-          <a:fillRef idx="1">
-            <a:schemeClr val="lt1"/>
-          </a:fillRef>
-          <a:effectRef idx="0">
-            <a:schemeClr val="accent6"/>
-          </a:effectRef>
-          <a:fontRef idx="minor">
-            <a:schemeClr val="dk1"/>
-          </a:fontRef>
-        </p:style>
-        <p:txBody>
-          <a:bodyPr rot="0" spcFirstLastPara="0" vertOverflow="overflow" horzOverflow="overflow" vert="horz" wrap="square" lIns="91440" tIns="45720" rIns="91440" bIns="45720" numCol="1" spcCol="0" rtlCol="0" fromWordArt="0" anchor="ctr" anchorCtr="0" forceAA="0" compatLnSpc="1">
-            <a:prstTxWarp prst="textNoShape">
-              <a:avLst/>
-            </a:prstTxWarp>
-            <a:noAutofit/>
-          </a:bodyPr>
-          <a:lstStyle/>
-          <a:p>
-            <a:pPr algn="ctr"/>
-            <a:r>
-              <a:rPr lang="en-GB" sz="1200" dirty="0"/>
-              <a:t>Is Feedback required?</a:t>
-            </a:r>
-          </a:p>
-        </p:txBody>
-      </p:sp>
-      <p:cxnSp>
-        <p:nvCxnSpPr>
-          <p:cNvPr id="31" name="Straight Arrow Connector 30"/>
-          <p:cNvCxnSpPr>
-            <a:stCxn id="17" idx="2"/>
-            <a:endCxn id="30" idx="0"/>
-          </p:cNvCxnSpPr>
-          <p:nvPr/>
-        </p:nvCxnSpPr>
-        <p:spPr>
-          <a:xfrm>
-            <a:off x="9156774" y="8683502"/>
-            <a:ext cx="5127" cy="390889"/>
-          </a:xfrm>
-          <a:prstGeom prst="straightConnector1">
-            <a:avLst/>
-          </a:prstGeom>
-          <a:ln>
-            <a:tailEnd type="triangle"/>
-          </a:ln>
-        </p:spPr>
-        <p:style>
-          <a:lnRef idx="1">
-            <a:schemeClr val="accent1"/>
-          </a:lnRef>
-          <a:fillRef idx="0">
-            <a:schemeClr val="accent1"/>
-          </a:fillRef>
-          <a:effectRef idx="0">
-            <a:schemeClr val="accent1"/>
-          </a:effectRef>
-          <a:fontRef idx="minor">
-            <a:schemeClr val="tx1"/>
-          </a:fontRef>
-        </p:style>
-      </p:cxnSp>
-      <p:sp>
-        <p:nvSpPr>
-          <p:cNvPr id="32" name="TextBox 31"/>
-          <p:cNvSpPr txBox="1"/>
-          <p:nvPr/>
-        </p:nvSpPr>
-        <p:spPr>
-          <a:xfrm>
-            <a:off x="8764976" y="10106659"/>
-            <a:ext cx="389594" cy="276999"/>
-          </a:xfrm>
-          <a:prstGeom prst="rect">
-            <a:avLst/>
-          </a:prstGeom>
-          <a:noFill/>
-        </p:spPr>
-        <p:txBody>
-          <a:bodyPr wrap="none" rtlCol="0">
-            <a:spAutoFit/>
-          </a:bodyPr>
-          <a:lstStyle/>
-          <a:p>
-            <a:r>
-              <a:rPr lang="en-GB" sz="1200" dirty="0"/>
-              <a:t>yes</a:t>
-            </a:r>
-          </a:p>
-        </p:txBody>
-      </p:sp>
-      <p:cxnSp>
-        <p:nvCxnSpPr>
-          <p:cNvPr id="33" name="Straight Arrow Connector 32"/>
-          <p:cNvCxnSpPr>
-            <a:stCxn id="30" idx="2"/>
-            <a:endCxn id="36" idx="0"/>
-          </p:cNvCxnSpPr>
-          <p:nvPr/>
-        </p:nvCxnSpPr>
-        <p:spPr>
-          <a:xfrm>
-            <a:off x="9161901" y="10006720"/>
-            <a:ext cx="5617" cy="586908"/>
-          </a:xfrm>
-          <a:prstGeom prst="straightConnector1">
-            <a:avLst/>
-          </a:prstGeom>
-          <a:ln>
-            <a:tailEnd type="triangle"/>
-          </a:ln>
-        </p:spPr>
-        <p:style>
-          <a:lnRef idx="1">
-            <a:schemeClr val="accent1"/>
-          </a:lnRef>
-          <a:fillRef idx="0">
-            <a:schemeClr val="accent1"/>
-          </a:fillRef>
-          <a:effectRef idx="0">
-            <a:schemeClr val="accent1"/>
-          </a:effectRef>
-          <a:fontRef idx="minor">
-            <a:schemeClr val="tx1"/>
-          </a:fontRef>
-        </p:style>
-      </p:cxnSp>
       <p:cxnSp>
         <p:nvCxnSpPr>
           <p:cNvPr id="34" name="Curved Connector 33"/>
@@ -7435,397 +7293,6 @@
             <a:r>
               <a:rPr lang="en-GB" sz="1200" dirty="0"/>
               <a:t>Stopped braking</a:t>
-            </a:r>
-          </a:p>
-        </p:txBody>
-      </p:sp>
-      <p:sp>
-        <p:nvSpPr>
-          <p:cNvPr id="36" name="Flowchart: Decision 35"/>
-          <p:cNvSpPr/>
-          <p:nvPr/>
-        </p:nvSpPr>
-        <p:spPr>
-          <a:xfrm>
-            <a:off x="8362360" y="10593628"/>
-            <a:ext cx="1610315" cy="1012584"/>
-          </a:xfrm>
-          <a:prstGeom prst="flowChartDecision">
-            <a:avLst/>
-          </a:prstGeom>
-        </p:spPr>
-        <p:style>
-          <a:lnRef idx="2">
-            <a:schemeClr val="accent6"/>
-          </a:lnRef>
-          <a:fillRef idx="1">
-            <a:schemeClr val="lt1"/>
-          </a:fillRef>
-          <a:effectRef idx="0">
-            <a:schemeClr val="accent6"/>
-          </a:effectRef>
-          <a:fontRef idx="minor">
-            <a:schemeClr val="dk1"/>
-          </a:fontRef>
-        </p:style>
-        <p:txBody>
-          <a:bodyPr rot="0" spcFirstLastPara="0" vertOverflow="overflow" horzOverflow="overflow" vert="horz" wrap="square" lIns="91440" tIns="45720" rIns="91440" bIns="45720" numCol="1" spcCol="0" rtlCol="0" fromWordArt="0" anchor="ctr" anchorCtr="0" forceAA="0" compatLnSpc="1">
-            <a:prstTxWarp prst="textNoShape">
-              <a:avLst/>
-            </a:prstTxWarp>
-            <a:noAutofit/>
-          </a:bodyPr>
-          <a:lstStyle/>
-          <a:p>
-            <a:pPr algn="ctr"/>
-            <a:r>
-              <a:rPr lang="en-GB" sz="1200" dirty="0" smtClean="0"/>
-              <a:t>Front slip &gt;= threshold</a:t>
-            </a:r>
-            <a:endParaRPr lang="en-GB" sz="1200" dirty="0"/>
-          </a:p>
-        </p:txBody>
-      </p:sp>
-      <p:sp>
-        <p:nvSpPr>
-          <p:cNvPr id="37" name="Flowchart: Process 36"/>
-          <p:cNvSpPr/>
-          <p:nvPr/>
-        </p:nvSpPr>
-        <p:spPr>
-          <a:xfrm>
-            <a:off x="6927924" y="12099929"/>
-            <a:ext cx="914400" cy="612648"/>
-          </a:xfrm>
-          <a:prstGeom prst="flowChartProcess">
-            <a:avLst/>
-          </a:prstGeom>
-        </p:spPr>
-        <p:style>
-          <a:lnRef idx="2">
-            <a:schemeClr val="accent6"/>
-          </a:lnRef>
-          <a:fillRef idx="1">
-            <a:schemeClr val="lt1"/>
-          </a:fillRef>
-          <a:effectRef idx="0">
-            <a:schemeClr val="accent6"/>
-          </a:effectRef>
-          <a:fontRef idx="minor">
-            <a:schemeClr val="dk1"/>
-          </a:fontRef>
-        </p:style>
-        <p:txBody>
-          <a:bodyPr rot="0" spcFirstLastPara="0" vertOverflow="overflow" horzOverflow="overflow" vert="horz" wrap="square" lIns="91440" tIns="45720" rIns="91440" bIns="45720" numCol="1" spcCol="0" rtlCol="0" fromWordArt="0" anchor="ctr" anchorCtr="0" forceAA="0" compatLnSpc="1">
-            <a:prstTxWarp prst="textNoShape">
-              <a:avLst/>
-            </a:prstTxWarp>
-            <a:noAutofit/>
-          </a:bodyPr>
-          <a:lstStyle/>
-          <a:p>
-            <a:pPr algn="ctr"/>
-            <a:r>
-              <a:rPr lang="en-GB" sz="1200" dirty="0" smtClean="0"/>
-              <a:t>Braking too light</a:t>
-            </a:r>
-            <a:endParaRPr lang="en-GB" sz="1200" dirty="0"/>
-          </a:p>
-        </p:txBody>
-      </p:sp>
-      <p:sp>
-        <p:nvSpPr>
-          <p:cNvPr id="38" name="Flowchart: Process 37"/>
-          <p:cNvSpPr/>
-          <p:nvPr/>
-        </p:nvSpPr>
-        <p:spPr>
-          <a:xfrm>
-            <a:off x="6951737" y="10795004"/>
-            <a:ext cx="914400" cy="612648"/>
-          </a:xfrm>
-          <a:prstGeom prst="flowChartProcess">
-            <a:avLst/>
-          </a:prstGeom>
-        </p:spPr>
-        <p:style>
-          <a:lnRef idx="2">
-            <a:schemeClr val="accent6"/>
-          </a:lnRef>
-          <a:fillRef idx="1">
-            <a:schemeClr val="lt1"/>
-          </a:fillRef>
-          <a:effectRef idx="0">
-            <a:schemeClr val="accent6"/>
-          </a:effectRef>
-          <a:fontRef idx="minor">
-            <a:schemeClr val="dk1"/>
-          </a:fontRef>
-        </p:style>
-        <p:txBody>
-          <a:bodyPr rot="0" spcFirstLastPara="0" vertOverflow="overflow" horzOverflow="overflow" vert="horz" wrap="square" lIns="91440" tIns="45720" rIns="91440" bIns="45720" numCol="1" spcCol="0" rtlCol="0" fromWordArt="0" anchor="ctr" anchorCtr="0" forceAA="0" compatLnSpc="1">
-            <a:prstTxWarp prst="textNoShape">
-              <a:avLst/>
-            </a:prstTxWarp>
-            <a:noAutofit/>
-          </a:bodyPr>
-          <a:lstStyle/>
-          <a:p>
-            <a:pPr algn="ctr"/>
-            <a:r>
-              <a:rPr lang="en-GB" sz="1200" dirty="0" smtClean="0"/>
-              <a:t>Braking too hard</a:t>
-            </a:r>
-            <a:endParaRPr lang="en-GB" sz="1200" dirty="0"/>
-          </a:p>
-        </p:txBody>
-      </p:sp>
-      <p:cxnSp>
-        <p:nvCxnSpPr>
-          <p:cNvPr id="39" name="Straight Arrow Connector 38"/>
-          <p:cNvCxnSpPr>
-            <a:stCxn id="36" idx="1"/>
-            <a:endCxn id="38" idx="3"/>
-          </p:cNvCxnSpPr>
-          <p:nvPr/>
-        </p:nvCxnSpPr>
-        <p:spPr>
-          <a:xfrm flipH="1">
-            <a:off x="7866137" y="11099920"/>
-            <a:ext cx="496223" cy="1408"/>
-          </a:xfrm>
-          <a:prstGeom prst="straightConnector1">
-            <a:avLst/>
-          </a:prstGeom>
-          <a:ln>
-            <a:tailEnd type="triangle"/>
-          </a:ln>
-        </p:spPr>
-        <p:style>
-          <a:lnRef idx="1">
-            <a:schemeClr val="accent1"/>
-          </a:lnRef>
-          <a:fillRef idx="0">
-            <a:schemeClr val="accent1"/>
-          </a:fillRef>
-          <a:effectRef idx="0">
-            <a:schemeClr val="accent1"/>
-          </a:effectRef>
-          <a:fontRef idx="minor">
-            <a:schemeClr val="tx1"/>
-          </a:fontRef>
-        </p:style>
-      </p:cxnSp>
-      <p:sp>
-        <p:nvSpPr>
-          <p:cNvPr id="40" name="Flowchart: Decision 39"/>
-          <p:cNvSpPr/>
-          <p:nvPr/>
-        </p:nvSpPr>
-        <p:spPr>
-          <a:xfrm>
-            <a:off x="8352835" y="11908078"/>
-            <a:ext cx="1610315" cy="1012584"/>
-          </a:xfrm>
-          <a:prstGeom prst="flowChartDecision">
-            <a:avLst/>
-          </a:prstGeom>
-        </p:spPr>
-        <p:style>
-          <a:lnRef idx="2">
-            <a:schemeClr val="accent6"/>
-          </a:lnRef>
-          <a:fillRef idx="1">
-            <a:schemeClr val="lt1"/>
-          </a:fillRef>
-          <a:effectRef idx="0">
-            <a:schemeClr val="accent6"/>
-          </a:effectRef>
-          <a:fontRef idx="minor">
-            <a:schemeClr val="dk1"/>
-          </a:fontRef>
-        </p:style>
-        <p:txBody>
-          <a:bodyPr rot="0" spcFirstLastPara="0" vertOverflow="overflow" horzOverflow="overflow" vert="horz" wrap="square" lIns="91440" tIns="45720" rIns="91440" bIns="45720" numCol="1" spcCol="0" rtlCol="0" fromWordArt="0" anchor="ctr" anchorCtr="0" forceAA="0" compatLnSpc="1">
-            <a:prstTxWarp prst="textNoShape">
-              <a:avLst/>
-            </a:prstTxWarp>
-            <a:noAutofit/>
-          </a:bodyPr>
-          <a:lstStyle/>
-          <a:p>
-            <a:pPr algn="ctr"/>
-            <a:r>
-              <a:rPr lang="en-GB" sz="1200" dirty="0" smtClean="0"/>
-              <a:t>Front slip </a:t>
-            </a:r>
-            <a:r>
-              <a:rPr lang="en-GB" sz="1200" dirty="0" smtClean="0"/>
-              <a:t>&lt;= </a:t>
-            </a:r>
-            <a:r>
-              <a:rPr lang="en-GB" sz="1200" dirty="0" smtClean="0"/>
-              <a:t>threshold</a:t>
-            </a:r>
-            <a:endParaRPr lang="en-GB" sz="1200" dirty="0"/>
-          </a:p>
-        </p:txBody>
-      </p:sp>
-      <p:cxnSp>
-        <p:nvCxnSpPr>
-          <p:cNvPr id="41" name="Straight Arrow Connector 40"/>
-          <p:cNvCxnSpPr>
-            <a:stCxn id="36" idx="2"/>
-            <a:endCxn id="40" idx="0"/>
-          </p:cNvCxnSpPr>
-          <p:nvPr/>
-        </p:nvCxnSpPr>
-        <p:spPr>
-          <a:xfrm flipH="1">
-            <a:off x="9157993" y="11606212"/>
-            <a:ext cx="9525" cy="301866"/>
-          </a:xfrm>
-          <a:prstGeom prst="straightConnector1">
-            <a:avLst/>
-          </a:prstGeom>
-          <a:ln>
-            <a:tailEnd type="triangle"/>
-          </a:ln>
-        </p:spPr>
-        <p:style>
-          <a:lnRef idx="1">
-            <a:schemeClr val="accent1"/>
-          </a:lnRef>
-          <a:fillRef idx="0">
-            <a:schemeClr val="accent1"/>
-          </a:fillRef>
-          <a:effectRef idx="0">
-            <a:schemeClr val="accent1"/>
-          </a:effectRef>
-          <a:fontRef idx="minor">
-            <a:schemeClr val="tx1"/>
-          </a:fontRef>
-        </p:style>
-      </p:cxnSp>
-      <p:cxnSp>
-        <p:nvCxnSpPr>
-          <p:cNvPr id="42" name="Straight Arrow Connector 41"/>
-          <p:cNvCxnSpPr>
-            <a:stCxn id="40" idx="1"/>
-            <a:endCxn id="37" idx="3"/>
-          </p:cNvCxnSpPr>
-          <p:nvPr/>
-        </p:nvCxnSpPr>
-        <p:spPr>
-          <a:xfrm flipH="1" flipV="1">
-            <a:off x="7842324" y="12406253"/>
-            <a:ext cx="510511" cy="8117"/>
-          </a:xfrm>
-          <a:prstGeom prst="straightConnector1">
-            <a:avLst/>
-          </a:prstGeom>
-          <a:ln>
-            <a:tailEnd type="triangle"/>
-          </a:ln>
-        </p:spPr>
-        <p:style>
-          <a:lnRef idx="1">
-            <a:schemeClr val="accent1"/>
-          </a:lnRef>
-          <a:fillRef idx="0">
-            <a:schemeClr val="accent1"/>
-          </a:fillRef>
-          <a:effectRef idx="0">
-            <a:schemeClr val="accent1"/>
-          </a:effectRef>
-          <a:fontRef idx="minor">
-            <a:schemeClr val="tx1"/>
-          </a:fontRef>
-        </p:style>
-      </p:cxnSp>
-      <p:sp>
-        <p:nvSpPr>
-          <p:cNvPr id="43" name="TextBox 42"/>
-          <p:cNvSpPr txBox="1"/>
-          <p:nvPr/>
-        </p:nvSpPr>
-        <p:spPr>
-          <a:xfrm>
-            <a:off x="7964876" y="10843259"/>
-            <a:ext cx="389594" cy="276999"/>
-          </a:xfrm>
-          <a:prstGeom prst="rect">
-            <a:avLst/>
-          </a:prstGeom>
-          <a:noFill/>
-        </p:spPr>
-        <p:txBody>
-          <a:bodyPr wrap="none" rtlCol="0">
-            <a:spAutoFit/>
-          </a:bodyPr>
-          <a:lstStyle/>
-          <a:p>
-            <a:r>
-              <a:rPr lang="en-GB" sz="1200" dirty="0"/>
-              <a:t>yes</a:t>
-            </a:r>
-          </a:p>
-        </p:txBody>
-      </p:sp>
-      <p:sp>
-        <p:nvSpPr>
-          <p:cNvPr id="44" name="TextBox 43"/>
-          <p:cNvSpPr txBox="1"/>
-          <p:nvPr/>
-        </p:nvSpPr>
-        <p:spPr>
-          <a:xfrm>
-            <a:off x="7952176" y="12113259"/>
-            <a:ext cx="389594" cy="276999"/>
-          </a:xfrm>
-          <a:prstGeom prst="rect">
-            <a:avLst/>
-          </a:prstGeom>
-          <a:noFill/>
-        </p:spPr>
-        <p:txBody>
-          <a:bodyPr wrap="none" rtlCol="0">
-            <a:spAutoFit/>
-          </a:bodyPr>
-          <a:lstStyle/>
-          <a:p>
-            <a:r>
-              <a:rPr lang="en-GB" sz="1200" dirty="0"/>
-              <a:t>yes</a:t>
-            </a:r>
-          </a:p>
-        </p:txBody>
-      </p:sp>
-      <p:sp>
-        <p:nvSpPr>
-          <p:cNvPr id="45" name="TextBox 44"/>
-          <p:cNvSpPr txBox="1"/>
-          <p:nvPr/>
-        </p:nvSpPr>
-        <p:spPr>
-          <a:xfrm>
-            <a:off x="8759492" y="11554425"/>
-            <a:ext cx="346570" cy="276999"/>
-          </a:xfrm>
-          <a:prstGeom prst="rect">
-            <a:avLst/>
-          </a:prstGeom>
-          <a:noFill/>
-        </p:spPr>
-        <p:txBody>
-          <a:bodyPr wrap="none" rtlCol="0">
-            <a:spAutoFit/>
-          </a:bodyPr>
-          <a:lstStyle/>
-          <a:p>
-            <a:r>
-              <a:rPr lang="en-GB" sz="1200" dirty="0"/>
-              <a:t>no</a:t>
             </a:r>
           </a:p>
         </p:txBody>

--- a/Write Up/Power Point/Dia.pptx
+++ b/Write Up/Power Point/Dia.pptx
@@ -3371,7 +3371,7 @@
         </p:nvGrpSpPr>
         <p:grpSpPr>
           <a:xfrm>
-            <a:off x="4718178" y="4548548"/>
+            <a:off x="4731625" y="4570081"/>
             <a:ext cx="4899219" cy="4899219"/>
             <a:chOff x="3426572" y="413770"/>
             <a:chExt cx="3318282" cy="3318282"/>
@@ -6459,11 +6459,7 @@
             <a:pPr algn="ctr"/>
             <a:r>
               <a:rPr lang="en-GB" sz="1200" dirty="0" smtClean="0"/>
-              <a:t>Event started </a:t>
-            </a:r>
-            <a:r>
-              <a:rPr lang="en-GB" sz="1200" dirty="0" smtClean="0"/>
-              <a:t>?</a:t>
+              <a:t>Event started ?</a:t>
             </a:r>
             <a:endParaRPr lang="en-GB" sz="1200" dirty="0"/>
           </a:p>

--- a/Write Up/Power Point/Dia.pptx
+++ b/Write Up/Power Point/Dia.pptx
@@ -10,6 +10,8 @@
     <p:sldId id="258" r:id="rId4"/>
     <p:sldId id="259" r:id="rId5"/>
     <p:sldId id="260" r:id="rId6"/>
+    <p:sldId id="261" r:id="rId7"/>
+    <p:sldId id="262" r:id="rId8"/>
   </p:sldIdLst>
   <p:sldSz cx="18000663" cy="18000663"/>
   <p:notesSz cx="6858000" cy="9144000"/>
@@ -247,7 +249,7 @@
           <a:p>
             <a:fld id="{BD70A680-B69F-474D-ADF6-DA601AAC90FA}" type="datetimeFigureOut">
               <a:rPr lang="en-GB" smtClean="0"/>
-              <a:t>26/05/2016</a:t>
+              <a:t>27/05/2016</a:t>
             </a:fld>
             <a:endParaRPr lang="en-GB"/>
           </a:p>
@@ -417,7 +419,7 @@
           <a:p>
             <a:fld id="{BD70A680-B69F-474D-ADF6-DA601AAC90FA}" type="datetimeFigureOut">
               <a:rPr lang="en-GB" smtClean="0"/>
-              <a:t>26/05/2016</a:t>
+              <a:t>27/05/2016</a:t>
             </a:fld>
             <a:endParaRPr lang="en-GB"/>
           </a:p>
@@ -597,7 +599,7 @@
           <a:p>
             <a:fld id="{BD70A680-B69F-474D-ADF6-DA601AAC90FA}" type="datetimeFigureOut">
               <a:rPr lang="en-GB" smtClean="0"/>
-              <a:t>26/05/2016</a:t>
+              <a:t>27/05/2016</a:t>
             </a:fld>
             <a:endParaRPr lang="en-GB"/>
           </a:p>
@@ -767,7 +769,7 @@
           <a:p>
             <a:fld id="{BD70A680-B69F-474D-ADF6-DA601AAC90FA}" type="datetimeFigureOut">
               <a:rPr lang="en-GB" smtClean="0"/>
-              <a:t>26/05/2016</a:t>
+              <a:t>27/05/2016</a:t>
             </a:fld>
             <a:endParaRPr lang="en-GB"/>
           </a:p>
@@ -1011,7 +1013,7 @@
           <a:p>
             <a:fld id="{BD70A680-B69F-474D-ADF6-DA601AAC90FA}" type="datetimeFigureOut">
               <a:rPr lang="en-GB" smtClean="0"/>
-              <a:t>26/05/2016</a:t>
+              <a:t>27/05/2016</a:t>
             </a:fld>
             <a:endParaRPr lang="en-GB"/>
           </a:p>
@@ -1243,7 +1245,7 @@
           <a:p>
             <a:fld id="{BD70A680-B69F-474D-ADF6-DA601AAC90FA}" type="datetimeFigureOut">
               <a:rPr lang="en-GB" smtClean="0"/>
-              <a:t>26/05/2016</a:t>
+              <a:t>27/05/2016</a:t>
             </a:fld>
             <a:endParaRPr lang="en-GB"/>
           </a:p>
@@ -1610,7 +1612,7 @@
           <a:p>
             <a:fld id="{BD70A680-B69F-474D-ADF6-DA601AAC90FA}" type="datetimeFigureOut">
               <a:rPr lang="en-GB" smtClean="0"/>
-              <a:t>26/05/2016</a:t>
+              <a:t>27/05/2016</a:t>
             </a:fld>
             <a:endParaRPr lang="en-GB"/>
           </a:p>
@@ -1728,7 +1730,7 @@
           <a:p>
             <a:fld id="{BD70A680-B69F-474D-ADF6-DA601AAC90FA}" type="datetimeFigureOut">
               <a:rPr lang="en-GB" smtClean="0"/>
-              <a:t>26/05/2016</a:t>
+              <a:t>27/05/2016</a:t>
             </a:fld>
             <a:endParaRPr lang="en-GB"/>
           </a:p>
@@ -1823,7 +1825,7 @@
           <a:p>
             <a:fld id="{BD70A680-B69F-474D-ADF6-DA601AAC90FA}" type="datetimeFigureOut">
               <a:rPr lang="en-GB" smtClean="0"/>
-              <a:t>26/05/2016</a:t>
+              <a:t>27/05/2016</a:t>
             </a:fld>
             <a:endParaRPr lang="en-GB"/>
           </a:p>
@@ -2100,7 +2102,7 @@
           <a:p>
             <a:fld id="{BD70A680-B69F-474D-ADF6-DA601AAC90FA}" type="datetimeFigureOut">
               <a:rPr lang="en-GB" smtClean="0"/>
-              <a:t>26/05/2016</a:t>
+              <a:t>27/05/2016</a:t>
             </a:fld>
             <a:endParaRPr lang="en-GB"/>
           </a:p>
@@ -2357,7 +2359,7 @@
           <a:p>
             <a:fld id="{BD70A680-B69F-474D-ADF6-DA601AAC90FA}" type="datetimeFigureOut">
               <a:rPr lang="en-GB" smtClean="0"/>
-              <a:t>26/05/2016</a:t>
+              <a:t>27/05/2016</a:t>
             </a:fld>
             <a:endParaRPr lang="en-GB"/>
           </a:p>
@@ -2570,7 +2572,7 @@
           <a:p>
             <a:fld id="{BD70A680-B69F-474D-ADF6-DA601AAC90FA}" type="datetimeFigureOut">
               <a:rPr lang="en-GB" smtClean="0"/>
-              <a:t>26/05/2016</a:t>
+              <a:t>27/05/2016</a:t>
             </a:fld>
             <a:endParaRPr lang="en-GB"/>
           </a:p>
@@ -7306,6 +7308,2077 @@
 </p:sld>
 </file>
 
+<file path=ppt/slides/slide6.xml><?xml version="1.0" encoding="utf-8"?>
+<p:sld xmlns:a="http://schemas.openxmlformats.org/drawingml/2006/main" xmlns:r="http://schemas.openxmlformats.org/officeDocument/2006/relationships" xmlns:p="http://schemas.openxmlformats.org/presentationml/2006/main">
+  <p:cSld>
+    <p:spTree>
+      <p:nvGrpSpPr>
+        <p:cNvPr id="1" name=""/>
+        <p:cNvGrpSpPr/>
+        <p:nvPr/>
+      </p:nvGrpSpPr>
+      <p:grpSpPr>
+        <a:xfrm>
+          <a:off x="0" y="0"/>
+          <a:ext cx="0" cy="0"/>
+          <a:chOff x="0" y="0"/>
+          <a:chExt cx="0" cy="0"/>
+        </a:xfrm>
+      </p:grpSpPr>
+      <p:sp>
+        <p:nvSpPr>
+          <p:cNvPr id="80" name="Rectangle 79"/>
+          <p:cNvSpPr/>
+          <p:nvPr/>
+        </p:nvSpPr>
+        <p:spPr>
+          <a:xfrm>
+            <a:off x="1768900" y="152946"/>
+            <a:ext cx="3657600" cy="4676140"/>
+          </a:xfrm>
+          <a:prstGeom prst="rect">
+            <a:avLst/>
+          </a:prstGeom>
+          <a:noFill/>
+        </p:spPr>
+        <p:style>
+          <a:lnRef idx="2">
+            <a:schemeClr val="accent6"/>
+          </a:lnRef>
+          <a:fillRef idx="1">
+            <a:schemeClr val="lt1"/>
+          </a:fillRef>
+          <a:effectRef idx="0">
+            <a:schemeClr val="accent6"/>
+          </a:effectRef>
+          <a:fontRef idx="minor">
+            <a:schemeClr val="dk1"/>
+          </a:fontRef>
+        </p:style>
+        <p:txBody>
+          <a:bodyPr rtlCol="0" anchor="ctr"/>
+          <a:lstStyle/>
+          <a:p>
+            <a:pPr algn="ctr"/>
+            <a:endParaRPr lang="en-GB"/>
+          </a:p>
+        </p:txBody>
+      </p:sp>
+      <p:sp>
+        <p:nvSpPr>
+          <p:cNvPr id="81" name="Rectangle 80"/>
+          <p:cNvSpPr/>
+          <p:nvPr/>
+        </p:nvSpPr>
+        <p:spPr>
+          <a:xfrm>
+            <a:off x="196704" y="670755"/>
+            <a:ext cx="1273956" cy="344724"/>
+          </a:xfrm>
+          <a:prstGeom prst="rect">
+            <a:avLst/>
+          </a:prstGeom>
+        </p:spPr>
+        <p:style>
+          <a:lnRef idx="2">
+            <a:schemeClr val="accent6"/>
+          </a:lnRef>
+          <a:fillRef idx="1">
+            <a:schemeClr val="lt1"/>
+          </a:fillRef>
+          <a:effectRef idx="0">
+            <a:schemeClr val="accent6"/>
+          </a:effectRef>
+          <a:fontRef idx="minor">
+            <a:schemeClr val="dk1"/>
+          </a:fontRef>
+        </p:style>
+        <p:txBody>
+          <a:bodyPr rtlCol="0" anchor="ctr"/>
+          <a:lstStyle/>
+          <a:p>
+            <a:pPr algn="ctr"/>
+            <a:endParaRPr lang="en-GB" sz="1400"/>
+          </a:p>
+        </p:txBody>
+      </p:sp>
+      <p:sp>
+        <p:nvSpPr>
+          <p:cNvPr id="82" name="TextBox 81"/>
+          <p:cNvSpPr txBox="1"/>
+          <p:nvPr/>
+        </p:nvSpPr>
+        <p:spPr>
+          <a:xfrm>
+            <a:off x="208890" y="681474"/>
+            <a:ext cx="1261769" cy="276999"/>
+          </a:xfrm>
+          <a:prstGeom prst="rect">
+            <a:avLst/>
+          </a:prstGeom>
+          <a:noFill/>
+        </p:spPr>
+        <p:txBody>
+          <a:bodyPr wrap="square" rtlCol="0">
+            <a:spAutoFit/>
+          </a:bodyPr>
+          <a:lstStyle/>
+          <a:p>
+            <a:pPr algn="ctr"/>
+            <a:r>
+              <a:rPr lang="en-GB" sz="1200" dirty="0" smtClean="0"/>
+              <a:t>Sim racing game</a:t>
+            </a:r>
+            <a:endParaRPr lang="en-GB" sz="1200" dirty="0"/>
+          </a:p>
+        </p:txBody>
+      </p:sp>
+      <p:sp>
+        <p:nvSpPr>
+          <p:cNvPr id="83" name="Rectangle 82"/>
+          <p:cNvSpPr/>
+          <p:nvPr/>
+        </p:nvSpPr>
+        <p:spPr>
+          <a:xfrm>
+            <a:off x="201626" y="1900043"/>
+            <a:ext cx="1269033" cy="344697"/>
+          </a:xfrm>
+          <a:prstGeom prst="rect">
+            <a:avLst/>
+          </a:prstGeom>
+        </p:spPr>
+        <p:style>
+          <a:lnRef idx="2">
+            <a:schemeClr val="accent6"/>
+          </a:lnRef>
+          <a:fillRef idx="1">
+            <a:schemeClr val="lt1"/>
+          </a:fillRef>
+          <a:effectRef idx="0">
+            <a:schemeClr val="accent6"/>
+          </a:effectRef>
+          <a:fontRef idx="minor">
+            <a:schemeClr val="dk1"/>
+          </a:fontRef>
+        </p:style>
+        <p:txBody>
+          <a:bodyPr rtlCol="0" anchor="ctr"/>
+          <a:lstStyle/>
+          <a:p>
+            <a:pPr algn="ctr"/>
+            <a:endParaRPr lang="en-GB" sz="1400"/>
+          </a:p>
+        </p:txBody>
+      </p:sp>
+      <p:sp>
+        <p:nvSpPr>
+          <p:cNvPr id="84" name="TextBox 83"/>
+          <p:cNvSpPr txBox="1"/>
+          <p:nvPr/>
+        </p:nvSpPr>
+        <p:spPr>
+          <a:xfrm>
+            <a:off x="201626" y="1905581"/>
+            <a:ext cx="1269033" cy="276999"/>
+          </a:xfrm>
+          <a:prstGeom prst="rect">
+            <a:avLst/>
+          </a:prstGeom>
+          <a:noFill/>
+        </p:spPr>
+        <p:txBody>
+          <a:bodyPr wrap="square" rtlCol="0">
+            <a:spAutoFit/>
+          </a:bodyPr>
+          <a:lstStyle/>
+          <a:p>
+            <a:pPr algn="ctr"/>
+            <a:r>
+              <a:rPr lang="en-GB" sz="1200" dirty="0" smtClean="0"/>
+              <a:t>Sim Racing Rig</a:t>
+            </a:r>
+            <a:endParaRPr lang="en-GB" sz="1200" dirty="0"/>
+          </a:p>
+        </p:txBody>
+      </p:sp>
+      <p:sp>
+        <p:nvSpPr>
+          <p:cNvPr id="85" name="Right Arrow 84"/>
+          <p:cNvSpPr/>
+          <p:nvPr/>
+        </p:nvSpPr>
+        <p:spPr>
+          <a:xfrm rot="5400000">
+            <a:off x="413118" y="1324949"/>
+            <a:ext cx="685124" cy="190888"/>
+          </a:xfrm>
+          <a:prstGeom prst="rightArrow">
+            <a:avLst>
+              <a:gd name="adj1" fmla="val 27725"/>
+              <a:gd name="adj2" fmla="val 71123"/>
+            </a:avLst>
+          </a:prstGeom>
+        </p:spPr>
+        <p:style>
+          <a:lnRef idx="2">
+            <a:schemeClr val="accent1">
+              <a:shade val="50000"/>
+            </a:schemeClr>
+          </a:lnRef>
+          <a:fillRef idx="1">
+            <a:schemeClr val="accent1"/>
+          </a:fillRef>
+          <a:effectRef idx="0">
+            <a:schemeClr val="accent1"/>
+          </a:effectRef>
+          <a:fontRef idx="minor">
+            <a:schemeClr val="lt1"/>
+          </a:fontRef>
+        </p:style>
+        <p:txBody>
+          <a:bodyPr rtlCol="0" anchor="ctr"/>
+          <a:lstStyle/>
+          <a:p>
+            <a:pPr algn="ctr"/>
+            <a:endParaRPr lang="en-GB" dirty="0"/>
+          </a:p>
+        </p:txBody>
+      </p:sp>
+      <p:sp>
+        <p:nvSpPr>
+          <p:cNvPr id="86" name="TextBox 85"/>
+          <p:cNvSpPr txBox="1"/>
+          <p:nvPr/>
+        </p:nvSpPr>
+        <p:spPr>
+          <a:xfrm>
+            <a:off x="113136" y="1210591"/>
+            <a:ext cx="630301" cy="369332"/>
+          </a:xfrm>
+          <a:prstGeom prst="rect">
+            <a:avLst/>
+          </a:prstGeom>
+          <a:noFill/>
+        </p:spPr>
+        <p:txBody>
+          <a:bodyPr wrap="none" rtlCol="0">
+            <a:spAutoFit/>
+          </a:bodyPr>
+          <a:lstStyle/>
+          <a:p>
+            <a:pPr algn="ctr"/>
+            <a:r>
+              <a:rPr lang="en-GB" sz="900" dirty="0" smtClean="0"/>
+              <a:t>Force </a:t>
+            </a:r>
+          </a:p>
+          <a:p>
+            <a:pPr algn="ctr"/>
+            <a:r>
+              <a:rPr lang="en-GB" sz="900" dirty="0" smtClean="0"/>
+              <a:t>Feedback</a:t>
+            </a:r>
+            <a:endParaRPr lang="en-GB" sz="900" dirty="0"/>
+          </a:p>
+        </p:txBody>
+      </p:sp>
+      <p:sp>
+        <p:nvSpPr>
+          <p:cNvPr id="87" name="Right Arrow 86"/>
+          <p:cNvSpPr/>
+          <p:nvPr/>
+        </p:nvSpPr>
+        <p:spPr>
+          <a:xfrm rot="16200000">
+            <a:off x="704370" y="1334173"/>
+            <a:ext cx="666677" cy="190888"/>
+          </a:xfrm>
+          <a:prstGeom prst="rightArrow">
+            <a:avLst>
+              <a:gd name="adj1" fmla="val 27725"/>
+              <a:gd name="adj2" fmla="val 71123"/>
+            </a:avLst>
+          </a:prstGeom>
+        </p:spPr>
+        <p:style>
+          <a:lnRef idx="2">
+            <a:schemeClr val="accent1">
+              <a:shade val="50000"/>
+            </a:schemeClr>
+          </a:lnRef>
+          <a:fillRef idx="1">
+            <a:schemeClr val="accent1"/>
+          </a:fillRef>
+          <a:effectRef idx="0">
+            <a:schemeClr val="accent1"/>
+          </a:effectRef>
+          <a:fontRef idx="minor">
+            <a:schemeClr val="lt1"/>
+          </a:fontRef>
+        </p:style>
+        <p:txBody>
+          <a:bodyPr rtlCol="0" anchor="ctr"/>
+          <a:lstStyle/>
+          <a:p>
+            <a:pPr algn="ctr"/>
+            <a:endParaRPr lang="en-GB" dirty="0"/>
+          </a:p>
+        </p:txBody>
+      </p:sp>
+      <p:sp>
+        <p:nvSpPr>
+          <p:cNvPr id="88" name="TextBox 87"/>
+          <p:cNvSpPr txBox="1"/>
+          <p:nvPr/>
+        </p:nvSpPr>
+        <p:spPr>
+          <a:xfrm>
+            <a:off x="1079599" y="1304369"/>
+            <a:ext cx="579005" cy="230832"/>
+          </a:xfrm>
+          <a:prstGeom prst="rect">
+            <a:avLst/>
+          </a:prstGeom>
+          <a:noFill/>
+        </p:spPr>
+        <p:txBody>
+          <a:bodyPr wrap="none" rtlCol="0">
+            <a:spAutoFit/>
+          </a:bodyPr>
+          <a:lstStyle/>
+          <a:p>
+            <a:pPr algn="ctr"/>
+            <a:r>
+              <a:rPr lang="en-GB" sz="900" dirty="0" smtClean="0"/>
+              <a:t>Controls</a:t>
+            </a:r>
+            <a:endParaRPr lang="en-GB" sz="900" dirty="0"/>
+          </a:p>
+        </p:txBody>
+      </p:sp>
+      <p:sp>
+        <p:nvSpPr>
+          <p:cNvPr id="89" name="TextBox 88"/>
+          <p:cNvSpPr txBox="1"/>
+          <p:nvPr/>
+        </p:nvSpPr>
+        <p:spPr>
+          <a:xfrm>
+            <a:off x="1768900" y="122193"/>
+            <a:ext cx="3657600" cy="369332"/>
+          </a:xfrm>
+          <a:prstGeom prst="rect">
+            <a:avLst/>
+          </a:prstGeom>
+          <a:noFill/>
+        </p:spPr>
+        <p:txBody>
+          <a:bodyPr wrap="square" rtlCol="0">
+            <a:spAutoFit/>
+          </a:bodyPr>
+          <a:lstStyle/>
+          <a:p>
+            <a:pPr algn="ctr"/>
+            <a:r>
+              <a:rPr lang="en-GB" dirty="0" err="1" smtClean="0"/>
+              <a:t>TeAR</a:t>
+            </a:r>
+            <a:endParaRPr lang="en-GB" dirty="0" smtClean="0"/>
+          </a:p>
+        </p:txBody>
+      </p:sp>
+      <p:sp>
+        <p:nvSpPr>
+          <p:cNvPr id="90" name="Rectangle 89"/>
+          <p:cNvSpPr/>
+          <p:nvPr/>
+        </p:nvSpPr>
+        <p:spPr>
+          <a:xfrm>
+            <a:off x="1945711" y="598585"/>
+            <a:ext cx="1340270" cy="741925"/>
+          </a:xfrm>
+          <a:prstGeom prst="rect">
+            <a:avLst/>
+          </a:prstGeom>
+        </p:spPr>
+        <p:style>
+          <a:lnRef idx="2">
+            <a:schemeClr val="accent6"/>
+          </a:lnRef>
+          <a:fillRef idx="1">
+            <a:schemeClr val="lt1"/>
+          </a:fillRef>
+          <a:effectRef idx="0">
+            <a:schemeClr val="accent6"/>
+          </a:effectRef>
+          <a:fontRef idx="minor">
+            <a:schemeClr val="dk1"/>
+          </a:fontRef>
+        </p:style>
+        <p:txBody>
+          <a:bodyPr rtlCol="0" anchor="ctr"/>
+          <a:lstStyle/>
+          <a:p>
+            <a:pPr algn="ctr"/>
+            <a:r>
+              <a:rPr lang="en-GB" sz="1400" dirty="0" smtClean="0"/>
+              <a:t>Telemetry Input Interface</a:t>
+            </a:r>
+            <a:endParaRPr lang="en-GB" sz="1400" dirty="0"/>
+          </a:p>
+        </p:txBody>
+      </p:sp>
+      <p:sp>
+        <p:nvSpPr>
+          <p:cNvPr id="91" name="Rectangle 90"/>
+          <p:cNvSpPr/>
+          <p:nvPr/>
+        </p:nvSpPr>
+        <p:spPr>
+          <a:xfrm>
+            <a:off x="1930321" y="2122875"/>
+            <a:ext cx="1340270" cy="1393587"/>
+          </a:xfrm>
+          <a:prstGeom prst="rect">
+            <a:avLst/>
+          </a:prstGeom>
+        </p:spPr>
+        <p:style>
+          <a:lnRef idx="2">
+            <a:schemeClr val="accent6"/>
+          </a:lnRef>
+          <a:fillRef idx="1">
+            <a:schemeClr val="lt1"/>
+          </a:fillRef>
+          <a:effectRef idx="0">
+            <a:schemeClr val="accent6"/>
+          </a:effectRef>
+          <a:fontRef idx="minor">
+            <a:schemeClr val="dk1"/>
+          </a:fontRef>
+        </p:style>
+        <p:txBody>
+          <a:bodyPr rtlCol="0" anchor="ctr"/>
+          <a:lstStyle/>
+          <a:p>
+            <a:pPr algn="ctr"/>
+            <a:endParaRPr lang="en-GB" sz="1400" dirty="0"/>
+          </a:p>
+        </p:txBody>
+      </p:sp>
+      <p:sp>
+        <p:nvSpPr>
+          <p:cNvPr id="92" name="TextBox 91"/>
+          <p:cNvSpPr txBox="1"/>
+          <p:nvPr/>
+        </p:nvSpPr>
+        <p:spPr>
+          <a:xfrm>
+            <a:off x="1930321" y="2216036"/>
+            <a:ext cx="1340270" cy="307777"/>
+          </a:xfrm>
+          <a:prstGeom prst="rect">
+            <a:avLst/>
+          </a:prstGeom>
+          <a:noFill/>
+        </p:spPr>
+        <p:txBody>
+          <a:bodyPr wrap="square" rtlCol="0">
+            <a:spAutoFit/>
+          </a:bodyPr>
+          <a:lstStyle/>
+          <a:p>
+            <a:pPr algn="ctr"/>
+            <a:r>
+              <a:rPr lang="en-GB" sz="1400" dirty="0" smtClean="0"/>
+              <a:t>Processing</a:t>
+            </a:r>
+            <a:endParaRPr lang="en-GB" dirty="0" smtClean="0"/>
+          </a:p>
+        </p:txBody>
+      </p:sp>
+      <p:sp>
+        <p:nvSpPr>
+          <p:cNvPr id="93" name="Rectangle 92"/>
+          <p:cNvSpPr/>
+          <p:nvPr/>
+        </p:nvSpPr>
+        <p:spPr>
+          <a:xfrm>
+            <a:off x="2067732" y="2523813"/>
+            <a:ext cx="1088135" cy="843493"/>
+          </a:xfrm>
+          <a:prstGeom prst="rect">
+            <a:avLst/>
+          </a:prstGeom>
+        </p:spPr>
+        <p:style>
+          <a:lnRef idx="2">
+            <a:schemeClr val="accent6"/>
+          </a:lnRef>
+          <a:fillRef idx="1">
+            <a:schemeClr val="lt1"/>
+          </a:fillRef>
+          <a:effectRef idx="0">
+            <a:schemeClr val="accent6"/>
+          </a:effectRef>
+          <a:fontRef idx="minor">
+            <a:schemeClr val="dk1"/>
+          </a:fontRef>
+        </p:style>
+        <p:txBody>
+          <a:bodyPr rtlCol="0" anchor="ctr"/>
+          <a:lstStyle/>
+          <a:p>
+            <a:pPr algn="ctr"/>
+            <a:r>
+              <a:rPr lang="en-GB" sz="1400" dirty="0" smtClean="0"/>
+              <a:t>Telemetry Consumers</a:t>
+            </a:r>
+            <a:endParaRPr lang="en-GB" sz="1400" dirty="0"/>
+          </a:p>
+        </p:txBody>
+      </p:sp>
+      <p:sp>
+        <p:nvSpPr>
+          <p:cNvPr id="94" name="Rectangle 93"/>
+          <p:cNvSpPr/>
+          <p:nvPr/>
+        </p:nvSpPr>
+        <p:spPr>
+          <a:xfrm>
+            <a:off x="1930321" y="4087374"/>
+            <a:ext cx="1340270" cy="509719"/>
+          </a:xfrm>
+          <a:prstGeom prst="rect">
+            <a:avLst/>
+          </a:prstGeom>
+        </p:spPr>
+        <p:style>
+          <a:lnRef idx="2">
+            <a:schemeClr val="accent6"/>
+          </a:lnRef>
+          <a:fillRef idx="1">
+            <a:schemeClr val="lt1"/>
+          </a:fillRef>
+          <a:effectRef idx="0">
+            <a:schemeClr val="accent6"/>
+          </a:effectRef>
+          <a:fontRef idx="minor">
+            <a:schemeClr val="dk1"/>
+          </a:fontRef>
+        </p:style>
+        <p:txBody>
+          <a:bodyPr rtlCol="0" anchor="ctr"/>
+          <a:lstStyle/>
+          <a:p>
+            <a:pPr algn="ctr"/>
+            <a:r>
+              <a:rPr lang="en-GB" sz="1400" dirty="0" smtClean="0"/>
+              <a:t>Output Interface</a:t>
+            </a:r>
+            <a:endParaRPr lang="en-GB" sz="1400" dirty="0"/>
+          </a:p>
+        </p:txBody>
+      </p:sp>
+      <p:sp>
+        <p:nvSpPr>
+          <p:cNvPr id="95" name="Flowchart: Multidocument 94"/>
+          <p:cNvSpPr/>
+          <p:nvPr/>
+        </p:nvSpPr>
+        <p:spPr>
+          <a:xfrm>
+            <a:off x="4273306" y="590336"/>
+            <a:ext cx="1004101" cy="811856"/>
+          </a:xfrm>
+          <a:prstGeom prst="flowChartMultidocument">
+            <a:avLst/>
+          </a:prstGeom>
+        </p:spPr>
+        <p:style>
+          <a:lnRef idx="2">
+            <a:schemeClr val="accent6"/>
+          </a:lnRef>
+          <a:fillRef idx="1">
+            <a:schemeClr val="lt1"/>
+          </a:fillRef>
+          <a:effectRef idx="0">
+            <a:schemeClr val="accent6"/>
+          </a:effectRef>
+          <a:fontRef idx="minor">
+            <a:schemeClr val="dk1"/>
+          </a:fontRef>
+        </p:style>
+        <p:txBody>
+          <a:bodyPr rtlCol="0" anchor="ctr"/>
+          <a:lstStyle/>
+          <a:p>
+            <a:pPr algn="ctr"/>
+            <a:r>
+              <a:rPr lang="en-GB" sz="1200" dirty="0" smtClean="0"/>
+              <a:t>Supporting Files</a:t>
+            </a:r>
+            <a:endParaRPr lang="en-GB" sz="1200" dirty="0"/>
+          </a:p>
+        </p:txBody>
+      </p:sp>
+      <p:pic>
+        <p:nvPicPr>
+          <p:cNvPr id="96" name="Picture 6" descr="http://static1.squarespace.com/static/54e9737fe4b07c3f655e6242/54eb2a8de4b0904aceb70ecd/55a25168e4b02ee06b2a48d6/1436701032324/withaudio.png?format=750w"/>
+          <p:cNvPicPr>
+            <a:picLocks noChangeAspect="1" noChangeArrowheads="1"/>
+          </p:cNvPicPr>
+          <p:nvPr/>
+        </p:nvPicPr>
+        <p:blipFill>
+          <a:blip r:embed="rId2" cstate="print">
+            <a:extLst>
+              <a:ext uri="{28A0092B-C50C-407E-A947-70E740481C1C}">
+                <a14:useLocalDpi xmlns:a14="http://schemas.microsoft.com/office/drawing/2010/main" val="0"/>
+              </a:ext>
+            </a:extLst>
+          </a:blip>
+          <a:srcRect/>
+          <a:stretch>
+            <a:fillRect/>
+          </a:stretch>
+        </p:blipFill>
+        <p:spPr bwMode="auto">
+          <a:xfrm flipH="1">
+            <a:off x="470704" y="4029045"/>
+            <a:ext cx="536763" cy="560038"/>
+          </a:xfrm>
+          <a:prstGeom prst="rect">
+            <a:avLst/>
+          </a:prstGeom>
+          <a:noFill/>
+          <a:extLst>
+            <a:ext uri="{909E8E84-426E-40DD-AFC4-6F175D3DCCD1}">
+              <a14:hiddenFill xmlns:a14="http://schemas.microsoft.com/office/drawing/2010/main">
+                <a:solidFill>
+                  <a:srgbClr val="FFFFFF"/>
+                </a:solidFill>
+              </a14:hiddenFill>
+            </a:ext>
+          </a:extLst>
+        </p:spPr>
+      </p:pic>
+      <p:sp>
+        <p:nvSpPr>
+          <p:cNvPr id="97" name="Rectangle 96"/>
+          <p:cNvSpPr/>
+          <p:nvPr/>
+        </p:nvSpPr>
+        <p:spPr>
+          <a:xfrm>
+            <a:off x="4075070" y="2642326"/>
+            <a:ext cx="1197924" cy="243034"/>
+          </a:xfrm>
+          <a:prstGeom prst="rect">
+            <a:avLst/>
+          </a:prstGeom>
+        </p:spPr>
+        <p:style>
+          <a:lnRef idx="2">
+            <a:schemeClr val="accent6"/>
+          </a:lnRef>
+          <a:fillRef idx="1">
+            <a:schemeClr val="lt1"/>
+          </a:fillRef>
+          <a:effectRef idx="0">
+            <a:schemeClr val="accent6"/>
+          </a:effectRef>
+          <a:fontRef idx="minor">
+            <a:schemeClr val="dk1"/>
+          </a:fontRef>
+        </p:style>
+        <p:txBody>
+          <a:bodyPr rtlCol="0" anchor="ctr"/>
+          <a:lstStyle/>
+          <a:p>
+            <a:pPr algn="ctr"/>
+            <a:r>
+              <a:rPr lang="en-GB" sz="1200" dirty="0" smtClean="0"/>
+              <a:t>Car Position</a:t>
+            </a:r>
+            <a:endParaRPr lang="en-GB" sz="1200" dirty="0"/>
+          </a:p>
+        </p:txBody>
+      </p:sp>
+      <p:sp>
+        <p:nvSpPr>
+          <p:cNvPr id="98" name="Rectangle 97"/>
+          <p:cNvSpPr/>
+          <p:nvPr/>
+        </p:nvSpPr>
+        <p:spPr>
+          <a:xfrm>
+            <a:off x="4062822" y="2928235"/>
+            <a:ext cx="1210172" cy="243034"/>
+          </a:xfrm>
+          <a:prstGeom prst="rect">
+            <a:avLst/>
+          </a:prstGeom>
+        </p:spPr>
+        <p:style>
+          <a:lnRef idx="2">
+            <a:schemeClr val="accent6"/>
+          </a:lnRef>
+          <a:fillRef idx="1">
+            <a:schemeClr val="lt1"/>
+          </a:fillRef>
+          <a:effectRef idx="0">
+            <a:schemeClr val="accent6"/>
+          </a:effectRef>
+          <a:fontRef idx="minor">
+            <a:schemeClr val="dk1"/>
+          </a:fontRef>
+        </p:style>
+        <p:txBody>
+          <a:bodyPr rtlCol="0" anchor="ctr"/>
+          <a:lstStyle/>
+          <a:p>
+            <a:pPr algn="ctr"/>
+            <a:r>
+              <a:rPr lang="en-GB" sz="1200" dirty="0" smtClean="0"/>
+              <a:t>Car Handling</a:t>
+            </a:r>
+            <a:endParaRPr lang="en-GB" sz="1200" dirty="0"/>
+          </a:p>
+        </p:txBody>
+      </p:sp>
+      <p:sp>
+        <p:nvSpPr>
+          <p:cNvPr id="99" name="Rectangle 98"/>
+          <p:cNvSpPr/>
+          <p:nvPr/>
+        </p:nvSpPr>
+        <p:spPr>
+          <a:xfrm>
+            <a:off x="4062822" y="3240798"/>
+            <a:ext cx="1210172" cy="243034"/>
+          </a:xfrm>
+          <a:prstGeom prst="rect">
+            <a:avLst/>
+          </a:prstGeom>
+        </p:spPr>
+        <p:style>
+          <a:lnRef idx="2">
+            <a:schemeClr val="accent6"/>
+          </a:lnRef>
+          <a:fillRef idx="1">
+            <a:schemeClr val="lt1"/>
+          </a:fillRef>
+          <a:effectRef idx="0">
+            <a:schemeClr val="accent6"/>
+          </a:effectRef>
+          <a:fontRef idx="minor">
+            <a:schemeClr val="dk1"/>
+          </a:fontRef>
+        </p:style>
+        <p:txBody>
+          <a:bodyPr rtlCol="0" anchor="ctr"/>
+          <a:lstStyle/>
+          <a:p>
+            <a:pPr algn="ctr"/>
+            <a:r>
+              <a:rPr lang="en-GB" sz="1200" dirty="0" smtClean="0"/>
+              <a:t>Gear Shifting</a:t>
+            </a:r>
+            <a:endParaRPr lang="en-GB" sz="1200" dirty="0"/>
+          </a:p>
+        </p:txBody>
+      </p:sp>
+      <p:sp>
+        <p:nvSpPr>
+          <p:cNvPr id="100" name="Rectangle 99"/>
+          <p:cNvSpPr/>
+          <p:nvPr/>
+        </p:nvSpPr>
+        <p:spPr>
+          <a:xfrm>
+            <a:off x="4068007" y="2344325"/>
+            <a:ext cx="1204987" cy="243034"/>
+          </a:xfrm>
+          <a:prstGeom prst="rect">
+            <a:avLst/>
+          </a:prstGeom>
+        </p:spPr>
+        <p:style>
+          <a:lnRef idx="2">
+            <a:schemeClr val="accent6"/>
+          </a:lnRef>
+          <a:fillRef idx="1">
+            <a:schemeClr val="lt1"/>
+          </a:fillRef>
+          <a:effectRef idx="0">
+            <a:schemeClr val="accent6"/>
+          </a:effectRef>
+          <a:fontRef idx="minor">
+            <a:schemeClr val="dk1"/>
+          </a:fontRef>
+        </p:style>
+        <p:txBody>
+          <a:bodyPr rtlCol="0" anchor="ctr"/>
+          <a:lstStyle/>
+          <a:p>
+            <a:pPr algn="ctr"/>
+            <a:r>
+              <a:rPr lang="en-GB" sz="1200" dirty="0" smtClean="0"/>
+              <a:t>Logger</a:t>
+            </a:r>
+            <a:endParaRPr lang="en-GB" sz="1200" dirty="0"/>
+          </a:p>
+        </p:txBody>
+      </p:sp>
+      <p:sp>
+        <p:nvSpPr>
+          <p:cNvPr id="101" name="Right Arrow 100"/>
+          <p:cNvSpPr/>
+          <p:nvPr/>
+        </p:nvSpPr>
+        <p:spPr>
+          <a:xfrm>
+            <a:off x="1546644" y="758028"/>
+            <a:ext cx="482696" cy="190888"/>
+          </a:xfrm>
+          <a:prstGeom prst="rightArrow">
+            <a:avLst>
+              <a:gd name="adj1" fmla="val 27725"/>
+              <a:gd name="adj2" fmla="val 71123"/>
+            </a:avLst>
+          </a:prstGeom>
+        </p:spPr>
+        <p:style>
+          <a:lnRef idx="2">
+            <a:schemeClr val="accent1">
+              <a:shade val="50000"/>
+            </a:schemeClr>
+          </a:lnRef>
+          <a:fillRef idx="1">
+            <a:schemeClr val="accent1"/>
+          </a:fillRef>
+          <a:effectRef idx="0">
+            <a:schemeClr val="accent1"/>
+          </a:effectRef>
+          <a:fontRef idx="minor">
+            <a:schemeClr val="lt1"/>
+          </a:fontRef>
+        </p:style>
+        <p:txBody>
+          <a:bodyPr rtlCol="0" anchor="ctr"/>
+          <a:lstStyle/>
+          <a:p>
+            <a:pPr algn="ctr"/>
+            <a:endParaRPr lang="en-GB" dirty="0"/>
+          </a:p>
+        </p:txBody>
+      </p:sp>
+      <p:sp>
+        <p:nvSpPr>
+          <p:cNvPr id="102" name="Right Arrow 101"/>
+          <p:cNvSpPr/>
+          <p:nvPr/>
+        </p:nvSpPr>
+        <p:spPr>
+          <a:xfrm rot="5400000">
+            <a:off x="2308691" y="1641553"/>
+            <a:ext cx="583530" cy="190888"/>
+          </a:xfrm>
+          <a:prstGeom prst="rightArrow">
+            <a:avLst>
+              <a:gd name="adj1" fmla="val 27725"/>
+              <a:gd name="adj2" fmla="val 71123"/>
+            </a:avLst>
+          </a:prstGeom>
+        </p:spPr>
+        <p:style>
+          <a:lnRef idx="2">
+            <a:schemeClr val="accent1">
+              <a:shade val="50000"/>
+            </a:schemeClr>
+          </a:lnRef>
+          <a:fillRef idx="1">
+            <a:schemeClr val="accent1"/>
+          </a:fillRef>
+          <a:effectRef idx="0">
+            <a:schemeClr val="accent1"/>
+          </a:effectRef>
+          <a:fontRef idx="minor">
+            <a:schemeClr val="lt1"/>
+          </a:fontRef>
+        </p:style>
+        <p:txBody>
+          <a:bodyPr rtlCol="0" anchor="ctr"/>
+          <a:lstStyle/>
+          <a:p>
+            <a:pPr algn="ctr"/>
+            <a:endParaRPr lang="en-GB" dirty="0"/>
+          </a:p>
+        </p:txBody>
+      </p:sp>
+      <p:sp>
+        <p:nvSpPr>
+          <p:cNvPr id="103" name="TextBox 102"/>
+          <p:cNvSpPr txBox="1"/>
+          <p:nvPr/>
+        </p:nvSpPr>
+        <p:spPr>
+          <a:xfrm>
+            <a:off x="2029339" y="3617344"/>
+            <a:ext cx="739305" cy="369332"/>
+          </a:xfrm>
+          <a:prstGeom prst="rect">
+            <a:avLst/>
+          </a:prstGeom>
+          <a:noFill/>
+        </p:spPr>
+        <p:txBody>
+          <a:bodyPr wrap="none" rtlCol="0">
+            <a:spAutoFit/>
+          </a:bodyPr>
+          <a:lstStyle/>
+          <a:p>
+            <a:pPr algn="ctr"/>
+            <a:r>
+              <a:rPr lang="en-GB" sz="900" dirty="0" smtClean="0"/>
+              <a:t>Feedback </a:t>
+            </a:r>
+          </a:p>
+          <a:p>
+            <a:pPr algn="ctr"/>
+            <a:r>
+              <a:rPr lang="en-GB" sz="900" dirty="0" smtClean="0"/>
+              <a:t>Instructions</a:t>
+            </a:r>
+            <a:endParaRPr lang="en-GB" sz="900" dirty="0"/>
+          </a:p>
+        </p:txBody>
+      </p:sp>
+      <p:sp>
+        <p:nvSpPr>
+          <p:cNvPr id="104" name="Right Arrow 103"/>
+          <p:cNvSpPr/>
+          <p:nvPr/>
+        </p:nvSpPr>
+        <p:spPr>
+          <a:xfrm>
+            <a:off x="3197927" y="2760609"/>
+            <a:ext cx="755654" cy="190888"/>
+          </a:xfrm>
+          <a:prstGeom prst="rightArrow">
+            <a:avLst>
+              <a:gd name="adj1" fmla="val 27725"/>
+              <a:gd name="adj2" fmla="val 71123"/>
+            </a:avLst>
+          </a:prstGeom>
+        </p:spPr>
+        <p:style>
+          <a:lnRef idx="2">
+            <a:schemeClr val="accent1">
+              <a:shade val="50000"/>
+            </a:schemeClr>
+          </a:lnRef>
+          <a:fillRef idx="1">
+            <a:schemeClr val="accent1"/>
+          </a:fillRef>
+          <a:effectRef idx="0">
+            <a:schemeClr val="accent1"/>
+          </a:effectRef>
+          <a:fontRef idx="minor">
+            <a:schemeClr val="lt1"/>
+          </a:fontRef>
+        </p:style>
+        <p:txBody>
+          <a:bodyPr rtlCol="0" anchor="ctr"/>
+          <a:lstStyle/>
+          <a:p>
+            <a:pPr algn="ctr"/>
+            <a:endParaRPr lang="en-GB" dirty="0"/>
+          </a:p>
+        </p:txBody>
+      </p:sp>
+      <p:sp>
+        <p:nvSpPr>
+          <p:cNvPr id="105" name="Right Arrow 104"/>
+          <p:cNvSpPr/>
+          <p:nvPr/>
+        </p:nvSpPr>
+        <p:spPr>
+          <a:xfrm>
+            <a:off x="3197927" y="2966858"/>
+            <a:ext cx="755654" cy="190888"/>
+          </a:xfrm>
+          <a:prstGeom prst="rightArrow">
+            <a:avLst>
+              <a:gd name="adj1" fmla="val 27725"/>
+              <a:gd name="adj2" fmla="val 71123"/>
+            </a:avLst>
+          </a:prstGeom>
+        </p:spPr>
+        <p:style>
+          <a:lnRef idx="2">
+            <a:schemeClr val="accent1">
+              <a:shade val="50000"/>
+            </a:schemeClr>
+          </a:lnRef>
+          <a:fillRef idx="1">
+            <a:schemeClr val="accent1"/>
+          </a:fillRef>
+          <a:effectRef idx="0">
+            <a:schemeClr val="accent1"/>
+          </a:effectRef>
+          <a:fontRef idx="minor">
+            <a:schemeClr val="lt1"/>
+          </a:fontRef>
+        </p:style>
+        <p:txBody>
+          <a:bodyPr rtlCol="0" anchor="ctr"/>
+          <a:lstStyle/>
+          <a:p>
+            <a:pPr algn="ctr"/>
+            <a:endParaRPr lang="en-GB" dirty="0"/>
+          </a:p>
+        </p:txBody>
+      </p:sp>
+      <p:sp>
+        <p:nvSpPr>
+          <p:cNvPr id="106" name="Right Arrow 105"/>
+          <p:cNvSpPr/>
+          <p:nvPr/>
+        </p:nvSpPr>
+        <p:spPr>
+          <a:xfrm>
+            <a:off x="3197927" y="3191793"/>
+            <a:ext cx="755654" cy="190888"/>
+          </a:xfrm>
+          <a:prstGeom prst="rightArrow">
+            <a:avLst>
+              <a:gd name="adj1" fmla="val 27725"/>
+              <a:gd name="adj2" fmla="val 71123"/>
+            </a:avLst>
+          </a:prstGeom>
+        </p:spPr>
+        <p:style>
+          <a:lnRef idx="2">
+            <a:schemeClr val="accent1">
+              <a:shade val="50000"/>
+            </a:schemeClr>
+          </a:lnRef>
+          <a:fillRef idx="1">
+            <a:schemeClr val="accent1"/>
+          </a:fillRef>
+          <a:effectRef idx="0">
+            <a:schemeClr val="accent1"/>
+          </a:effectRef>
+          <a:fontRef idx="minor">
+            <a:schemeClr val="lt1"/>
+          </a:fontRef>
+        </p:style>
+        <p:txBody>
+          <a:bodyPr rtlCol="0" anchor="ctr"/>
+          <a:lstStyle/>
+          <a:p>
+            <a:pPr algn="ctr"/>
+            <a:endParaRPr lang="en-GB" dirty="0"/>
+          </a:p>
+        </p:txBody>
+      </p:sp>
+      <p:sp>
+        <p:nvSpPr>
+          <p:cNvPr id="107" name="Right Arrow 106"/>
+          <p:cNvSpPr/>
+          <p:nvPr/>
+        </p:nvSpPr>
+        <p:spPr>
+          <a:xfrm rot="10800000">
+            <a:off x="3506207" y="781672"/>
+            <a:ext cx="564955" cy="190888"/>
+          </a:xfrm>
+          <a:prstGeom prst="rightArrow">
+            <a:avLst>
+              <a:gd name="adj1" fmla="val 27725"/>
+              <a:gd name="adj2" fmla="val 71123"/>
+            </a:avLst>
+          </a:prstGeom>
+        </p:spPr>
+        <p:style>
+          <a:lnRef idx="2">
+            <a:schemeClr val="accent1">
+              <a:shade val="50000"/>
+            </a:schemeClr>
+          </a:lnRef>
+          <a:fillRef idx="1">
+            <a:schemeClr val="accent1"/>
+          </a:fillRef>
+          <a:effectRef idx="0">
+            <a:schemeClr val="accent1"/>
+          </a:effectRef>
+          <a:fontRef idx="minor">
+            <a:schemeClr val="lt1"/>
+          </a:fontRef>
+        </p:style>
+        <p:txBody>
+          <a:bodyPr rtlCol="0" anchor="ctr"/>
+          <a:lstStyle/>
+          <a:p>
+            <a:pPr algn="ctr"/>
+            <a:endParaRPr lang="en-GB" dirty="0"/>
+          </a:p>
+        </p:txBody>
+      </p:sp>
+      <p:sp>
+        <p:nvSpPr>
+          <p:cNvPr id="108" name="TextBox 107"/>
+          <p:cNvSpPr txBox="1"/>
+          <p:nvPr/>
+        </p:nvSpPr>
+        <p:spPr>
+          <a:xfrm>
+            <a:off x="3424123" y="555339"/>
+            <a:ext cx="750526" cy="230832"/>
+          </a:xfrm>
+          <a:prstGeom prst="rect">
+            <a:avLst/>
+          </a:prstGeom>
+          <a:noFill/>
+        </p:spPr>
+        <p:txBody>
+          <a:bodyPr wrap="none" rtlCol="0">
+            <a:spAutoFit/>
+          </a:bodyPr>
+          <a:lstStyle/>
+          <a:p>
+            <a:pPr algn="ctr"/>
+            <a:r>
+              <a:rPr lang="en-GB" sz="900" dirty="0" smtClean="0"/>
+              <a:t>Sections.csv</a:t>
+            </a:r>
+            <a:endParaRPr lang="en-GB" sz="900" dirty="0"/>
+          </a:p>
+        </p:txBody>
+      </p:sp>
+      <p:sp>
+        <p:nvSpPr>
+          <p:cNvPr id="109" name="TextBox 108"/>
+          <p:cNvSpPr txBox="1"/>
+          <p:nvPr/>
+        </p:nvSpPr>
+        <p:spPr>
+          <a:xfrm>
+            <a:off x="3404768" y="1309636"/>
+            <a:ext cx="755336" cy="230832"/>
+          </a:xfrm>
+          <a:prstGeom prst="rect">
+            <a:avLst/>
+          </a:prstGeom>
+          <a:noFill/>
+        </p:spPr>
+        <p:txBody>
+          <a:bodyPr wrap="none" rtlCol="0">
+            <a:spAutoFit/>
+          </a:bodyPr>
+          <a:lstStyle/>
+          <a:p>
+            <a:pPr algn="ctr"/>
+            <a:r>
+              <a:rPr lang="en-GB" sz="900" dirty="0"/>
+              <a:t>R</a:t>
+            </a:r>
+            <a:r>
+              <a:rPr lang="en-GB" sz="900" dirty="0" smtClean="0"/>
+              <a:t>aceline.csv</a:t>
+            </a:r>
+            <a:endParaRPr lang="en-GB" sz="900" dirty="0"/>
+          </a:p>
+        </p:txBody>
+      </p:sp>
+      <p:sp>
+        <p:nvSpPr>
+          <p:cNvPr id="110" name="Right Arrow 109"/>
+          <p:cNvSpPr/>
+          <p:nvPr/>
+        </p:nvSpPr>
+        <p:spPr>
+          <a:xfrm rot="10800000">
+            <a:off x="3527611" y="1083146"/>
+            <a:ext cx="564955" cy="190888"/>
+          </a:xfrm>
+          <a:prstGeom prst="rightArrow">
+            <a:avLst>
+              <a:gd name="adj1" fmla="val 27725"/>
+              <a:gd name="adj2" fmla="val 71123"/>
+            </a:avLst>
+          </a:prstGeom>
+        </p:spPr>
+        <p:style>
+          <a:lnRef idx="2">
+            <a:schemeClr val="accent1">
+              <a:shade val="50000"/>
+            </a:schemeClr>
+          </a:lnRef>
+          <a:fillRef idx="1">
+            <a:schemeClr val="accent1"/>
+          </a:fillRef>
+          <a:effectRef idx="0">
+            <a:schemeClr val="accent1"/>
+          </a:effectRef>
+          <a:fontRef idx="minor">
+            <a:schemeClr val="lt1"/>
+          </a:fontRef>
+        </p:style>
+        <p:txBody>
+          <a:bodyPr rtlCol="0" anchor="ctr"/>
+          <a:lstStyle/>
+          <a:p>
+            <a:pPr algn="ctr"/>
+            <a:endParaRPr lang="en-GB" dirty="0"/>
+          </a:p>
+        </p:txBody>
+      </p:sp>
+      <p:sp>
+        <p:nvSpPr>
+          <p:cNvPr id="111" name="Right Arrow 110"/>
+          <p:cNvSpPr/>
+          <p:nvPr/>
+        </p:nvSpPr>
+        <p:spPr>
+          <a:xfrm rot="5400000">
+            <a:off x="2673070" y="3692740"/>
+            <a:ext cx="408571" cy="190888"/>
+          </a:xfrm>
+          <a:prstGeom prst="rightArrow">
+            <a:avLst>
+              <a:gd name="adj1" fmla="val 27725"/>
+              <a:gd name="adj2" fmla="val 71123"/>
+            </a:avLst>
+          </a:prstGeom>
+        </p:spPr>
+        <p:style>
+          <a:lnRef idx="2">
+            <a:schemeClr val="accent1">
+              <a:shade val="50000"/>
+            </a:schemeClr>
+          </a:lnRef>
+          <a:fillRef idx="1">
+            <a:schemeClr val="accent1"/>
+          </a:fillRef>
+          <a:effectRef idx="0">
+            <a:schemeClr val="accent1"/>
+          </a:effectRef>
+          <a:fontRef idx="minor">
+            <a:schemeClr val="lt1"/>
+          </a:fontRef>
+        </p:style>
+        <p:txBody>
+          <a:bodyPr rtlCol="0" anchor="ctr"/>
+          <a:lstStyle/>
+          <a:p>
+            <a:pPr algn="ctr"/>
+            <a:endParaRPr lang="en-GB" dirty="0"/>
+          </a:p>
+        </p:txBody>
+      </p:sp>
+      <p:sp>
+        <p:nvSpPr>
+          <p:cNvPr id="112" name="TextBox 111"/>
+          <p:cNvSpPr txBox="1"/>
+          <p:nvPr/>
+        </p:nvSpPr>
+        <p:spPr>
+          <a:xfrm>
+            <a:off x="2665298" y="1537954"/>
+            <a:ext cx="1210588" cy="507831"/>
+          </a:xfrm>
+          <a:prstGeom prst="rect">
+            <a:avLst/>
+          </a:prstGeom>
+          <a:noFill/>
+        </p:spPr>
+        <p:txBody>
+          <a:bodyPr wrap="none" rtlCol="0">
+            <a:spAutoFit/>
+          </a:bodyPr>
+          <a:lstStyle/>
+          <a:p>
+            <a:pPr algn="ctr"/>
+            <a:r>
+              <a:rPr lang="en-GB" sz="900" dirty="0" smtClean="0"/>
+              <a:t>Telemetry </a:t>
+            </a:r>
+          </a:p>
+          <a:p>
+            <a:pPr algn="ctr"/>
+            <a:r>
+              <a:rPr lang="en-GB" sz="900" dirty="0" smtClean="0"/>
+              <a:t>+ </a:t>
+            </a:r>
+          </a:p>
+          <a:p>
+            <a:pPr algn="ctr"/>
+            <a:r>
+              <a:rPr lang="en-GB" sz="900" dirty="0" smtClean="0"/>
+              <a:t>Supporting Structures</a:t>
+            </a:r>
+            <a:endParaRPr lang="en-GB" sz="900" dirty="0"/>
+          </a:p>
+        </p:txBody>
+      </p:sp>
+      <p:sp>
+        <p:nvSpPr>
+          <p:cNvPr id="113" name="Flowchart: Multidocument 112"/>
+          <p:cNvSpPr/>
+          <p:nvPr/>
+        </p:nvSpPr>
+        <p:spPr>
+          <a:xfrm>
+            <a:off x="3936985" y="3996793"/>
+            <a:ext cx="1006804" cy="735112"/>
+          </a:xfrm>
+          <a:prstGeom prst="flowChartMultidocument">
+            <a:avLst/>
+          </a:prstGeom>
+        </p:spPr>
+        <p:style>
+          <a:lnRef idx="2">
+            <a:schemeClr val="accent6"/>
+          </a:lnRef>
+          <a:fillRef idx="1">
+            <a:schemeClr val="lt1"/>
+          </a:fillRef>
+          <a:effectRef idx="0">
+            <a:schemeClr val="accent6"/>
+          </a:effectRef>
+          <a:fontRef idx="minor">
+            <a:schemeClr val="dk1"/>
+          </a:fontRef>
+        </p:style>
+        <p:txBody>
+          <a:bodyPr rtlCol="0" anchor="ctr"/>
+          <a:lstStyle/>
+          <a:p>
+            <a:pPr algn="ctr"/>
+            <a:r>
+              <a:rPr lang="en-GB" sz="1200" dirty="0" smtClean="0"/>
+              <a:t>Feedback Audio Files</a:t>
+            </a:r>
+            <a:endParaRPr lang="en-GB" sz="1200" dirty="0"/>
+          </a:p>
+        </p:txBody>
+      </p:sp>
+      <p:sp>
+        <p:nvSpPr>
+          <p:cNvPr id="114" name="Right Arrow 113"/>
+          <p:cNvSpPr/>
+          <p:nvPr/>
+        </p:nvSpPr>
+        <p:spPr>
+          <a:xfrm rot="10800000">
+            <a:off x="3356119" y="4268905"/>
+            <a:ext cx="408571" cy="190888"/>
+          </a:xfrm>
+          <a:prstGeom prst="rightArrow">
+            <a:avLst>
+              <a:gd name="adj1" fmla="val 27725"/>
+              <a:gd name="adj2" fmla="val 71123"/>
+            </a:avLst>
+          </a:prstGeom>
+        </p:spPr>
+        <p:style>
+          <a:lnRef idx="2">
+            <a:schemeClr val="accent1">
+              <a:shade val="50000"/>
+            </a:schemeClr>
+          </a:lnRef>
+          <a:fillRef idx="1">
+            <a:schemeClr val="accent1"/>
+          </a:fillRef>
+          <a:effectRef idx="0">
+            <a:schemeClr val="accent1"/>
+          </a:effectRef>
+          <a:fontRef idx="minor">
+            <a:schemeClr val="lt1"/>
+          </a:fontRef>
+        </p:style>
+        <p:txBody>
+          <a:bodyPr rtlCol="0" anchor="ctr"/>
+          <a:lstStyle/>
+          <a:p>
+            <a:pPr algn="ctr"/>
+            <a:endParaRPr lang="en-GB" dirty="0"/>
+          </a:p>
+        </p:txBody>
+      </p:sp>
+      <p:sp>
+        <p:nvSpPr>
+          <p:cNvPr id="115" name="Right Arrow 114"/>
+          <p:cNvSpPr/>
+          <p:nvPr/>
+        </p:nvSpPr>
+        <p:spPr>
+          <a:xfrm rot="10800000">
+            <a:off x="1133153" y="4236611"/>
+            <a:ext cx="692295" cy="190888"/>
+          </a:xfrm>
+          <a:prstGeom prst="rightArrow">
+            <a:avLst>
+              <a:gd name="adj1" fmla="val 27725"/>
+              <a:gd name="adj2" fmla="val 71123"/>
+            </a:avLst>
+          </a:prstGeom>
+        </p:spPr>
+        <p:style>
+          <a:lnRef idx="2">
+            <a:schemeClr val="accent1">
+              <a:shade val="50000"/>
+            </a:schemeClr>
+          </a:lnRef>
+          <a:fillRef idx="1">
+            <a:schemeClr val="accent1"/>
+          </a:fillRef>
+          <a:effectRef idx="0">
+            <a:schemeClr val="accent1"/>
+          </a:effectRef>
+          <a:fontRef idx="minor">
+            <a:schemeClr val="lt1"/>
+          </a:fontRef>
+        </p:style>
+        <p:txBody>
+          <a:bodyPr rtlCol="0" anchor="ctr"/>
+          <a:lstStyle/>
+          <a:p>
+            <a:pPr algn="ctr"/>
+            <a:endParaRPr lang="en-GB" dirty="0"/>
+          </a:p>
+        </p:txBody>
+      </p:sp>
+      <p:sp>
+        <p:nvSpPr>
+          <p:cNvPr id="116" name="TextBox 115"/>
+          <p:cNvSpPr txBox="1"/>
+          <p:nvPr/>
+        </p:nvSpPr>
+        <p:spPr>
+          <a:xfrm>
+            <a:off x="810093" y="4461560"/>
+            <a:ext cx="958917" cy="369332"/>
+          </a:xfrm>
+          <a:prstGeom prst="rect">
+            <a:avLst/>
+          </a:prstGeom>
+          <a:noFill/>
+        </p:spPr>
+        <p:txBody>
+          <a:bodyPr wrap="none" rtlCol="0">
+            <a:spAutoFit/>
+          </a:bodyPr>
+          <a:lstStyle/>
+          <a:p>
+            <a:pPr algn="ctr"/>
+            <a:r>
+              <a:rPr lang="en-GB" sz="900" dirty="0" smtClean="0"/>
+              <a:t>Audio Feedback </a:t>
+            </a:r>
+          </a:p>
+          <a:p>
+            <a:pPr algn="ctr"/>
+            <a:r>
+              <a:rPr lang="en-GB" sz="900" dirty="0" smtClean="0"/>
+              <a:t>Instructions</a:t>
+            </a:r>
+            <a:endParaRPr lang="en-GB" sz="900" dirty="0"/>
+          </a:p>
+        </p:txBody>
+      </p:sp>
+      <p:sp>
+        <p:nvSpPr>
+          <p:cNvPr id="117" name="Right Arrow 116"/>
+          <p:cNvSpPr/>
+          <p:nvPr/>
+        </p:nvSpPr>
+        <p:spPr>
+          <a:xfrm>
+            <a:off x="3204692" y="2539174"/>
+            <a:ext cx="755654" cy="190888"/>
+          </a:xfrm>
+          <a:prstGeom prst="rightArrow">
+            <a:avLst>
+              <a:gd name="adj1" fmla="val 27725"/>
+              <a:gd name="adj2" fmla="val 71123"/>
+            </a:avLst>
+          </a:prstGeom>
+        </p:spPr>
+        <p:style>
+          <a:lnRef idx="2">
+            <a:schemeClr val="accent1">
+              <a:shade val="50000"/>
+            </a:schemeClr>
+          </a:lnRef>
+          <a:fillRef idx="1">
+            <a:schemeClr val="accent1"/>
+          </a:fillRef>
+          <a:effectRef idx="0">
+            <a:schemeClr val="accent1"/>
+          </a:effectRef>
+          <a:fontRef idx="minor">
+            <a:schemeClr val="lt1"/>
+          </a:fontRef>
+        </p:style>
+        <p:txBody>
+          <a:bodyPr rtlCol="0" anchor="ctr"/>
+          <a:lstStyle/>
+          <a:p>
+            <a:pPr algn="ctr"/>
+            <a:endParaRPr lang="en-GB" dirty="0"/>
+          </a:p>
+        </p:txBody>
+      </p:sp>
+    </p:spTree>
+    <p:extLst>
+      <p:ext uri="{BB962C8B-B14F-4D97-AF65-F5344CB8AC3E}">
+        <p14:creationId xmlns:p14="http://schemas.microsoft.com/office/powerpoint/2010/main" val="3763665465"/>
+      </p:ext>
+    </p:extLst>
+  </p:cSld>
+  <p:clrMapOvr>
+    <a:masterClrMapping/>
+  </p:clrMapOvr>
+</p:sld>
+</file>
+
+<file path=ppt/slides/slide7.xml><?xml version="1.0" encoding="utf-8"?>
+<p:sld xmlns:a="http://schemas.openxmlformats.org/drawingml/2006/main" xmlns:r="http://schemas.openxmlformats.org/officeDocument/2006/relationships" xmlns:p="http://schemas.openxmlformats.org/presentationml/2006/main">
+  <p:cSld>
+    <p:spTree>
+      <p:nvGrpSpPr>
+        <p:cNvPr id="1" name=""/>
+        <p:cNvGrpSpPr/>
+        <p:nvPr/>
+      </p:nvGrpSpPr>
+      <p:grpSpPr>
+        <a:xfrm>
+          <a:off x="0" y="0"/>
+          <a:ext cx="0" cy="0"/>
+          <a:chOff x="0" y="0"/>
+          <a:chExt cx="0" cy="0"/>
+        </a:xfrm>
+      </p:grpSpPr>
+      <p:pic>
+        <p:nvPicPr>
+          <p:cNvPr id="4" name="Picture 3"/>
+          <p:cNvPicPr>
+            <a:picLocks noChangeAspect="1"/>
+          </p:cNvPicPr>
+          <p:nvPr/>
+        </p:nvPicPr>
+        <p:blipFill>
+          <a:blip r:embed="rId2" cstate="print">
+            <a:extLst>
+              <a:ext uri="{28A0092B-C50C-407E-A947-70E740481C1C}">
+                <a14:useLocalDpi xmlns:a14="http://schemas.microsoft.com/office/drawing/2010/main" val="0"/>
+              </a:ext>
+            </a:extLst>
+          </a:blip>
+          <a:stretch>
+            <a:fillRect/>
+          </a:stretch>
+        </p:blipFill>
+        <p:spPr>
+          <a:xfrm>
+            <a:off x="4387362" y="5362959"/>
+            <a:ext cx="7784122" cy="5838092"/>
+          </a:xfrm>
+          <a:prstGeom prst="rect">
+            <a:avLst/>
+          </a:prstGeom>
+        </p:spPr>
+      </p:pic>
+      <p:sp>
+        <p:nvSpPr>
+          <p:cNvPr id="5" name="Up Arrow 4"/>
+          <p:cNvSpPr/>
+          <p:nvPr/>
+        </p:nvSpPr>
+        <p:spPr>
+          <a:xfrm>
+            <a:off x="7620000" y="9436100"/>
+            <a:ext cx="484632" cy="952500"/>
+          </a:xfrm>
+          <a:prstGeom prst="upArrow">
+            <a:avLst>
+              <a:gd name="adj1" fmla="val 34277"/>
+              <a:gd name="adj2" fmla="val 44759"/>
+            </a:avLst>
+          </a:prstGeom>
+        </p:spPr>
+        <p:style>
+          <a:lnRef idx="2">
+            <a:schemeClr val="accent1">
+              <a:shade val="50000"/>
+            </a:schemeClr>
+          </a:lnRef>
+          <a:fillRef idx="1">
+            <a:schemeClr val="accent1"/>
+          </a:fillRef>
+          <a:effectRef idx="0">
+            <a:schemeClr val="accent1"/>
+          </a:effectRef>
+          <a:fontRef idx="minor">
+            <a:schemeClr val="lt1"/>
+          </a:fontRef>
+        </p:style>
+        <p:txBody>
+          <a:bodyPr rtlCol="0" anchor="ctr"/>
+          <a:lstStyle/>
+          <a:p>
+            <a:pPr algn="ctr"/>
+            <a:endParaRPr lang="en-GB"/>
+          </a:p>
+        </p:txBody>
+      </p:sp>
+      <p:sp>
+        <p:nvSpPr>
+          <p:cNvPr id="6" name="Up Arrow 5"/>
+          <p:cNvSpPr/>
+          <p:nvPr/>
+        </p:nvSpPr>
+        <p:spPr>
+          <a:xfrm>
+            <a:off x="8204200" y="9436100"/>
+            <a:ext cx="484632" cy="952500"/>
+          </a:xfrm>
+          <a:prstGeom prst="upArrow">
+            <a:avLst>
+              <a:gd name="adj1" fmla="val 34277"/>
+              <a:gd name="adj2" fmla="val 44759"/>
+            </a:avLst>
+          </a:prstGeom>
+        </p:spPr>
+        <p:style>
+          <a:lnRef idx="2">
+            <a:schemeClr val="accent1">
+              <a:shade val="50000"/>
+            </a:schemeClr>
+          </a:lnRef>
+          <a:fillRef idx="1">
+            <a:schemeClr val="accent1"/>
+          </a:fillRef>
+          <a:effectRef idx="0">
+            <a:schemeClr val="accent1"/>
+          </a:effectRef>
+          <a:fontRef idx="minor">
+            <a:schemeClr val="lt1"/>
+          </a:fontRef>
+        </p:style>
+        <p:txBody>
+          <a:bodyPr rtlCol="0" anchor="ctr"/>
+          <a:lstStyle/>
+          <a:p>
+            <a:pPr algn="ctr"/>
+            <a:endParaRPr lang="en-GB"/>
+          </a:p>
+        </p:txBody>
+      </p:sp>
+      <p:sp>
+        <p:nvSpPr>
+          <p:cNvPr id="7" name="Up Arrow 6"/>
+          <p:cNvSpPr/>
+          <p:nvPr/>
+        </p:nvSpPr>
+        <p:spPr>
+          <a:xfrm rot="20505049">
+            <a:off x="8915400" y="9626600"/>
+            <a:ext cx="484632" cy="952500"/>
+          </a:xfrm>
+          <a:prstGeom prst="upArrow">
+            <a:avLst>
+              <a:gd name="adj1" fmla="val 34277"/>
+              <a:gd name="adj2" fmla="val 44759"/>
+            </a:avLst>
+          </a:prstGeom>
+        </p:spPr>
+        <p:style>
+          <a:lnRef idx="2">
+            <a:schemeClr val="accent1">
+              <a:shade val="50000"/>
+            </a:schemeClr>
+          </a:lnRef>
+          <a:fillRef idx="1">
+            <a:schemeClr val="accent1"/>
+          </a:fillRef>
+          <a:effectRef idx="0">
+            <a:schemeClr val="accent1"/>
+          </a:effectRef>
+          <a:fontRef idx="minor">
+            <a:schemeClr val="lt1"/>
+          </a:fontRef>
+        </p:style>
+        <p:txBody>
+          <a:bodyPr rtlCol="0" anchor="ctr"/>
+          <a:lstStyle/>
+          <a:p>
+            <a:pPr algn="ctr"/>
+            <a:endParaRPr lang="en-GB"/>
+          </a:p>
+        </p:txBody>
+      </p:sp>
+      <p:sp>
+        <p:nvSpPr>
+          <p:cNvPr id="8" name="Up Arrow 7"/>
+          <p:cNvSpPr/>
+          <p:nvPr/>
+        </p:nvSpPr>
+        <p:spPr>
+          <a:xfrm rot="8488580">
+            <a:off x="5283200" y="7874000"/>
+            <a:ext cx="484632" cy="952500"/>
+          </a:xfrm>
+          <a:prstGeom prst="upArrow">
+            <a:avLst>
+              <a:gd name="adj1" fmla="val 34277"/>
+              <a:gd name="adj2" fmla="val 44759"/>
+            </a:avLst>
+          </a:prstGeom>
+        </p:spPr>
+        <p:style>
+          <a:lnRef idx="2">
+            <a:schemeClr val="accent1">
+              <a:shade val="50000"/>
+            </a:schemeClr>
+          </a:lnRef>
+          <a:fillRef idx="1">
+            <a:schemeClr val="accent1"/>
+          </a:fillRef>
+          <a:effectRef idx="0">
+            <a:schemeClr val="accent1"/>
+          </a:effectRef>
+          <a:fontRef idx="minor">
+            <a:schemeClr val="lt1"/>
+          </a:fontRef>
+        </p:style>
+        <p:txBody>
+          <a:bodyPr rtlCol="0" anchor="ctr"/>
+          <a:lstStyle/>
+          <a:p>
+            <a:pPr algn="ctr"/>
+            <a:endParaRPr lang="en-GB"/>
+          </a:p>
+        </p:txBody>
+      </p:sp>
+      <p:sp>
+        <p:nvSpPr>
+          <p:cNvPr id="9" name="Up Arrow 8"/>
+          <p:cNvSpPr/>
+          <p:nvPr/>
+        </p:nvSpPr>
+        <p:spPr>
+          <a:xfrm rot="5838559">
+            <a:off x="6706601" y="6089039"/>
+            <a:ext cx="484632" cy="1257779"/>
+          </a:xfrm>
+          <a:prstGeom prst="upArrow">
+            <a:avLst>
+              <a:gd name="adj1" fmla="val 34277"/>
+              <a:gd name="adj2" fmla="val 44759"/>
+            </a:avLst>
+          </a:prstGeom>
+        </p:spPr>
+        <p:style>
+          <a:lnRef idx="2">
+            <a:schemeClr val="accent1">
+              <a:shade val="50000"/>
+            </a:schemeClr>
+          </a:lnRef>
+          <a:fillRef idx="1">
+            <a:schemeClr val="accent1"/>
+          </a:fillRef>
+          <a:effectRef idx="0">
+            <a:schemeClr val="accent1"/>
+          </a:effectRef>
+          <a:fontRef idx="minor">
+            <a:schemeClr val="lt1"/>
+          </a:fontRef>
+        </p:style>
+        <p:txBody>
+          <a:bodyPr rtlCol="0" anchor="ctr"/>
+          <a:lstStyle/>
+          <a:p>
+            <a:pPr algn="ctr"/>
+            <a:endParaRPr lang="en-GB"/>
+          </a:p>
+        </p:txBody>
+      </p:sp>
+      <p:sp>
+        <p:nvSpPr>
+          <p:cNvPr id="10" name="TextBox 9"/>
+          <p:cNvSpPr txBox="1"/>
+          <p:nvPr/>
+        </p:nvSpPr>
+        <p:spPr>
+          <a:xfrm>
+            <a:off x="5003800" y="6057900"/>
+            <a:ext cx="1814984" cy="400110"/>
+          </a:xfrm>
+          <a:prstGeom prst="rect">
+            <a:avLst/>
+          </a:prstGeom>
+          <a:solidFill>
+            <a:schemeClr val="dk1">
+              <a:alpha val="50000"/>
+            </a:schemeClr>
+          </a:solidFill>
+          <a:ln>
+            <a:noFill/>
+          </a:ln>
+        </p:spPr>
+        <p:style>
+          <a:lnRef idx="0">
+            <a:scrgbClr r="0" g="0" b="0"/>
+          </a:lnRef>
+          <a:fillRef idx="0">
+            <a:scrgbClr r="0" g="0" b="0"/>
+          </a:fillRef>
+          <a:effectRef idx="0">
+            <a:scrgbClr r="0" g="0" b="0"/>
+          </a:effectRef>
+          <a:fontRef idx="minor">
+            <a:schemeClr val="lt1"/>
+          </a:fontRef>
+        </p:style>
+        <p:txBody>
+          <a:bodyPr wrap="none" rtlCol="0">
+            <a:spAutoFit/>
+          </a:bodyPr>
+          <a:lstStyle/>
+          <a:p>
+            <a:r>
+              <a:rPr lang="en-GB" sz="2000" b="1" dirty="0" smtClean="0"/>
+              <a:t>Steering Wheel</a:t>
+            </a:r>
+            <a:endParaRPr lang="en-GB" sz="2000" b="1" dirty="0"/>
+          </a:p>
+        </p:txBody>
+      </p:sp>
+      <p:sp>
+        <p:nvSpPr>
+          <p:cNvPr id="11" name="TextBox 10"/>
+          <p:cNvSpPr txBox="1"/>
+          <p:nvPr/>
+        </p:nvSpPr>
+        <p:spPr>
+          <a:xfrm>
+            <a:off x="4533900" y="7467600"/>
+            <a:ext cx="1114472" cy="400110"/>
+          </a:xfrm>
+          <a:prstGeom prst="rect">
+            <a:avLst/>
+          </a:prstGeom>
+          <a:solidFill>
+            <a:schemeClr val="dk1">
+              <a:alpha val="50000"/>
+            </a:schemeClr>
+          </a:solidFill>
+          <a:ln>
+            <a:noFill/>
+          </a:ln>
+        </p:spPr>
+        <p:style>
+          <a:lnRef idx="0">
+            <a:scrgbClr r="0" g="0" b="0"/>
+          </a:lnRef>
+          <a:fillRef idx="0">
+            <a:scrgbClr r="0" g="0" b="0"/>
+          </a:fillRef>
+          <a:effectRef idx="0">
+            <a:scrgbClr r="0" g="0" b="0"/>
+          </a:effectRef>
+          <a:fontRef idx="minor">
+            <a:schemeClr val="lt1"/>
+          </a:fontRef>
+        </p:style>
+        <p:txBody>
+          <a:bodyPr wrap="none" rtlCol="0">
+            <a:spAutoFit/>
+          </a:bodyPr>
+          <a:lstStyle/>
+          <a:p>
+            <a:r>
+              <a:rPr lang="en-GB" sz="2000" b="1" dirty="0" smtClean="0"/>
+              <a:t>H Shifter</a:t>
+            </a:r>
+            <a:endParaRPr lang="en-GB" sz="2000" b="1" dirty="0"/>
+          </a:p>
+        </p:txBody>
+      </p:sp>
+      <p:sp>
+        <p:nvSpPr>
+          <p:cNvPr id="12" name="TextBox 11"/>
+          <p:cNvSpPr txBox="1"/>
+          <p:nvPr/>
+        </p:nvSpPr>
+        <p:spPr>
+          <a:xfrm>
+            <a:off x="7137400" y="10477500"/>
+            <a:ext cx="851323" cy="400110"/>
+          </a:xfrm>
+          <a:prstGeom prst="rect">
+            <a:avLst/>
+          </a:prstGeom>
+          <a:solidFill>
+            <a:schemeClr val="dk1">
+              <a:alpha val="50000"/>
+            </a:schemeClr>
+          </a:solidFill>
+          <a:ln>
+            <a:noFill/>
+          </a:ln>
+        </p:spPr>
+        <p:style>
+          <a:lnRef idx="0">
+            <a:scrgbClr r="0" g="0" b="0"/>
+          </a:lnRef>
+          <a:fillRef idx="0">
+            <a:scrgbClr r="0" g="0" b="0"/>
+          </a:fillRef>
+          <a:effectRef idx="0">
+            <a:scrgbClr r="0" g="0" b="0"/>
+          </a:effectRef>
+          <a:fontRef idx="minor">
+            <a:schemeClr val="lt1"/>
+          </a:fontRef>
+        </p:style>
+        <p:txBody>
+          <a:bodyPr wrap="none" rtlCol="0">
+            <a:spAutoFit/>
+          </a:bodyPr>
+          <a:lstStyle/>
+          <a:p>
+            <a:r>
+              <a:rPr lang="en-GB" sz="2000" b="1" dirty="0" smtClean="0"/>
+              <a:t>Clutch</a:t>
+            </a:r>
+            <a:endParaRPr lang="en-GB" sz="2000" b="1" dirty="0"/>
+          </a:p>
+        </p:txBody>
+      </p:sp>
+      <p:sp>
+        <p:nvSpPr>
+          <p:cNvPr id="13" name="TextBox 12"/>
+          <p:cNvSpPr txBox="1"/>
+          <p:nvPr/>
+        </p:nvSpPr>
+        <p:spPr>
+          <a:xfrm>
+            <a:off x="8128000" y="10490200"/>
+            <a:ext cx="787588" cy="400110"/>
+          </a:xfrm>
+          <a:prstGeom prst="rect">
+            <a:avLst/>
+          </a:prstGeom>
+          <a:solidFill>
+            <a:schemeClr val="dk1">
+              <a:alpha val="50000"/>
+            </a:schemeClr>
+          </a:solidFill>
+          <a:ln>
+            <a:noFill/>
+          </a:ln>
+        </p:spPr>
+        <p:style>
+          <a:lnRef idx="0">
+            <a:scrgbClr r="0" g="0" b="0"/>
+          </a:lnRef>
+          <a:fillRef idx="0">
+            <a:scrgbClr r="0" g="0" b="0"/>
+          </a:fillRef>
+          <a:effectRef idx="0">
+            <a:scrgbClr r="0" g="0" b="0"/>
+          </a:effectRef>
+          <a:fontRef idx="minor">
+            <a:schemeClr val="lt1"/>
+          </a:fontRef>
+        </p:style>
+        <p:txBody>
+          <a:bodyPr wrap="none" rtlCol="0">
+            <a:spAutoFit/>
+          </a:bodyPr>
+          <a:lstStyle/>
+          <a:p>
+            <a:r>
+              <a:rPr lang="en-GB" sz="2000" b="1" dirty="0" smtClean="0"/>
+              <a:t>Brake</a:t>
+            </a:r>
+            <a:endParaRPr lang="en-GB" sz="2000" b="1" dirty="0"/>
+          </a:p>
+        </p:txBody>
+      </p:sp>
+      <p:sp>
+        <p:nvSpPr>
+          <p:cNvPr id="14" name="TextBox 13"/>
+          <p:cNvSpPr txBox="1"/>
+          <p:nvPr/>
+        </p:nvSpPr>
+        <p:spPr>
+          <a:xfrm>
+            <a:off x="9131300" y="10642600"/>
+            <a:ext cx="1098634" cy="400110"/>
+          </a:xfrm>
+          <a:prstGeom prst="rect">
+            <a:avLst/>
+          </a:prstGeom>
+          <a:solidFill>
+            <a:schemeClr val="dk1">
+              <a:alpha val="50000"/>
+            </a:schemeClr>
+          </a:solidFill>
+          <a:ln>
+            <a:noFill/>
+          </a:ln>
+        </p:spPr>
+        <p:style>
+          <a:lnRef idx="0">
+            <a:scrgbClr r="0" g="0" b="0"/>
+          </a:lnRef>
+          <a:fillRef idx="0">
+            <a:scrgbClr r="0" g="0" b="0"/>
+          </a:fillRef>
+          <a:effectRef idx="0">
+            <a:scrgbClr r="0" g="0" b="0"/>
+          </a:effectRef>
+          <a:fontRef idx="minor">
+            <a:schemeClr val="lt1"/>
+          </a:fontRef>
+        </p:style>
+        <p:txBody>
+          <a:bodyPr wrap="none" rtlCol="0">
+            <a:spAutoFit/>
+          </a:bodyPr>
+          <a:lstStyle/>
+          <a:p>
+            <a:r>
+              <a:rPr lang="en-GB" sz="2000" b="1" dirty="0" smtClean="0"/>
+              <a:t>Throttle </a:t>
+            </a:r>
+            <a:endParaRPr lang="en-GB" sz="2000" b="1" dirty="0"/>
+          </a:p>
+        </p:txBody>
+      </p:sp>
+    </p:spTree>
+    <p:extLst>
+      <p:ext uri="{BB962C8B-B14F-4D97-AF65-F5344CB8AC3E}">
+        <p14:creationId xmlns:p14="http://schemas.microsoft.com/office/powerpoint/2010/main" val="1830487976"/>
+      </p:ext>
+    </p:extLst>
+  </p:cSld>
+  <p:clrMapOvr>
+    <a:masterClrMapping/>
+  </p:clrMapOvr>
+</p:sld>
+</file>
+
 <file path=ppt/theme/theme1.xml><?xml version="1.0" encoding="utf-8"?>
 <a:theme xmlns:a="http://schemas.openxmlformats.org/drawingml/2006/main" name="Office Theme">
   <a:themeElements>

--- a/Write Up/Power Point/Dia.pptx
+++ b/Write Up/Power Point/Dia.pptx
@@ -6428,8 +6428,8 @@
         </p:nvSpPr>
         <p:spPr>
           <a:xfrm>
-            <a:off x="8456951" y="5314718"/>
-            <a:ext cx="1335741" cy="932329"/>
+            <a:off x="8339286" y="5314718"/>
+            <a:ext cx="1509563" cy="932329"/>
           </a:xfrm>
           <a:prstGeom prst="flowChartDecision">
             <a:avLst/>
@@ -6460,8 +6460,16 @@
           <a:p>
             <a:pPr algn="ctr"/>
             <a:r>
+              <a:rPr lang="en-GB" sz="1200" smtClean="0"/>
+              <a:t>Event </a:t>
+            </a:r>
+            <a:r>
+              <a:rPr lang="en-GB" sz="1200" smtClean="0"/>
+              <a:t>triggered </a:t>
+            </a:r>
+            <a:r>
               <a:rPr lang="en-GB" sz="1200" dirty="0" smtClean="0"/>
-              <a:t>Event started ?</a:t>
+              <a:t>?</a:t>
             </a:r>
             <a:endParaRPr lang="en-GB" sz="1200" dirty="0"/>
           </a:p>
@@ -6523,9 +6531,9 @@
           <p:nvPr/>
         </p:nvCxnSpPr>
         <p:spPr>
-          <a:xfrm>
-            <a:off x="9102411" y="4981427"/>
-            <a:ext cx="22411" cy="333291"/>
+          <a:xfrm flipH="1">
+            <a:off x="9094068" y="4981426"/>
+            <a:ext cx="8342" cy="333292"/>
           </a:xfrm>
           <a:prstGeom prst="straightConnector1">
             <a:avLst/>
@@ -6561,7 +6569,7 @@
         <p:spPr>
           <a:xfrm flipH="1">
             <a:off x="8122264" y="5780883"/>
-            <a:ext cx="334687" cy="0"/>
+            <a:ext cx="217022" cy="0"/>
           </a:xfrm>
           <a:prstGeom prst="straightConnector1">
             <a:avLst/>
@@ -6830,8 +6838,8 @@
         </p:nvCxnSpPr>
         <p:spPr>
           <a:xfrm flipV="1">
-            <a:off x="9792692" y="5776888"/>
-            <a:ext cx="348533" cy="3995"/>
+            <a:off x="9848849" y="5776888"/>
+            <a:ext cx="292376" cy="3995"/>
           </a:xfrm>
           <a:prstGeom prst="straightConnector1">
             <a:avLst/>
